--- a/trunk/slides/sep2017/14-lambdas.pptx
+++ b/trunk/slides/sep2017/14-lambdas.pptx
@@ -80,12 +80,15 @@
     <p:sldId id="319" r:id="rId74"/>
     <p:sldId id="323" r:id="rId75"/>
     <p:sldId id="331" r:id="rId76"/>
-    <p:sldId id="324" r:id="rId77"/>
-    <p:sldId id="325" r:id="rId78"/>
-    <p:sldId id="326" r:id="rId79"/>
-    <p:sldId id="327" r:id="rId80"/>
-    <p:sldId id="328" r:id="rId81"/>
-    <p:sldId id="290" r:id="rId82"/>
+    <p:sldId id="344" r:id="rId77"/>
+    <p:sldId id="345" r:id="rId78"/>
+    <p:sldId id="343" r:id="rId79"/>
+    <p:sldId id="324" r:id="rId80"/>
+    <p:sldId id="325" r:id="rId81"/>
+    <p:sldId id="326" r:id="rId82"/>
+    <p:sldId id="327" r:id="rId83"/>
+    <p:sldId id="328" r:id="rId84"/>
+    <p:sldId id="290" r:id="rId85"/>
   </p:sldIdLst>
   <p:sldSz cx="12192000" cy="6858000"/>
   <p:notesSz cx="6858000" cy="9144000"/>
@@ -264,6 +267,9 @@
             <p14:sldId id="319"/>
             <p14:sldId id="323"/>
             <p14:sldId id="331"/>
+            <p14:sldId id="344"/>
+            <p14:sldId id="345"/>
+            <p14:sldId id="343"/>
             <p14:sldId id="324"/>
             <p14:sldId id="325"/>
             <p14:sldId id="326"/>
@@ -3881,7 +3887,7 @@
             <a:fld id="{96DFF08F-DC6B-4601-B491-B0F83F6DD2DA}" type="datetimeFigureOut">
               <a:rPr lang="en-US" dirty="0"/>
               <a:pPr/>
-              <a:t>3/21/2018</a:t>
+              <a:t>3/28/2018</a:t>
             </a:fld>
             <a:endParaRPr lang="en-US" dirty="0"/>
           </a:p>
@@ -4098,7 +4104,7 @@
           <a:p>
             <a:fld id="{96DFF08F-DC6B-4601-B491-B0F83F6DD2DA}" type="datetimeFigureOut">
               <a:rPr lang="en-US" dirty="0"/>
-              <a:t>3/21/2018</a:t>
+              <a:t>3/28/2018</a:t>
             </a:fld>
             <a:endParaRPr lang="en-US" dirty="0"/>
           </a:p>
@@ -4273,7 +4279,7 @@
           <a:p>
             <a:fld id="{96DFF08F-DC6B-4601-B491-B0F83F6DD2DA}" type="datetimeFigureOut">
               <a:rPr lang="en-US" dirty="0"/>
-              <a:t>3/21/2018</a:t>
+              <a:t>3/28/2018</a:t>
             </a:fld>
             <a:endParaRPr lang="en-US" dirty="0"/>
           </a:p>
@@ -4438,7 +4444,7 @@
           <a:p>
             <a:fld id="{96DFF08F-DC6B-4601-B491-B0F83F6DD2DA}" type="datetimeFigureOut">
               <a:rPr lang="en-US" dirty="0"/>
-              <a:t>3/21/2018</a:t>
+              <a:t>3/28/2018</a:t>
             </a:fld>
             <a:endParaRPr lang="en-US" dirty="0"/>
           </a:p>
@@ -4684,7 +4690,7 @@
           <a:p>
             <a:fld id="{96DFF08F-DC6B-4601-B491-B0F83F6DD2DA}" type="datetimeFigureOut">
               <a:rPr lang="en-US" dirty="0"/>
-              <a:t>3/21/2018</a:t>
+              <a:t>3/28/2018</a:t>
             </a:fld>
             <a:endParaRPr lang="en-US" dirty="0"/>
           </a:p>
@@ -5002,7 +5008,7 @@
           <a:p>
             <a:fld id="{96DFF08F-DC6B-4601-B491-B0F83F6DD2DA}" type="datetimeFigureOut">
               <a:rPr lang="en-US" dirty="0"/>
-              <a:t>3/21/2018</a:t>
+              <a:t>3/28/2018</a:t>
             </a:fld>
             <a:endParaRPr lang="en-US" dirty="0"/>
           </a:p>
@@ -5421,7 +5427,7 @@
           <a:p>
             <a:fld id="{96DFF08F-DC6B-4601-B491-B0F83F6DD2DA}" type="datetimeFigureOut">
               <a:rPr lang="en-US" dirty="0"/>
-              <a:t>3/21/2018</a:t>
+              <a:t>3/28/2018</a:t>
             </a:fld>
             <a:endParaRPr lang="en-US" dirty="0"/>
           </a:p>
@@ -5534,7 +5540,7 @@
           <a:p>
             <a:fld id="{96DFF08F-DC6B-4601-B491-B0F83F6DD2DA}" type="datetimeFigureOut">
               <a:rPr lang="en-US" dirty="0"/>
-              <a:t>3/21/2018</a:t>
+              <a:t>3/28/2018</a:t>
             </a:fld>
             <a:endParaRPr lang="en-US" dirty="0"/>
           </a:p>
@@ -5624,7 +5630,7 @@
           <a:p>
             <a:fld id="{96DFF08F-DC6B-4601-B491-B0F83F6DD2DA}" type="datetimeFigureOut">
               <a:rPr lang="en-US" dirty="0"/>
-              <a:t>3/21/2018</a:t>
+              <a:t>3/28/2018</a:t>
             </a:fld>
             <a:endParaRPr lang="en-US" dirty="0"/>
           </a:p>
@@ -5909,7 +5915,7 @@
           <a:p>
             <a:fld id="{96DFF08F-DC6B-4601-B491-B0F83F6DD2DA}" type="datetimeFigureOut">
               <a:rPr lang="en-US" dirty="0"/>
-              <a:t>3/21/2018</a:t>
+              <a:t>3/28/2018</a:t>
             </a:fld>
             <a:endParaRPr lang="en-US" dirty="0"/>
           </a:p>
@@ -6176,7 +6182,7 @@
           <a:p>
             <a:fld id="{96DFF08F-DC6B-4601-B491-B0F83F6DD2DA}" type="datetimeFigureOut">
               <a:rPr lang="en-US" dirty="0"/>
-              <a:t>3/21/2018</a:t>
+              <a:t>3/28/2018</a:t>
             </a:fld>
             <a:endParaRPr lang="en-US" dirty="0"/>
           </a:p>
@@ -6425,7 +6431,7 @@
             <a:fld id="{96DFF08F-DC6B-4601-B491-B0F83F6DD2DA}" type="datetimeFigureOut">
               <a:rPr lang="en-US" dirty="0"/>
               <a:pPr/>
-              <a:t>3/21/2018</a:t>
+              <a:t>3/28/2018</a:t>
             </a:fld>
             <a:endParaRPr lang="en-US" dirty="0"/>
           </a:p>
@@ -7295,6 +7301,13 @@
   <p:clrMapOvr>
     <a:masterClrMapping/>
   </p:clrMapOvr>
+  <p:timing>
+    <p:tnLst>
+      <p:par>
+        <p:cTn id="1" dur="indefinite" restart="never" nodeType="tmRoot"/>
+      </p:par>
+    </p:tnLst>
+  </p:timing>
 </p:sld>
 </file>
 
@@ -7458,6 +7471,13 @@
   <p:clrMapOvr>
     <a:masterClrMapping/>
   </p:clrMapOvr>
+  <p:timing>
+    <p:tnLst>
+      <p:par>
+        <p:cTn id="1" dur="indefinite" restart="never" nodeType="tmRoot"/>
+      </p:par>
+    </p:tnLst>
+  </p:timing>
 </p:sld>
 </file>
 
@@ -7703,6 +7723,13 @@
   <p:clrMapOvr>
     <a:masterClrMapping/>
   </p:clrMapOvr>
+  <p:timing>
+    <p:tnLst>
+      <p:par>
+        <p:cTn id="1" dur="indefinite" restart="never" nodeType="tmRoot"/>
+      </p:par>
+    </p:tnLst>
+  </p:timing>
 </p:sld>
 </file>
 
@@ -8016,6 +8043,13 @@
   <p:clrMapOvr>
     <a:masterClrMapping/>
   </p:clrMapOvr>
+  <p:timing>
+    <p:tnLst>
+      <p:par>
+        <p:cTn id="1" dur="indefinite" restart="never" nodeType="tmRoot"/>
+      </p:par>
+    </p:tnLst>
+  </p:timing>
 </p:sld>
 </file>
 
@@ -8268,6 +8302,13 @@
   <p:clrMapOvr>
     <a:masterClrMapping/>
   </p:clrMapOvr>
+  <p:timing>
+    <p:tnLst>
+      <p:par>
+        <p:cTn id="1" dur="indefinite" restart="never" nodeType="tmRoot"/>
+      </p:par>
+    </p:tnLst>
+  </p:timing>
 </p:sld>
 </file>
 
@@ -8534,6 +8575,13 @@
   <p:clrMapOvr>
     <a:masterClrMapping/>
   </p:clrMapOvr>
+  <p:timing>
+    <p:tnLst>
+      <p:par>
+        <p:cTn id="1" dur="indefinite" restart="never" nodeType="tmRoot"/>
+      </p:par>
+    </p:tnLst>
+  </p:timing>
 </p:sld>
 </file>
 
@@ -8615,6 +8663,13 @@
   <p:clrMapOvr>
     <a:masterClrMapping/>
   </p:clrMapOvr>
+  <p:timing>
+    <p:tnLst>
+      <p:par>
+        <p:cTn id="1" dur="indefinite" restart="never" nodeType="tmRoot"/>
+      </p:par>
+    </p:tnLst>
+  </p:timing>
 </p:sld>
 </file>
 
@@ -8670,7 +8725,12 @@
             <p:ph idx="1"/>
           </p:nvPr>
         </p:nvSpPr>
-        <p:spPr/>
+        <p:spPr>
+          <a:xfrm>
+            <a:off x="1143000" y="2057400"/>
+            <a:ext cx="10153357" cy="4038600"/>
+          </a:xfrm>
+        </p:spPr>
         <p:txBody>
           <a:bodyPr>
             <a:normAutofit/>
@@ -8692,7 +8752,7 @@
               <a:rPr lang="en-US" sz="2400" smtClean="0">
                 <a:latin typeface="Consolas" panose="020B0609020204030204" pitchFamily="49" charset="0"/>
               </a:rPr>
-              <a:t>auto t = [](float x, float y) { return abs(x) &lt; abs(y); }</a:t>
+              <a:t>auto t = [](float x, float y) { return abs(x) &lt; abs(y); };</a:t>
             </a:r>
             <a:endParaRPr lang="ru-RU" sz="2400" smtClean="0">
               <a:latin typeface="Consolas" panose="020B0609020204030204" pitchFamily="49" charset="0"/>
@@ -8833,6 +8893,13 @@
   <p:clrMapOvr>
     <a:masterClrMapping/>
   </p:clrMapOvr>
+  <p:timing>
+    <p:tnLst>
+      <p:par>
+        <p:cTn id="1" dur="indefinite" restart="never" nodeType="tmRoot"/>
+      </p:par>
+    </p:tnLst>
+  </p:timing>
 </p:sld>
 </file>
 
@@ -9110,6 +9177,13 @@
   <p:clrMapOvr>
     <a:masterClrMapping/>
   </p:clrMapOvr>
+  <p:timing>
+    <p:tnLst>
+      <p:par>
+        <p:cTn id="1" dur="indefinite" restart="never" nodeType="tmRoot"/>
+      </p:par>
+    </p:tnLst>
+  </p:timing>
 </p:sld>
 </file>
 
@@ -9432,6 +9506,13 @@
   <p:clrMapOvr>
     <a:masterClrMapping/>
   </p:clrMapOvr>
+  <p:timing>
+    <p:tnLst>
+      <p:par>
+        <p:cTn id="1" dur="indefinite" restart="never" nodeType="tmRoot"/>
+      </p:par>
+    </p:tnLst>
+  </p:timing>
 </p:sld>
 </file>
 
@@ -10111,6 +10192,13 @@
   <p:clrMapOvr>
     <a:masterClrMapping/>
   </p:clrMapOvr>
+  <p:timing>
+    <p:tnLst>
+      <p:par>
+        <p:cTn id="1" dur="indefinite" restart="never" nodeType="tmRoot"/>
+      </p:par>
+    </p:tnLst>
+  </p:timing>
 </p:sld>
 </file>
 
@@ -10227,6 +10315,13 @@
   <p:clrMapOvr>
     <a:masterClrMapping/>
   </p:clrMapOvr>
+  <p:timing>
+    <p:tnLst>
+      <p:par>
+        <p:cTn id="1" dur="indefinite" restart="never" nodeType="tmRoot"/>
+      </p:par>
+    </p:tnLst>
+  </p:timing>
 </p:sld>
 </file>
 
@@ -10439,6 +10534,13 @@
   <p:clrMapOvr>
     <a:masterClrMapping/>
   </p:clrMapOvr>
+  <p:timing>
+    <p:tnLst>
+      <p:par>
+        <p:cTn id="1" dur="indefinite" restart="never" nodeType="tmRoot"/>
+      </p:par>
+    </p:tnLst>
+  </p:timing>
 </p:sld>
 </file>
 
@@ -10837,6 +10939,13 @@
   <p:clrMapOvr>
     <a:masterClrMapping/>
   </p:clrMapOvr>
+  <p:timing>
+    <p:tnLst>
+      <p:par>
+        <p:cTn id="1" dur="indefinite" restart="never" nodeType="tmRoot"/>
+      </p:par>
+    </p:tnLst>
+  </p:timing>
 </p:sld>
 </file>
 
@@ -11095,6 +11204,13 @@
   <p:clrMapOvr>
     <a:masterClrMapping/>
   </p:clrMapOvr>
+  <p:timing>
+    <p:tnLst>
+      <p:par>
+        <p:cTn id="1" dur="indefinite" restart="never" nodeType="tmRoot"/>
+      </p:par>
+    </p:tnLst>
+  </p:timing>
 </p:sld>
 </file>
 
@@ -11411,6 +11527,13 @@
   <p:clrMapOvr>
     <a:masterClrMapping/>
   </p:clrMapOvr>
+  <p:timing>
+    <p:tnLst>
+      <p:par>
+        <p:cTn id="1" dur="indefinite" restart="never" nodeType="tmRoot"/>
+      </p:par>
+    </p:tnLst>
+  </p:timing>
 </p:sld>
 </file>
 
@@ -11897,6 +12020,13 @@
   <p:clrMapOvr>
     <a:masterClrMapping/>
   </p:clrMapOvr>
+  <p:timing>
+    <p:tnLst>
+      <p:par>
+        <p:cTn id="1" dur="indefinite" restart="never" nodeType="tmRoot"/>
+      </p:par>
+    </p:tnLst>
+  </p:timing>
 </p:sld>
 </file>
 
@@ -12250,6 +12380,13 @@
   <p:clrMapOvr>
     <a:masterClrMapping/>
   </p:clrMapOvr>
+  <p:timing>
+    <p:tnLst>
+      <p:par>
+        <p:cTn id="1" dur="indefinite" restart="never" nodeType="tmRoot"/>
+      </p:par>
+    </p:tnLst>
+  </p:timing>
 </p:sld>
 </file>
 
@@ -12676,6 +12813,13 @@
   <p:clrMapOvr>
     <a:masterClrMapping/>
   </p:clrMapOvr>
+  <p:timing>
+    <p:tnLst>
+      <p:par>
+        <p:cTn id="1" dur="indefinite" restart="never" nodeType="tmRoot"/>
+      </p:par>
+    </p:tnLst>
+  </p:timing>
 </p:sld>
 </file>
 
@@ -13008,6 +13152,13 @@
   <p:clrMapOvr>
     <a:masterClrMapping/>
   </p:clrMapOvr>
+  <p:timing>
+    <p:tnLst>
+      <p:par>
+        <p:cTn id="1" dur="indefinite" restart="never" nodeType="tmRoot"/>
+      </p:par>
+    </p:tnLst>
+  </p:timing>
 </p:sld>
 </file>
 
@@ -13204,6 +13355,13 @@
   <p:clrMapOvr>
     <a:masterClrMapping/>
   </p:clrMapOvr>
+  <p:timing>
+    <p:tnLst>
+      <p:par>
+        <p:cTn id="1" dur="indefinite" restart="never" nodeType="tmRoot"/>
+      </p:par>
+    </p:tnLst>
+  </p:timing>
 </p:sld>
 </file>
 
@@ -13377,6 +13535,13 @@
   <p:clrMapOvr>
     <a:masterClrMapping/>
   </p:clrMapOvr>
+  <p:timing>
+    <p:tnLst>
+      <p:par>
+        <p:cTn id="1" dur="indefinite" restart="never" nodeType="tmRoot"/>
+      </p:par>
+    </p:tnLst>
+  </p:timing>
 </p:sld>
 </file>
 
@@ -13635,6 +13800,13 @@
   <p:clrMapOvr>
     <a:masterClrMapping/>
   </p:clrMapOvr>
+  <p:timing>
+    <p:tnLst>
+      <p:par>
+        <p:cTn id="1" dur="indefinite" restart="never" nodeType="tmRoot"/>
+      </p:par>
+    </p:tnLst>
+  </p:timing>
 </p:sld>
 </file>
 
@@ -14188,6 +14360,13 @@
   <p:clrMapOvr>
     <a:masterClrMapping/>
   </p:clrMapOvr>
+  <p:timing>
+    <p:tnLst>
+      <p:par>
+        <p:cTn id="1" dur="indefinite" restart="never" nodeType="tmRoot"/>
+      </p:par>
+    </p:tnLst>
+  </p:timing>
 </p:sld>
 </file>
 
@@ -14436,6 +14615,13 @@
   <p:clrMapOvr>
     <a:masterClrMapping/>
   </p:clrMapOvr>
+  <p:timing>
+    <p:tnLst>
+      <p:par>
+        <p:cTn id="1" dur="indefinite" restart="never" nodeType="tmRoot"/>
+      </p:par>
+    </p:tnLst>
+  </p:timing>
 </p:sld>
 </file>
 
@@ -14552,6 +14738,13 @@
   <p:clrMapOvr>
     <a:masterClrMapping/>
   </p:clrMapOvr>
+  <p:timing>
+    <p:tnLst>
+      <p:par>
+        <p:cTn id="1" dur="indefinite" restart="never" nodeType="tmRoot"/>
+      </p:par>
+    </p:tnLst>
+  </p:timing>
 </p:sld>
 </file>
 
@@ -14705,6 +14898,13 @@
   <p:clrMapOvr>
     <a:masterClrMapping/>
   </p:clrMapOvr>
+  <p:timing>
+    <p:tnLst>
+      <p:par>
+        <p:cTn id="1" dur="indefinite" restart="never" nodeType="tmRoot"/>
+      </p:par>
+    </p:tnLst>
+  </p:timing>
 </p:sld>
 </file>
 
@@ -15013,6 +15213,13 @@
   <p:clrMapOvr>
     <a:masterClrMapping/>
   </p:clrMapOvr>
+  <p:timing>
+    <p:tnLst>
+      <p:par>
+        <p:cTn id="1" dur="indefinite" restart="never" nodeType="tmRoot"/>
+      </p:par>
+    </p:tnLst>
+  </p:timing>
 </p:sld>
 </file>
 
@@ -15362,6 +15569,13 @@
   <p:clrMapOvr>
     <a:masterClrMapping/>
   </p:clrMapOvr>
+  <p:timing>
+    <p:tnLst>
+      <p:par>
+        <p:cTn id="1" dur="indefinite" restart="never" nodeType="tmRoot"/>
+      </p:par>
+    </p:tnLst>
+  </p:timing>
 </p:sld>
 </file>
 
@@ -15503,6 +15717,13 @@
   <p:clrMapOvr>
     <a:masterClrMapping/>
   </p:clrMapOvr>
+  <p:timing>
+    <p:tnLst>
+      <p:par>
+        <p:cTn id="1" dur="indefinite" restart="never" nodeType="tmRoot"/>
+      </p:par>
+    </p:tnLst>
+  </p:timing>
 </p:sld>
 </file>
 
@@ -15898,6 +16119,13 @@
   <p:clrMapOvr>
     <a:masterClrMapping/>
   </p:clrMapOvr>
+  <p:timing>
+    <p:tnLst>
+      <p:par>
+        <p:cTn id="1" dur="indefinite" restart="never" nodeType="tmRoot"/>
+      </p:par>
+    </p:tnLst>
+  </p:timing>
 </p:sld>
 </file>
 
@@ -16320,6 +16548,13 @@
   <p:clrMapOvr>
     <a:masterClrMapping/>
   </p:clrMapOvr>
+  <p:timing>
+    <p:tnLst>
+      <p:par>
+        <p:cTn id="1" dur="indefinite" restart="never" nodeType="tmRoot"/>
+      </p:par>
+    </p:tnLst>
+  </p:timing>
 </p:sld>
 </file>
 
@@ -16580,6 +16815,13 @@
   <p:clrMapOvr>
     <a:masterClrMapping/>
   </p:clrMapOvr>
+  <p:timing>
+    <p:tnLst>
+      <p:par>
+        <p:cTn id="1" dur="indefinite" restart="never" nodeType="tmRoot"/>
+      </p:par>
+    </p:tnLst>
+  </p:timing>
 </p:sld>
 </file>
 
@@ -16716,7 +16958,7 @@
                 </a:solidFill>
                 <a:latin typeface="Consolas" panose="020B0609020204030204" pitchFamily="49" charset="0"/>
               </a:rPr>
-              <a:t>foo();</a:t>
+              <a:t>foo(1);</a:t>
             </a:r>
             <a:endParaRPr lang="ru-RU" smtClean="0">
               <a:solidFill>
@@ -16768,6 +17010,13 @@
   <p:clrMapOvr>
     <a:masterClrMapping/>
   </p:clrMapOvr>
+  <p:timing>
+    <p:tnLst>
+      <p:par>
+        <p:cTn id="1" dur="indefinite" restart="never" nodeType="tmRoot"/>
+      </p:par>
+    </p:tnLst>
+  </p:timing>
 </p:sld>
 </file>
 
@@ -17013,6 +17262,13 @@
   <p:clrMapOvr>
     <a:masterClrMapping/>
   </p:clrMapOvr>
+  <p:timing>
+    <p:tnLst>
+      <p:par>
+        <p:cTn id="1" dur="indefinite" restart="never" nodeType="tmRoot"/>
+      </p:par>
+    </p:tnLst>
+  </p:timing>
 </p:sld>
 </file>
 
@@ -17436,6 +17692,13 @@
   <p:clrMapOvr>
     <a:masterClrMapping/>
   </p:clrMapOvr>
+  <p:timing>
+    <p:tnLst>
+      <p:par>
+        <p:cTn id="1" dur="indefinite" restart="never" nodeType="tmRoot"/>
+      </p:par>
+    </p:tnLst>
+  </p:timing>
 </p:sld>
 </file>
 
@@ -17684,6 +17947,13 @@
   <p:clrMapOvr>
     <a:masterClrMapping/>
   </p:clrMapOvr>
+  <p:timing>
+    <p:tnLst>
+      <p:par>
+        <p:cTn id="1" dur="indefinite" restart="never" nodeType="tmRoot"/>
+      </p:par>
+    </p:tnLst>
+  </p:timing>
 </p:sld>
 </file>
 
@@ -17830,7 +18100,7 @@
               <a:rPr lang="en-US" smtClean="0">
                 <a:latin typeface="Consolas" panose="020B0609020204030204" pitchFamily="49" charset="0"/>
               </a:rPr>
-              <a:t>](int x) { </a:t>
+              <a:t>](int x) mutable { </a:t>
             </a:r>
             <a:r>
               <a:rPr lang="en-US" smtClean="0">
@@ -17875,6 +18145,13 @@
   <p:clrMapOvr>
     <a:masterClrMapping/>
   </p:clrMapOvr>
+  <p:timing>
+    <p:tnLst>
+      <p:par>
+        <p:cTn id="1" dur="indefinite" restart="never" nodeType="tmRoot"/>
+      </p:par>
+    </p:tnLst>
+  </p:timing>
 </p:sld>
 </file>
 
@@ -18390,6 +18667,13 @@
   <p:clrMapOvr>
     <a:masterClrMapping/>
   </p:clrMapOvr>
+  <p:timing>
+    <p:tnLst>
+      <p:par>
+        <p:cTn id="1" dur="indefinite" restart="never" nodeType="tmRoot"/>
+      </p:par>
+    </p:tnLst>
+  </p:timing>
 </p:sld>
 </file>
 
@@ -19889,6 +20173,13 @@
   <p:clrMapOvr>
     <a:masterClrMapping/>
   </p:clrMapOvr>
+  <p:timing>
+    <p:tnLst>
+      <p:par>
+        <p:cTn id="1" dur="indefinite" restart="never" nodeType="tmRoot"/>
+      </p:par>
+    </p:tnLst>
+  </p:timing>
 </p:sld>
 </file>
 
@@ -20179,6 +20470,13 @@
   <p:clrMapOvr>
     <a:masterClrMapping/>
   </p:clrMapOvr>
+  <p:timing>
+    <p:tnLst>
+      <p:par>
+        <p:cTn id="1" dur="indefinite" restart="never" nodeType="tmRoot"/>
+      </p:par>
+    </p:tnLst>
+  </p:timing>
 </p:sld>
 </file>
 
@@ -20384,6 +20682,13 @@
   <p:clrMapOvr>
     <a:masterClrMapping/>
   </p:clrMapOvr>
+  <p:timing>
+    <p:tnLst>
+      <p:par>
+        <p:cTn id="1" dur="indefinite" restart="never" nodeType="tmRoot"/>
+      </p:par>
+    </p:tnLst>
+  </p:timing>
 </p:sld>
 </file>
 
@@ -20500,6 +20805,13 @@
   <p:clrMapOvr>
     <a:masterClrMapping/>
   </p:clrMapOvr>
+  <p:timing>
+    <p:tnLst>
+      <p:par>
+        <p:cTn id="1" dur="indefinite" restart="never" nodeType="tmRoot"/>
+      </p:par>
+    </p:tnLst>
+  </p:timing>
 </p:sld>
 </file>
 
@@ -20537,7 +20849,13 @@
           <a:p>
             <a:r>
               <a:rPr lang="ru-RU" smtClean="0"/>
-              <a:t>Типизация лямбд</a:t>
+              <a:t>Типизация </a:t>
+            </a:r>
+            <a:r>
+              <a:rPr lang="ru-RU">
+                <a:sym typeface="Symbol" panose="05050102010706020507" pitchFamily="18" charset="2"/>
+              </a:rPr>
+              <a:t>-выражений</a:t>
             </a:r>
             <a:endParaRPr lang="en-US"/>
           </a:p>
@@ -20559,8 +20877,20 @@
           <a:lstStyle/>
           <a:p>
             <a:r>
+              <a:rPr lang="ru-RU">
+                <a:sym typeface="Symbol" panose="05050102010706020507" pitchFamily="18" charset="2"/>
+              </a:rPr>
+              <a:t>-</a:t>
+            </a:r>
+            <a:r>
+              <a:rPr lang="ru-RU" smtClean="0">
+                <a:sym typeface="Symbol" panose="05050102010706020507" pitchFamily="18" charset="2"/>
+              </a:rPr>
+              <a:t>выражение </a:t>
+            </a:r>
+            <a:r>
               <a:rPr lang="ru-RU" smtClean="0"/>
-              <a:t>Лямбда без захвата деградирует к указателю на функцию</a:t>
+              <a:t>без захвата неявно приводится к указателю на функцию</a:t>
             </a:r>
           </a:p>
           <a:p>
@@ -20695,6 +21025,31 @@
             <a:endParaRPr lang="ru-RU" smtClean="0">
               <a:latin typeface="Consolas" panose="020B0609020204030204" pitchFamily="49" charset="0"/>
             </a:endParaRPr>
+          </a:p>
+          <a:p>
+            <a:r>
+              <a:rPr lang="ru-RU" smtClean="0"/>
+              <a:t>Это происходит за счёт оператора приведения типа в её замыкании</a:t>
+            </a:r>
+          </a:p>
+          <a:p>
+            <a:r>
+              <a:rPr lang="ru-RU" smtClean="0"/>
+              <a:t>Обсуждение: почему такого не происходит для </a:t>
+            </a:r>
+            <a:r>
+              <a:rPr lang="ru-RU">
+                <a:sym typeface="Symbol" panose="05050102010706020507" pitchFamily="18" charset="2"/>
+              </a:rPr>
+              <a:t>-</a:t>
+            </a:r>
+            <a:r>
+              <a:rPr lang="ru-RU" smtClean="0">
+                <a:sym typeface="Symbol" panose="05050102010706020507" pitchFamily="18" charset="2"/>
+              </a:rPr>
+              <a:t>выражений с захватом?</a:t>
+            </a:r>
+            <a:endParaRPr lang="ru-RU" smtClean="0"/>
           </a:p>
         </p:txBody>
       </p:sp>
@@ -20708,6 +21063,13 @@
   <p:clrMapOvr>
     <a:masterClrMapping/>
   </p:clrMapOvr>
+  <p:timing>
+    <p:tnLst>
+      <p:par>
+        <p:cTn id="1" dur="indefinite" restart="never" nodeType="tmRoot"/>
+      </p:par>
+    </p:tnLst>
+  </p:timing>
 </p:sld>
 </file>
 
@@ -20745,7 +21107,13 @@
           <a:p>
             <a:r>
               <a:rPr lang="ru-RU" smtClean="0"/>
-              <a:t>Типизация лямбд</a:t>
+              <a:t>Типизация </a:t>
+            </a:r>
+            <a:r>
+              <a:rPr lang="ru-RU">
+                <a:sym typeface="Symbol" panose="05050102010706020507" pitchFamily="18" charset="2"/>
+              </a:rPr>
+              <a:t>-выражений</a:t>
             </a:r>
             <a:endParaRPr lang="en-US"/>
           </a:p>
@@ -20768,7 +21136,7 @@
           <a:p>
             <a:r>
               <a:rPr lang="ru-RU" smtClean="0"/>
-              <a:t>Лямбда без захвата деградирует к указателю на функцию</a:t>
+              <a:t>Что делать когда контекста неявного приведения нет?</a:t>
             </a:r>
           </a:p>
           <a:p>
@@ -20776,24 +21144,30 @@
               <a:buNone/>
             </a:pPr>
             <a:r>
-              <a:rPr lang="en-US" smtClean="0">
-                <a:latin typeface="Consolas" panose="020B0609020204030204" pitchFamily="49" charset="0"/>
-              </a:rPr>
-              <a:t>typedef </a:t>
-            </a:r>
-            <a:r>
-              <a:rPr lang="en-US">
-                <a:latin typeface="Consolas" panose="020B0609020204030204" pitchFamily="49" charset="0"/>
-              </a:rPr>
-              <a:t>int (*fptr_t</a:t>
-            </a:r>
-            <a:r>
-              <a:rPr lang="en-US" smtClean="0">
-                <a:latin typeface="Consolas" panose="020B0609020204030204" pitchFamily="49" charset="0"/>
-              </a:rPr>
-              <a:t>)();</a:t>
-            </a:r>
-            <a:endParaRPr lang="ru-RU" smtClean="0">
+              <a:rPr lang="fr-FR">
+                <a:latin typeface="Consolas" panose="020B0609020204030204" pitchFamily="49" charset="0"/>
+              </a:rPr>
+              <a:t>template &lt;typename </a:t>
+            </a:r>
+            <a:r>
+              <a:rPr lang="fr-FR" smtClean="0">
+                <a:latin typeface="Consolas" panose="020B0609020204030204" pitchFamily="49" charset="0"/>
+              </a:rPr>
+              <a:t>T&gt; T </a:t>
+            </a:r>
+            <a:r>
+              <a:rPr lang="fr-FR">
+                <a:latin typeface="Consolas" panose="020B0609020204030204" pitchFamily="49" charset="0"/>
+              </a:rPr>
+              <a:t>apply (T(*f</a:t>
+            </a:r>
+            <a:r>
+              <a:rPr lang="fr-FR" smtClean="0">
+                <a:latin typeface="Consolas" panose="020B0609020204030204" pitchFamily="49" charset="0"/>
+              </a:rPr>
+              <a:t>)());</a:t>
+            </a:r>
+            <a:endParaRPr lang="en-US" smtClean="0">
               <a:latin typeface="Consolas" panose="020B0609020204030204" pitchFamily="49" charset="0"/>
             </a:endParaRPr>
           </a:p>
@@ -20805,133 +21179,7 @@
               <a:rPr lang="en-US" smtClean="0">
                 <a:latin typeface="Consolas" panose="020B0609020204030204" pitchFamily="49" charset="0"/>
               </a:rPr>
-              <a:t>int test()</a:t>
-            </a:r>
-            <a:r>
-              <a:rPr lang="ru-RU" smtClean="0">
-                <a:latin typeface="Consolas" panose="020B0609020204030204" pitchFamily="49" charset="0"/>
-              </a:rPr>
-              <a:t> </a:t>
-            </a:r>
-            <a:r>
-              <a:rPr lang="en-US" smtClean="0">
-                <a:latin typeface="Consolas" panose="020B0609020204030204" pitchFamily="49" charset="0"/>
-              </a:rPr>
-              <a:t>{</a:t>
-            </a:r>
-            <a:r>
-              <a:rPr lang="ru-RU" smtClean="0">
-                <a:latin typeface="Consolas" panose="020B0609020204030204" pitchFamily="49" charset="0"/>
-              </a:rPr>
-              <a:t/>
-            </a:r>
-            <a:br>
-              <a:rPr lang="ru-RU" smtClean="0">
-                <a:latin typeface="Consolas" panose="020B0609020204030204" pitchFamily="49" charset="0"/>
-              </a:rPr>
-            </a:br>
-            <a:r>
-              <a:rPr lang="ru-RU" smtClean="0">
-                <a:latin typeface="Consolas" panose="020B0609020204030204" pitchFamily="49" charset="0"/>
-              </a:rPr>
-              <a:t>  </a:t>
-            </a:r>
-            <a:r>
-              <a:rPr lang="en-US" smtClean="0">
-                <a:latin typeface="Consolas" panose="020B0609020204030204" pitchFamily="49" charset="0"/>
-              </a:rPr>
-              <a:t>fptr_t </a:t>
-            </a:r>
-            <a:r>
-              <a:rPr lang="en-US">
-                <a:latin typeface="Consolas" panose="020B0609020204030204" pitchFamily="49" charset="0"/>
-              </a:rPr>
-              <a:t>fptr = [] { return 2; </a:t>
-            </a:r>
-            <a:r>
-              <a:rPr lang="en-US" smtClean="0">
-                <a:latin typeface="Consolas" panose="020B0609020204030204" pitchFamily="49" charset="0"/>
-              </a:rPr>
-              <a:t>};</a:t>
-            </a:r>
-            <a:r>
-              <a:rPr lang="ru-RU" smtClean="0">
-                <a:latin typeface="Consolas" panose="020B0609020204030204" pitchFamily="49" charset="0"/>
-              </a:rPr>
-              <a:t/>
-            </a:r>
-            <a:br>
-              <a:rPr lang="ru-RU" smtClean="0">
-                <a:latin typeface="Consolas" panose="020B0609020204030204" pitchFamily="49" charset="0"/>
-              </a:rPr>
-            </a:br>
-            <a:r>
-              <a:rPr lang="en-US" smtClean="0">
-                <a:latin typeface="Consolas" panose="020B0609020204030204" pitchFamily="49" charset="0"/>
-              </a:rPr>
-              <a:t>  </a:t>
-            </a:r>
-            <a:r>
-              <a:rPr lang="en-US">
-                <a:latin typeface="Consolas" panose="020B0609020204030204" pitchFamily="49" charset="0"/>
-              </a:rPr>
-              <a:t>return fptr</a:t>
-            </a:r>
-            <a:r>
-              <a:rPr lang="en-US" smtClean="0">
-                <a:latin typeface="Consolas" panose="020B0609020204030204" pitchFamily="49" charset="0"/>
-              </a:rPr>
-              <a:t>();</a:t>
-            </a:r>
-            <a:r>
-              <a:rPr lang="ru-RU" smtClean="0">
-                <a:latin typeface="Consolas" panose="020B0609020204030204" pitchFamily="49" charset="0"/>
-              </a:rPr>
-              <a:t/>
-            </a:r>
-            <a:br>
-              <a:rPr lang="ru-RU" smtClean="0">
-                <a:latin typeface="Consolas" panose="020B0609020204030204" pitchFamily="49" charset="0"/>
-              </a:rPr>
-            </a:br>
-            <a:r>
-              <a:rPr lang="en-US" smtClean="0">
-                <a:latin typeface="Consolas" panose="020B0609020204030204" pitchFamily="49" charset="0"/>
-              </a:rPr>
-              <a:t>}</a:t>
-            </a:r>
-            <a:endParaRPr lang="ru-RU" smtClean="0">
-              <a:latin typeface="Consolas" panose="020B0609020204030204" pitchFamily="49" charset="0"/>
-            </a:endParaRPr>
-          </a:p>
-          <a:p>
-            <a:r>
-              <a:rPr lang="ru-RU" smtClean="0">
-                <a:latin typeface="Consolas" panose="020B0609020204030204" pitchFamily="49" charset="0"/>
-              </a:rPr>
-              <a:t>Иногда это может создавать проблемы</a:t>
-            </a:r>
-          </a:p>
-          <a:p>
-            <a:pPr marL="45720" indent="0">
-              <a:buNone/>
-            </a:pPr>
-            <a:r>
-              <a:rPr lang="en-US" smtClean="0">
-                <a:latin typeface="Consolas" panose="020B0609020204030204" pitchFamily="49" charset="0"/>
-              </a:rPr>
-              <a:t>template&lt;typename T&gt; T apply (T (*f)()) { return f(); }</a:t>
-            </a:r>
-          </a:p>
-          <a:p>
-            <a:pPr marL="45720" indent="0">
-              <a:buNone/>
-            </a:pPr>
-            <a:r>
-              <a:rPr lang="en-US" smtClean="0">
-                <a:latin typeface="Consolas" panose="020B0609020204030204" pitchFamily="49" charset="0"/>
-              </a:rPr>
-              <a:t>cout &lt;&lt; apply (</a:t>
+              <a:t>apply (</a:t>
             </a:r>
             <a:r>
               <a:rPr lang="en-US">
@@ -20943,7 +21191,7 @@
               <a:rPr lang="en-US" smtClean="0">
                 <a:latin typeface="Consolas" panose="020B0609020204030204" pitchFamily="49" charset="0"/>
               </a:rPr>
-              <a:t>}) &lt;&lt; endl; //</a:t>
+              <a:t>}); //</a:t>
             </a:r>
             <a:r>
               <a:rPr lang="en-US" smtClean="0">
@@ -20973,6 +21221,13 @@
   <p:clrMapOvr>
     <a:masterClrMapping/>
   </p:clrMapOvr>
+  <p:timing>
+    <p:tnLst>
+      <p:par>
+        <p:cTn id="1" dur="indefinite" restart="never" nodeType="tmRoot"/>
+      </p:par>
+    </p:tnLst>
+  </p:timing>
 </p:sld>
 </file>
 
@@ -21010,7 +21265,13 @@
           <a:p>
             <a:r>
               <a:rPr lang="ru-RU" smtClean="0"/>
-              <a:t>Типизация лямбд</a:t>
+              <a:t>Типизация </a:t>
+            </a:r>
+            <a:r>
+              <a:rPr lang="ru-RU">
+                <a:sym typeface="Symbol" panose="05050102010706020507" pitchFamily="18" charset="2"/>
+              </a:rPr>
+              <a:t>-выражений</a:t>
             </a:r>
             <a:endParaRPr lang="en-US"/>
           </a:p>
@@ -21032,8 +21293,8 @@
           <a:lstStyle/>
           <a:p>
             <a:r>
-              <a:rPr lang="ru-RU" smtClean="0"/>
-              <a:t>Лямбда без захвата деградирует к указателю на функцию</a:t>
+              <a:rPr lang="ru-RU"/>
+              <a:t>Что делать когда контекста неявного приведения нет?</a:t>
             </a:r>
           </a:p>
           <a:p>
@@ -21041,28 +21302,58 @@
               <a:buNone/>
             </a:pPr>
             <a:r>
-              <a:rPr lang="en-US" smtClean="0">
-                <a:latin typeface="Consolas" panose="020B0609020204030204" pitchFamily="49" charset="0"/>
-              </a:rPr>
-              <a:t>typedef </a:t>
-            </a:r>
-            <a:r>
-              <a:rPr lang="en-US">
-                <a:latin typeface="Consolas" panose="020B0609020204030204" pitchFamily="49" charset="0"/>
-              </a:rPr>
-              <a:t>int (*fptr_t</a:t>
-            </a:r>
-            <a:r>
-              <a:rPr lang="en-US" smtClean="0">
-                <a:latin typeface="Consolas" panose="020B0609020204030204" pitchFamily="49" charset="0"/>
-              </a:rPr>
-              <a:t>)();</a:t>
+              <a:rPr lang="fr-FR">
+                <a:latin typeface="Consolas" panose="020B0609020204030204" pitchFamily="49" charset="0"/>
+              </a:rPr>
+              <a:t>template &lt;typename T&gt; T apply (T(*f</a:t>
+            </a:r>
+            <a:r>
+              <a:rPr lang="fr-FR" smtClean="0">
+                <a:latin typeface="Consolas" panose="020B0609020204030204" pitchFamily="49" charset="0"/>
+              </a:rPr>
+              <a:t>)());</a:t>
+            </a:r>
+          </a:p>
+          <a:p>
+            <a:pPr marL="45720" indent="0">
+              <a:buNone/>
+            </a:pPr>
+            <a:r>
+              <a:rPr lang="en-US">
+                <a:latin typeface="Consolas" panose="020B0609020204030204" pitchFamily="49" charset="0"/>
+              </a:rPr>
+              <a:t>apply ([] { return 2; }); //</a:t>
+            </a:r>
+            <a:r>
+              <a:rPr lang="en-US">
+                <a:solidFill>
+                  <a:srgbClr val="FF0000"/>
+                </a:solidFill>
+                <a:latin typeface="Consolas" panose="020B0609020204030204" pitchFamily="49" charset="0"/>
+              </a:rPr>
+              <a:t> </a:t>
+            </a:r>
+            <a:r>
+              <a:rPr lang="en-US" smtClean="0">
+                <a:solidFill>
+                  <a:srgbClr val="FF0000"/>
+                </a:solidFill>
+                <a:latin typeface="Consolas" panose="020B0609020204030204" pitchFamily="49" charset="0"/>
+              </a:rPr>
+              <a:t>FAIL</a:t>
             </a:r>
             <a:endParaRPr lang="ru-RU" smtClean="0">
               <a:latin typeface="Consolas" panose="020B0609020204030204" pitchFamily="49" charset="0"/>
             </a:endParaRPr>
           </a:p>
           <a:p>
+            <a:r>
+              <a:rPr lang="ru-RU" smtClean="0"/>
+              <a:t>Можно привести явно</a:t>
+            </a:r>
+            <a:endParaRPr lang="en-US" smtClean="0"/>
+          </a:p>
+          <a:p>
             <a:pPr marL="45720" indent="0">
               <a:buNone/>
             </a:pPr>
@@ -21070,111 +21361,70 @@
               <a:rPr lang="en-US" smtClean="0">
                 <a:latin typeface="Consolas" panose="020B0609020204030204" pitchFamily="49" charset="0"/>
               </a:rPr>
-              <a:t>int test()</a:t>
-            </a:r>
-            <a:r>
-              <a:rPr lang="ru-RU" smtClean="0">
+              <a:t>apply (static_cast&lt;fptr_t</a:t>
+            </a:r>
+            <a:r>
+              <a:rPr lang="en-US">
+                <a:latin typeface="Consolas" panose="020B0609020204030204" pitchFamily="49" charset="0"/>
+              </a:rPr>
+              <a:t>&gt;</a:t>
+            </a:r>
+            <a:r>
+              <a:rPr lang="en-US" smtClean="0">
+                <a:latin typeface="Consolas" panose="020B0609020204030204" pitchFamily="49" charset="0"/>
+              </a:rPr>
+              <a:t>([] </a:t>
+            </a:r>
+            <a:r>
+              <a:rPr lang="en-US">
+                <a:latin typeface="Consolas" panose="020B0609020204030204" pitchFamily="49" charset="0"/>
+              </a:rPr>
+              <a:t>{ return 2; </a:t>
+            </a:r>
+            <a:r>
+              <a:rPr lang="en-US" smtClean="0">
+                <a:latin typeface="Consolas" panose="020B0609020204030204" pitchFamily="49" charset="0"/>
+              </a:rPr>
+              <a:t>})); </a:t>
+            </a:r>
+            <a:r>
+              <a:rPr lang="en-US">
+                <a:latin typeface="Consolas" panose="020B0609020204030204" pitchFamily="49" charset="0"/>
+              </a:rPr>
+              <a:t>//</a:t>
+            </a:r>
+            <a:r>
+              <a:rPr lang="en-US">
+                <a:solidFill>
+                  <a:srgbClr val="FF0000"/>
+                </a:solidFill>
                 <a:latin typeface="Consolas" panose="020B0609020204030204" pitchFamily="49" charset="0"/>
               </a:rPr>
               <a:t> </a:t>
             </a:r>
             <a:r>
               <a:rPr lang="en-US" smtClean="0">
-                <a:latin typeface="Consolas" panose="020B0609020204030204" pitchFamily="49" charset="0"/>
-              </a:rPr>
-              <a:t>{</a:t>
-            </a:r>
-            <a:r>
-              <a:rPr lang="ru-RU" smtClean="0">
-                <a:latin typeface="Consolas" panose="020B0609020204030204" pitchFamily="49" charset="0"/>
-              </a:rPr>
-              <a:t/>
-            </a:r>
-            <a:br>
-              <a:rPr lang="ru-RU" smtClean="0">
-                <a:latin typeface="Consolas" panose="020B0609020204030204" pitchFamily="49" charset="0"/>
-              </a:rPr>
-            </a:br>
-            <a:r>
-              <a:rPr lang="ru-RU" smtClean="0">
-                <a:latin typeface="Consolas" panose="020B0609020204030204" pitchFamily="49" charset="0"/>
-              </a:rPr>
-              <a:t>  </a:t>
-            </a:r>
-            <a:r>
-              <a:rPr lang="en-US" smtClean="0">
-                <a:latin typeface="Consolas" panose="020B0609020204030204" pitchFamily="49" charset="0"/>
-              </a:rPr>
-              <a:t>fptr_t </a:t>
-            </a:r>
-            <a:r>
-              <a:rPr lang="en-US">
-                <a:latin typeface="Consolas" panose="020B0609020204030204" pitchFamily="49" charset="0"/>
-              </a:rPr>
-              <a:t>fptr = [] { return 2; </a:t>
-            </a:r>
-            <a:r>
-              <a:rPr lang="en-US" smtClean="0">
-                <a:latin typeface="Consolas" panose="020B0609020204030204" pitchFamily="49" charset="0"/>
-              </a:rPr>
-              <a:t>};</a:t>
-            </a:r>
-            <a:r>
-              <a:rPr lang="ru-RU" smtClean="0">
-                <a:latin typeface="Consolas" panose="020B0609020204030204" pitchFamily="49" charset="0"/>
-              </a:rPr>
-              <a:t/>
-            </a:r>
-            <a:br>
-              <a:rPr lang="ru-RU" smtClean="0">
-                <a:latin typeface="Consolas" panose="020B0609020204030204" pitchFamily="49" charset="0"/>
-              </a:rPr>
-            </a:br>
-            <a:r>
-              <a:rPr lang="en-US" smtClean="0">
-                <a:latin typeface="Consolas" panose="020B0609020204030204" pitchFamily="49" charset="0"/>
-              </a:rPr>
-              <a:t>  </a:t>
-            </a:r>
-            <a:r>
-              <a:rPr lang="en-US">
-                <a:latin typeface="Consolas" panose="020B0609020204030204" pitchFamily="49" charset="0"/>
-              </a:rPr>
-              <a:t>return fptr</a:t>
-            </a:r>
-            <a:r>
-              <a:rPr lang="en-US" smtClean="0">
-                <a:latin typeface="Consolas" panose="020B0609020204030204" pitchFamily="49" charset="0"/>
-              </a:rPr>
-              <a:t>();</a:t>
-            </a:r>
-            <a:r>
-              <a:rPr lang="ru-RU" smtClean="0">
-                <a:latin typeface="Consolas" panose="020B0609020204030204" pitchFamily="49" charset="0"/>
-              </a:rPr>
-              <a:t/>
-            </a:r>
-            <a:br>
-              <a:rPr lang="ru-RU" smtClean="0">
-                <a:latin typeface="Consolas" panose="020B0609020204030204" pitchFamily="49" charset="0"/>
-              </a:rPr>
-            </a:br>
-            <a:r>
-              <a:rPr lang="en-US" smtClean="0">
-                <a:latin typeface="Consolas" panose="020B0609020204030204" pitchFamily="49" charset="0"/>
-              </a:rPr>
-              <a:t>}</a:t>
-            </a:r>
-            <a:endParaRPr lang="ru-RU" smtClean="0">
-              <a:latin typeface="Consolas" panose="020B0609020204030204" pitchFamily="49" charset="0"/>
-            </a:endParaRPr>
-          </a:p>
-          <a:p>
-            <a:r>
-              <a:rPr lang="ru-RU" smtClean="0">
-                <a:latin typeface="Consolas" panose="020B0609020204030204" pitchFamily="49" charset="0"/>
-              </a:rPr>
-              <a:t>Иногда это может создавать проблемы</a:t>
+                <a:solidFill>
+                  <a:srgbClr val="0000FF"/>
+                </a:solidFill>
+                <a:latin typeface="Consolas" panose="020B0609020204030204" pitchFamily="49" charset="0"/>
+              </a:rPr>
+              <a:t>OK</a:t>
+            </a:r>
+            <a:endParaRPr lang="ru-RU" smtClean="0"/>
+          </a:p>
+          <a:p>
+            <a:r>
+              <a:rPr lang="ru-RU" smtClean="0"/>
+              <a:t>Можно использовать идиому "</a:t>
+            </a:r>
+            <a:r>
+              <a:rPr lang="en-US" smtClean="0"/>
+              <a:t>positive lambdas</a:t>
+            </a:r>
+            <a:r>
+              <a:rPr lang="ru-RU" smtClean="0"/>
+              <a:t>"</a:t>
             </a:r>
           </a:p>
           <a:p>
@@ -21185,18 +21435,7 @@
               <a:rPr lang="en-US" smtClean="0">
                 <a:latin typeface="Consolas" panose="020B0609020204030204" pitchFamily="49" charset="0"/>
               </a:rPr>
-              <a:t>int apply (fptr_t f) { return f(); }</a:t>
-            </a:r>
-          </a:p>
-          <a:p>
-            <a:pPr marL="45720" indent="0">
-              <a:buNone/>
-            </a:pPr>
-            <a:r>
-              <a:rPr lang="en-US" smtClean="0">
-                <a:latin typeface="Consolas" panose="020B0609020204030204" pitchFamily="49" charset="0"/>
-              </a:rPr>
-              <a:t>cout &lt;&lt; apply (</a:t>
+              <a:t>apply (</a:t>
             </a:r>
             <a:r>
               <a:rPr lang="ru-RU" smtClean="0">
@@ -21223,7 +21462,7 @@
               <a:rPr lang="en-US" smtClean="0">
                 <a:latin typeface="Consolas" panose="020B0609020204030204" pitchFamily="49" charset="0"/>
               </a:rPr>
-              <a:t>}) &lt;&lt; endl; //</a:t>
+              <a:t>}); //</a:t>
             </a:r>
             <a:r>
               <a:rPr lang="en-US" smtClean="0">
@@ -21262,6 +21501,13 @@
   <p:clrMapOvr>
     <a:masterClrMapping/>
   </p:clrMapOvr>
+  <p:timing>
+    <p:tnLst>
+      <p:par>
+        <p:cTn id="1" dur="indefinite" restart="never" nodeType="tmRoot"/>
+      </p:par>
+    </p:tnLst>
+  </p:timing>
 </p:sld>
 </file>
 
@@ -21377,9 +21623,6 @@
             </a:r>
           </a:p>
           <a:p>
-            <a:pPr marL="45720" indent="0">
-              <a:buNone/>
-            </a:pPr>
             <a:r>
               <a:rPr lang="ru-RU" smtClean="0"/>
               <a:t>Тут не вполне ясно что такое </a:t>
@@ -21401,6 +21644,13 @@
   <p:clrMapOvr>
     <a:masterClrMapping/>
   </p:clrMapOvr>
+  <p:timing>
+    <p:tnLst>
+      <p:par>
+        <p:cTn id="1" dur="indefinite" restart="never" nodeType="tmRoot"/>
+      </p:par>
+    </p:tnLst>
+  </p:timing>
 </p:sld>
 </file>
 
@@ -21516,9 +21766,6 @@
             </a:r>
           </a:p>
           <a:p>
-            <a:pPr marL="45720" indent="0">
-              <a:buNone/>
-            </a:pPr>
             <a:r>
               <a:rPr lang="ru-RU" smtClean="0"/>
               <a:t>Тут не вполне ясно что такое </a:t>
@@ -21580,24 +21827,33 @@
             </a:r>
           </a:p>
           <a:p>
-            <a:pPr marL="45720" indent="0">
-              <a:buNone/>
-            </a:pPr>
-            <a:r>
-              <a:rPr lang="en-US" smtClean="0"/>
+            <a:r>
+              <a:rPr lang="en-US" smtClean="0">
+                <a:latin typeface="Consolas" panose="020B0609020204030204" pitchFamily="49" charset="0"/>
+              </a:rPr>
               <a:t>std::function&lt;</a:t>
             </a:r>
             <a:r>
+              <a:rPr lang="ru-RU" smtClean="0">
+                <a:latin typeface="Consolas" panose="020B0609020204030204" pitchFamily="49" charset="0"/>
+              </a:rPr>
+              <a:t>сигнатура</a:t>
+            </a:r>
+            <a:r>
+              <a:rPr lang="en-US" smtClean="0">
+                <a:latin typeface="Consolas" panose="020B0609020204030204" pitchFamily="49" charset="0"/>
+              </a:rPr>
+              <a:t>&gt; </a:t>
+            </a:r>
+            <a:r>
               <a:rPr lang="ru-RU" smtClean="0"/>
-              <a:t> сигнатура </a:t>
-            </a:r>
-            <a:r>
-              <a:rPr lang="en-US" smtClean="0"/>
-              <a:t>&gt; </a:t>
-            </a:r>
+              <a:t>это единый тип к которому приводятся все замыкания с данной сигнатурой</a:t>
+            </a:r>
+          </a:p>
+          <a:p>
             <a:r>
               <a:rPr lang="ru-RU" smtClean="0"/>
-              <a:t>это единый тип для всех замыканий с данной сигнатурой</a:t>
+              <a:t>Ключевое слово "приводятся"</a:t>
             </a:r>
             <a:endParaRPr lang="en-US"/>
           </a:p>
@@ -21613,6 +21869,13 @@
   <p:clrMapOvr>
     <a:masterClrMapping/>
   </p:clrMapOvr>
+  <p:timing>
+    <p:tnLst>
+      <p:par>
+        <p:cTn id="1" dur="indefinite" restart="never" nodeType="tmRoot"/>
+      </p:par>
+    </p:tnLst>
+  </p:timing>
 </p:sld>
 </file>
 
@@ -21680,7 +21943,17 @@
             </a:pPr>
             <a:r>
               <a:rPr lang="ru-RU" smtClean="0"/>
-              <a:t>Рекурсия для лямбд:</a:t>
+              <a:t>Рекурсия для </a:t>
+            </a:r>
+            <a:r>
+              <a:rPr lang="ru-RU">
+                <a:sym typeface="Symbol" panose="05050102010706020507" pitchFamily="18" charset="2"/>
+              </a:rPr>
+              <a:t>-выражений </a:t>
+            </a:r>
+            <a:r>
+              <a:rPr lang="ru-RU" smtClean="0"/>
+              <a:t>:</a:t>
             </a:r>
           </a:p>
           <a:p>
@@ -21744,12 +22017,13 @@
             </a:endParaRPr>
           </a:p>
           <a:p>
-            <a:pPr marL="45720" indent="0">
-              <a:buNone/>
-            </a:pPr>
+            <a:r>
+              <a:rPr lang="ru-RU"/>
+              <a:t>П</a:t>
+            </a:r>
             <a:r>
               <a:rPr lang="ru-RU" smtClean="0"/>
-              <a:t>Вопрос №1: почему тут не сработает </a:t>
+              <a:t>очему тут не сработает </a:t>
             </a:r>
             <a:r>
               <a:rPr lang="en-US" smtClean="0"/>
@@ -21757,20 +22031,13 @@
             </a:r>
           </a:p>
           <a:p>
-            <a:pPr marL="45720" indent="0">
-              <a:buNone/>
-            </a:pPr>
             <a:r>
               <a:rPr lang="ru-RU" smtClean="0"/>
-              <a:t>Вопрос №2</a:t>
-            </a:r>
-            <a:r>
-              <a:rPr lang="en-US" smtClean="0"/>
-              <a:t>: </a:t>
+              <a:t>Зачем </a:t>
             </a:r>
             <a:r>
               <a:rPr lang="ru-RU"/>
-              <a:t>зачем тут захват  </a:t>
+              <a:t>тут захват  </a:t>
             </a:r>
             <a:r>
               <a:rPr lang="en-US" smtClean="0">
@@ -21784,24 +22051,9 @@
             </a:r>
           </a:p>
           <a:p>
-            <a:pPr marL="45720" indent="0">
-              <a:buNone/>
-            </a:pPr>
-            <a:r>
-              <a:rPr lang="ru-RU"/>
-              <a:t>Вопрос </a:t>
-            </a:r>
             <a:r>
               <a:rPr lang="ru-RU" smtClean="0"/>
-              <a:t>№3</a:t>
-            </a:r>
-            <a:r>
-              <a:rPr lang="en-US" smtClean="0"/>
-              <a:t>: </a:t>
-            </a:r>
-            <a:r>
-              <a:rPr lang="ru-RU" smtClean="0"/>
-              <a:t>что будет если сделать захват по значению?</a:t>
+              <a:t>Что будет если сделать захват по значению?</a:t>
             </a:r>
             <a:endParaRPr lang="en-US" smtClean="0"/>
           </a:p>
@@ -21817,6 +22069,13 @@
   <p:clrMapOvr>
     <a:masterClrMapping/>
   </p:clrMapOvr>
+  <p:timing>
+    <p:tnLst>
+      <p:par>
+        <p:cTn id="1" dur="indefinite" restart="never" nodeType="tmRoot"/>
+      </p:par>
+    </p:tnLst>
+  </p:timing>
 </p:sld>
 </file>
 
@@ -21885,7 +22144,11 @@
             </a:r>
             <a:r>
               <a:rPr lang="ru-RU" smtClean="0"/>
-              <a:t>сильно унифицирует типы замыканий</a:t>
+              <a:t>унифицирует </a:t>
+            </a:r>
+            <a:r>
+              <a:rPr lang="ru-RU" smtClean="0"/>
+              <a:t>типы замыканий</a:t>
             </a:r>
             <a:endParaRPr lang="en-US" smtClean="0"/>
           </a:p>
@@ -22094,6 +22357,13 @@
   <p:clrMapOvr>
     <a:masterClrMapping/>
   </p:clrMapOvr>
+  <p:timing>
+    <p:tnLst>
+      <p:par>
+        <p:cTn id="1" dur="indefinite" restart="never" nodeType="tmRoot"/>
+      </p:par>
+    </p:tnLst>
+  </p:timing>
 </p:sld>
 </file>
 
@@ -22206,6 +22476,13 @@
   <p:clrMapOvr>
     <a:masterClrMapping/>
   </p:clrMapOvr>
+  <p:timing>
+    <p:tnLst>
+      <p:par>
+        <p:cTn id="1" dur="indefinite" restart="never" nodeType="tmRoot"/>
+      </p:par>
+    </p:tnLst>
+  </p:timing>
 </p:sld>
 </file>
 
@@ -22506,6 +22783,13 @@
   <p:clrMapOvr>
     <a:masterClrMapping/>
   </p:clrMapOvr>
+  <p:timing>
+    <p:tnLst>
+      <p:par>
+        <p:cTn id="1" dur="indefinite" restart="never" nodeType="tmRoot"/>
+      </p:par>
+    </p:tnLst>
+  </p:timing>
 </p:sld>
 </file>
 
@@ -22717,6 +23001,13 @@
   <p:clrMapOvr>
     <a:masterClrMapping/>
   </p:clrMapOvr>
+  <p:timing>
+    <p:tnLst>
+      <p:par>
+        <p:cTn id="1" dur="indefinite" restart="never" nodeType="tmRoot"/>
+      </p:par>
+    </p:tnLst>
+  </p:timing>
 </p:sld>
 </file>
 
@@ -23000,6 +23291,13 @@
   <p:clrMapOvr>
     <a:masterClrMapping/>
   </p:clrMapOvr>
+  <p:timing>
+    <p:tnLst>
+      <p:par>
+        <p:cTn id="1" dur="indefinite" restart="never" nodeType="tmRoot"/>
+      </p:par>
+    </p:tnLst>
+  </p:timing>
 </p:sld>
 </file>
 
@@ -23275,6 +23573,13 @@
   <p:clrMapOvr>
     <a:masterClrMapping/>
   </p:clrMapOvr>
+  <p:timing>
+    <p:tnLst>
+      <p:par>
+        <p:cTn id="1" dur="indefinite" restart="never" nodeType="tmRoot"/>
+      </p:par>
+    </p:tnLst>
+  </p:timing>
 </p:sld>
 </file>
 
@@ -23719,6 +24024,13 @@
   <p:clrMapOvr>
     <a:masterClrMapping/>
   </p:clrMapOvr>
+  <p:timing>
+    <p:tnLst>
+      <p:par>
+        <p:cTn id="1" dur="indefinite" restart="never" nodeType="tmRoot"/>
+      </p:par>
+    </p:tnLst>
+  </p:timing>
 </p:sld>
 </file>
 
@@ -23795,6 +24107,13 @@
   <p:clrMapOvr>
     <a:masterClrMapping/>
   </p:clrMapOvr>
+  <p:timing>
+    <p:tnLst>
+      <p:par>
+        <p:cTn id="1" dur="indefinite" restart="never" nodeType="tmRoot"/>
+      </p:par>
+    </p:tnLst>
+  </p:timing>
 </p:sld>
 </file>
 
@@ -23960,6 +24279,13 @@
   <p:clrMapOvr>
     <a:masterClrMapping/>
   </p:clrMapOvr>
+  <p:timing>
+    <p:tnLst>
+      <p:par>
+        <p:cTn id="1" dur="indefinite" restart="never" nodeType="tmRoot"/>
+      </p:par>
+    </p:tnLst>
+  </p:timing>
 </p:sld>
 </file>
 
@@ -24195,6 +24521,13 @@
   <p:clrMapOvr>
     <a:masterClrMapping/>
   </p:clrMapOvr>
+  <p:timing>
+    <p:tnLst>
+      <p:par>
+        <p:cTn id="1" dur="indefinite" restart="never" nodeType="tmRoot"/>
+      </p:par>
+    </p:tnLst>
+  </p:timing>
 </p:sld>
 </file>
 
@@ -24369,6 +24702,13 @@
   <p:clrMapOvr>
     <a:masterClrMapping/>
   </p:clrMapOvr>
+  <p:timing>
+    <p:tnLst>
+      <p:par>
+        <p:cTn id="1" dur="indefinite" restart="never" nodeType="tmRoot"/>
+      </p:par>
+    </p:tnLst>
+  </p:timing>
 </p:sld>
 </file>
 
@@ -24575,7 +24915,31 @@
               <a:rPr lang="en-US">
                 <a:latin typeface="Consolas" panose="020B0609020204030204" pitchFamily="49" charset="0"/>
               </a:rPr>
-              <a:t>f1 = std::bind(f, _2, _1, 42, std::cref(n), n</a:t>
+              <a:t>f1 = </a:t>
+            </a:r>
+            <a:r>
+              <a:rPr lang="en-US" smtClean="0">
+                <a:latin typeface="Consolas" panose="020B0609020204030204" pitchFamily="49" charset="0"/>
+              </a:rPr>
+              <a:t>bind(f</a:t>
+            </a:r>
+            <a:r>
+              <a:rPr lang="en-US">
+                <a:latin typeface="Consolas" panose="020B0609020204030204" pitchFamily="49" charset="0"/>
+              </a:rPr>
+              <a:t>, _2, _1, 42, </a:t>
+            </a:r>
+            <a:r>
+              <a:rPr lang="en-US" smtClean="0">
+                <a:latin typeface="Consolas" panose="020B0609020204030204" pitchFamily="49" charset="0"/>
+              </a:rPr>
+              <a:t>cref(n</a:t>
+            </a:r>
+            <a:r>
+              <a:rPr lang="en-US">
+                <a:latin typeface="Consolas" panose="020B0609020204030204" pitchFamily="49" charset="0"/>
+              </a:rPr>
+              <a:t>), n</a:t>
             </a:r>
             <a:r>
               <a:rPr lang="en-US" smtClean="0">
@@ -24675,6 +25039,13 @@
   <p:clrMapOvr>
     <a:masterClrMapping/>
   </p:clrMapOvr>
+  <p:timing>
+    <p:tnLst>
+      <p:par>
+        <p:cTn id="1" dur="indefinite" restart="never" nodeType="tmRoot"/>
+      </p:par>
+    </p:tnLst>
+  </p:timing>
 </p:sld>
 </file>
 
@@ -24843,25 +25214,22 @@
               <a:rPr lang="en-US">
                 <a:latin typeface="Consolas" panose="020B0609020204030204" pitchFamily="49" charset="0"/>
               </a:rPr>
-              <a:t>using namespace std::placeholders;  // for _1, _2, </a:t>
-            </a:r>
-            <a:r>
-              <a:rPr lang="en-US" smtClean="0">
-                <a:latin typeface="Consolas" panose="020B0609020204030204" pitchFamily="49" charset="0"/>
-              </a:rPr>
-              <a:t>...</a:t>
-            </a:r>
-            <a:r>
-              <a:rPr lang="ru-RU" smtClean="0">
-                <a:latin typeface="Consolas" panose="020B0609020204030204" pitchFamily="49" charset="0"/>
-              </a:rPr>
-              <a:t/>
-            </a:r>
-            <a:br>
-              <a:rPr lang="ru-RU" smtClean="0">
-                <a:latin typeface="Consolas" panose="020B0609020204030204" pitchFamily="49" charset="0"/>
-              </a:rPr>
-            </a:br>
+              <a:t>using namespace std::placeholders</a:t>
+            </a:r>
+            <a:r>
+              <a:rPr lang="en-US" smtClean="0">
+                <a:latin typeface="Consolas" panose="020B0609020204030204" pitchFamily="49" charset="0"/>
+              </a:rPr>
+              <a:t>;</a:t>
+            </a:r>
+            <a:endParaRPr lang="en-US">
+              <a:latin typeface="Consolas" panose="020B0609020204030204" pitchFamily="49" charset="0"/>
+            </a:endParaRPr>
+          </a:p>
+          <a:p>
+            <a:pPr marL="45720" indent="0">
+              <a:buNone/>
+            </a:pPr>
             <a:r>
               <a:rPr lang="en-US" smtClean="0">
                 <a:latin typeface="Consolas" panose="020B0609020204030204" pitchFamily="49" charset="0"/>
@@ -24872,25 +25240,22 @@
               <a:rPr lang="en-US">
                 <a:latin typeface="Consolas" panose="020B0609020204030204" pitchFamily="49" charset="0"/>
               </a:rPr>
-              <a:t>n = 7</a:t>
-            </a:r>
-            <a:r>
-              <a:rPr lang="en-US" smtClean="0">
-                <a:latin typeface="Consolas" panose="020B0609020204030204" pitchFamily="49" charset="0"/>
-              </a:rPr>
-              <a:t>;</a:t>
-            </a:r>
-            <a:r>
-              <a:rPr lang="ru-RU" smtClean="0">
-                <a:latin typeface="Consolas" panose="020B0609020204030204" pitchFamily="49" charset="0"/>
-              </a:rPr>
-              <a:t/>
-            </a:r>
-            <a:br>
-              <a:rPr lang="ru-RU" smtClean="0">
-                <a:latin typeface="Consolas" panose="020B0609020204030204" pitchFamily="49" charset="0"/>
-              </a:rPr>
-            </a:br>
+              <a:t>n = </a:t>
+            </a:r>
+            <a:r>
+              <a:rPr lang="en-US" smtClean="0">
+                <a:latin typeface="Consolas" panose="020B0609020204030204" pitchFamily="49" charset="0"/>
+              </a:rPr>
+              <a:t>7;</a:t>
+            </a:r>
+            <a:endParaRPr lang="en-US">
+              <a:latin typeface="Consolas" panose="020B0609020204030204" pitchFamily="49" charset="0"/>
+            </a:endParaRPr>
+          </a:p>
+          <a:p>
+            <a:pPr marL="45720" indent="0">
+              <a:buNone/>
+            </a:pPr>
             <a:r>
               <a:rPr lang="en-US" smtClean="0">
                 <a:latin typeface="Consolas" panose="020B0609020204030204" pitchFamily="49" charset="0"/>
@@ -24901,7 +25266,31 @@
               <a:rPr lang="en-US">
                 <a:latin typeface="Consolas" panose="020B0609020204030204" pitchFamily="49" charset="0"/>
               </a:rPr>
-              <a:t>f1 = std::bind(f, _2, _1, 42, std::cref(n), n</a:t>
+              <a:t>f1 = </a:t>
+            </a:r>
+            <a:r>
+              <a:rPr lang="en-US" smtClean="0">
+                <a:latin typeface="Consolas" panose="020B0609020204030204" pitchFamily="49" charset="0"/>
+              </a:rPr>
+              <a:t>bind(f</a:t>
+            </a:r>
+            <a:r>
+              <a:rPr lang="en-US">
+                <a:latin typeface="Consolas" panose="020B0609020204030204" pitchFamily="49" charset="0"/>
+              </a:rPr>
+              <a:t>, _2, _1, 42, </a:t>
+            </a:r>
+            <a:r>
+              <a:rPr lang="en-US" smtClean="0">
+                <a:latin typeface="Consolas" panose="020B0609020204030204" pitchFamily="49" charset="0"/>
+              </a:rPr>
+              <a:t>cref(n</a:t>
+            </a:r>
+            <a:r>
+              <a:rPr lang="en-US">
+                <a:latin typeface="Consolas" panose="020B0609020204030204" pitchFamily="49" charset="0"/>
+              </a:rPr>
+              <a:t>), n</a:t>
             </a:r>
             <a:r>
               <a:rPr lang="en-US" smtClean="0">
@@ -24909,17 +25298,14 @@
               </a:rPr>
               <a:t>);</a:t>
             </a:r>
-            <a:r>
-              <a:rPr lang="ru-RU" smtClean="0">
-                <a:latin typeface="Consolas" panose="020B0609020204030204" pitchFamily="49" charset="0"/>
-              </a:rPr>
-              <a:t/>
-            </a:r>
-            <a:br>
-              <a:rPr lang="ru-RU" smtClean="0">
-                <a:latin typeface="Consolas" panose="020B0609020204030204" pitchFamily="49" charset="0"/>
-              </a:rPr>
-            </a:br>
+            <a:endParaRPr lang="en-US">
+              <a:latin typeface="Consolas" panose="020B0609020204030204" pitchFamily="49" charset="0"/>
+            </a:endParaRPr>
+          </a:p>
+          <a:p>
+            <a:pPr marL="45720" indent="0">
+              <a:buNone/>
+            </a:pPr>
             <a:r>
               <a:rPr lang="en-US" smtClean="0">
                 <a:latin typeface="Consolas" panose="020B0609020204030204" pitchFamily="49" charset="0"/>
@@ -24930,25 +25316,22 @@
               <a:rPr lang="en-US">
                 <a:latin typeface="Consolas" panose="020B0609020204030204" pitchFamily="49" charset="0"/>
               </a:rPr>
-              <a:t>= 10</a:t>
-            </a:r>
-            <a:r>
-              <a:rPr lang="en-US" smtClean="0">
-                <a:latin typeface="Consolas" panose="020B0609020204030204" pitchFamily="49" charset="0"/>
-              </a:rPr>
-              <a:t>;</a:t>
-            </a:r>
-            <a:r>
-              <a:rPr lang="ru-RU" smtClean="0">
-                <a:latin typeface="Consolas" panose="020B0609020204030204" pitchFamily="49" charset="0"/>
-              </a:rPr>
-              <a:t/>
-            </a:r>
-            <a:br>
-              <a:rPr lang="ru-RU" smtClean="0">
-                <a:latin typeface="Consolas" panose="020B0609020204030204" pitchFamily="49" charset="0"/>
-              </a:rPr>
-            </a:br>
+              <a:t>= </a:t>
+            </a:r>
+            <a:r>
+              <a:rPr lang="en-US" smtClean="0">
+                <a:latin typeface="Consolas" panose="020B0609020204030204" pitchFamily="49" charset="0"/>
+              </a:rPr>
+              <a:t>10;</a:t>
+            </a:r>
+            <a:endParaRPr lang="en-US">
+              <a:latin typeface="Consolas" panose="020B0609020204030204" pitchFamily="49" charset="0"/>
+            </a:endParaRPr>
+          </a:p>
+          <a:p>
+            <a:pPr marL="45720" indent="0">
+              <a:buNone/>
+            </a:pPr>
             <a:r>
               <a:rPr lang="en-US" smtClean="0">
                 <a:latin typeface="Consolas" panose="020B0609020204030204" pitchFamily="49" charset="0"/>
@@ -25001,6 +25384,13 @@
   <p:clrMapOvr>
     <a:masterClrMapping/>
   </p:clrMapOvr>
+  <p:timing>
+    <p:tnLst>
+      <p:par>
+        <p:cTn id="1" dur="indefinite" restart="never" nodeType="tmRoot"/>
+      </p:par>
+    </p:tnLst>
+  </p:timing>
 </p:sld>
 </file>
 
@@ -25121,6 +25511,13 @@
   <p:clrMapOvr>
     <a:masterClrMapping/>
   </p:clrMapOvr>
+  <p:timing>
+    <p:tnLst>
+      <p:par>
+        <p:cTn id="1" dur="indefinite" restart="never" nodeType="tmRoot"/>
+      </p:par>
+    </p:tnLst>
+  </p:timing>
 </p:sld>
 </file>
 
@@ -25371,6 +25768,13 @@
   <p:clrMapOvr>
     <a:masterClrMapping/>
   </p:clrMapOvr>
+  <p:timing>
+    <p:tnLst>
+      <p:par>
+        <p:cTn id="1" dur="indefinite" restart="never" nodeType="tmRoot"/>
+      </p:par>
+    </p:tnLst>
+  </p:timing>
 </p:sld>
 </file>
 
@@ -25523,6 +25927,13 @@
   <p:clrMapOvr>
     <a:masterClrMapping/>
   </p:clrMapOvr>
+  <p:timing>
+    <p:tnLst>
+      <p:par>
+        <p:cTn id="1" dur="indefinite" restart="never" nodeType="tmRoot"/>
+      </p:par>
+    </p:tnLst>
+  </p:timing>
 </p:sld>
 </file>
 
@@ -25643,6 +26054,13 @@
   <p:clrMapOvr>
     <a:masterClrMapping/>
   </p:clrMapOvr>
+  <p:timing>
+    <p:tnLst>
+      <p:par>
+        <p:cTn id="1" dur="indefinite" restart="never" nodeType="tmRoot"/>
+      </p:par>
+    </p:tnLst>
+  </p:timing>
 </p:sld>
 </file>
 
@@ -25807,6 +26225,13 @@
   <p:clrMapOvr>
     <a:masterClrMapping/>
   </p:clrMapOvr>
+  <p:timing>
+    <p:tnLst>
+      <p:par>
+        <p:cTn id="1" dur="indefinite" restart="never" nodeType="tmRoot"/>
+      </p:par>
+    </p:tnLst>
+  </p:timing>
 </p:sld>
 </file>
 
@@ -25863,7 +26288,7 @@
         <p:spPr/>
         <p:txBody>
           <a:bodyPr>
-            <a:normAutofit/>
+            <a:noAutofit/>
           </a:bodyPr>
           <a:lstStyle/>
           <a:p>
@@ -25874,16 +26299,22 @@
               <a:buNone/>
             </a:pPr>
             <a:r>
-              <a:rPr lang="en-US" sz="3200" smtClean="0"/>
+              <a:rPr lang="en-US" sz="2400" smtClean="0">
+                <a:latin typeface="Consolas" panose="020B0609020204030204" pitchFamily="49" charset="0"/>
+              </a:rPr>
               <a:t>y = buz</a:t>
             </a:r>
             <a:r>
-              <a:rPr lang="ru-RU" sz="3200" smtClean="0"/>
+              <a:rPr lang="ru-RU" sz="2400" smtClean="0">
+                <a:latin typeface="Consolas" panose="020B0609020204030204" pitchFamily="49" charset="0"/>
+              </a:rPr>
               <a:t> (</a:t>
             </a:r>
             <a:r>
-              <a:rPr lang="en-US" sz="3200" smtClean="0"/>
-              <a:t>foo (), bar ())</a:t>
+              <a:rPr lang="en-US" sz="2400" smtClean="0">
+                <a:latin typeface="Consolas" panose="020B0609020204030204" pitchFamily="49" charset="0"/>
+              </a:rPr>
+              <a:t>foo(), bar())</a:t>
             </a:r>
           </a:p>
           <a:p>
@@ -25894,66 +26325,95 @@
               <a:buNone/>
             </a:pPr>
             <a:r>
-              <a:rPr lang="pl-PL" sz="3200" smtClean="0"/>
+              <a:rPr lang="pl-PL" sz="2400" smtClean="0">
+                <a:latin typeface="Consolas" panose="020B0609020204030204" pitchFamily="49" charset="0"/>
+              </a:rPr>
               <a:t>x </a:t>
             </a:r>
             <a:r>
-              <a:rPr lang="pl-PL" sz="3200"/>
-              <a:t>= foo </a:t>
-            </a:r>
-            <a:r>
-              <a:rPr lang="pl-PL" sz="3200" smtClean="0"/>
-              <a:t>();</a:t>
-            </a:r>
-            <a:r>
-              <a:rPr lang="en-US" sz="3200" smtClean="0"/>
+              <a:rPr lang="pl-PL" sz="2400">
+                <a:latin typeface="Consolas" panose="020B0609020204030204" pitchFamily="49" charset="0"/>
+              </a:rPr>
+              <a:t>= </a:t>
+            </a:r>
+            <a:r>
+              <a:rPr lang="pl-PL" sz="2400" smtClean="0">
+                <a:latin typeface="Consolas" panose="020B0609020204030204" pitchFamily="49" charset="0"/>
+              </a:rPr>
+              <a:t>foo();</a:t>
+            </a:r>
+            <a:r>
+              <a:rPr lang="en-US" sz="2400" smtClean="0">
+                <a:latin typeface="Consolas" panose="020B0609020204030204" pitchFamily="49" charset="0"/>
+              </a:rPr>
               <a:t> </a:t>
             </a:r>
             <a:r>
-              <a:rPr lang="pl-PL" sz="3200" smtClean="0"/>
+              <a:rPr lang="pl-PL" sz="2400" smtClean="0">
+                <a:latin typeface="Consolas" panose="020B0609020204030204" pitchFamily="49" charset="0"/>
+              </a:rPr>
               <a:t>z </a:t>
             </a:r>
             <a:r>
-              <a:rPr lang="pl-PL" sz="3200"/>
-              <a:t>= bar </a:t>
-            </a:r>
-            <a:r>
-              <a:rPr lang="pl-PL" sz="3200" smtClean="0"/>
-              <a:t>();</a:t>
-            </a:r>
-            <a:r>
-              <a:rPr lang="en-US" sz="3200" smtClean="0"/>
+              <a:rPr lang="pl-PL" sz="2400">
+                <a:latin typeface="Consolas" panose="020B0609020204030204" pitchFamily="49" charset="0"/>
+              </a:rPr>
+              <a:t>= </a:t>
+            </a:r>
+            <a:r>
+              <a:rPr lang="pl-PL" sz="2400" smtClean="0">
+                <a:latin typeface="Consolas" panose="020B0609020204030204" pitchFamily="49" charset="0"/>
+              </a:rPr>
+              <a:t>bar();</a:t>
+            </a:r>
+            <a:r>
+              <a:rPr lang="en-US" sz="2400" smtClean="0">
+                <a:latin typeface="Consolas" panose="020B0609020204030204" pitchFamily="49" charset="0"/>
+              </a:rPr>
               <a:t> </a:t>
             </a:r>
             <a:r>
-              <a:rPr lang="pl-PL" sz="3200" smtClean="0"/>
+              <a:rPr lang="pl-PL" sz="2400" smtClean="0">
+                <a:latin typeface="Consolas" panose="020B0609020204030204" pitchFamily="49" charset="0"/>
+              </a:rPr>
               <a:t>y </a:t>
             </a:r>
             <a:r>
-              <a:rPr lang="pl-PL" sz="3200"/>
+              <a:rPr lang="pl-PL" sz="2400">
+                <a:latin typeface="Consolas" panose="020B0609020204030204" pitchFamily="49" charset="0"/>
+              </a:rPr>
               <a:t>= </a:t>
             </a:r>
             <a:r>
-              <a:rPr lang="pl-PL" sz="3200" smtClean="0"/>
-              <a:t>buz </a:t>
-            </a:r>
-            <a:r>
-              <a:rPr lang="pl-PL" sz="3200"/>
-              <a:t>(x, z</a:t>
-            </a:r>
-            <a:r>
-              <a:rPr lang="pl-PL" sz="3200" smtClean="0"/>
+              <a:rPr lang="pl-PL" sz="2400" smtClean="0">
+                <a:latin typeface="Consolas" panose="020B0609020204030204" pitchFamily="49" charset="0"/>
+              </a:rPr>
+              <a:t>buz(x</a:t>
+            </a:r>
+            <a:r>
+              <a:rPr lang="pl-PL" sz="2400">
+                <a:latin typeface="Consolas" panose="020B0609020204030204" pitchFamily="49" charset="0"/>
+              </a:rPr>
+              <a:t>, z</a:t>
+            </a:r>
+            <a:r>
+              <a:rPr lang="pl-PL" sz="2400" smtClean="0">
+                <a:latin typeface="Consolas" panose="020B0609020204030204" pitchFamily="49" charset="0"/>
+              </a:rPr>
               <a:t>);</a:t>
             </a:r>
             <a:r>
-              <a:rPr lang="en-US" sz="3200" smtClean="0"/>
+              <a:rPr lang="en-US" sz="2400" smtClean="0">
+                <a:latin typeface="Consolas" panose="020B0609020204030204" pitchFamily="49" charset="0"/>
+              </a:rPr>
               <a:t> </a:t>
             </a:r>
             <a:r>
-              <a:rPr lang="en-US" sz="3200" smtClean="0">
+              <a:rPr lang="en-US" sz="2400" smtClean="0">
                 <a:solidFill>
                   <a:srgbClr val="0000FF"/>
                 </a:solidFill>
+                <a:latin typeface="Consolas" panose="020B0609020204030204" pitchFamily="49" charset="0"/>
               </a:rPr>
               <a:t>// State</a:t>
             </a:r>
@@ -25966,38 +26426,53 @@
               <a:buNone/>
             </a:pPr>
             <a:r>
-              <a:rPr lang="en-US" sz="3200" smtClean="0"/>
+              <a:rPr lang="en-US" sz="2400" smtClean="0">
+                <a:latin typeface="Consolas" panose="020B0609020204030204" pitchFamily="49" charset="0"/>
+              </a:rPr>
               <a:t>x </a:t>
             </a:r>
             <a:r>
-              <a:rPr lang="en-US" sz="3200"/>
+              <a:rPr lang="en-US" sz="2400">
+                <a:latin typeface="Consolas" panose="020B0609020204030204" pitchFamily="49" charset="0"/>
+              </a:rPr>
               <a:t>= </a:t>
             </a:r>
             <a:r>
-              <a:rPr lang="en-US" sz="3200" smtClean="0"/>
-              <a:t>foo () &amp;&amp; z </a:t>
-            </a:r>
-            <a:r>
-              <a:rPr lang="en-US" sz="3200"/>
+              <a:rPr lang="en-US" sz="2400" smtClean="0">
+                <a:latin typeface="Consolas" panose="020B0609020204030204" pitchFamily="49" charset="0"/>
+              </a:rPr>
+              <a:t>foo() &amp;&amp; z </a:t>
+            </a:r>
+            <a:r>
+              <a:rPr lang="en-US" sz="2400">
+                <a:latin typeface="Consolas" panose="020B0609020204030204" pitchFamily="49" charset="0"/>
+              </a:rPr>
               <a:t>= </a:t>
             </a:r>
             <a:r>
-              <a:rPr lang="en-US" sz="3200" smtClean="0"/>
-              <a:t>bar () &amp;&amp; y </a:t>
-            </a:r>
-            <a:r>
-              <a:rPr lang="en-US" sz="3200"/>
+              <a:rPr lang="en-US" sz="2400" smtClean="0">
+                <a:latin typeface="Consolas" panose="020B0609020204030204" pitchFamily="49" charset="0"/>
+              </a:rPr>
+              <a:t>bar() &amp;&amp; y </a:t>
+            </a:r>
+            <a:r>
+              <a:rPr lang="en-US" sz="2400">
+                <a:latin typeface="Consolas" panose="020B0609020204030204" pitchFamily="49" charset="0"/>
+              </a:rPr>
               <a:t>= </a:t>
             </a:r>
             <a:r>
-              <a:rPr lang="en-US" sz="3200" smtClean="0"/>
-              <a:t>buz (x, z); </a:t>
-            </a:r>
-            <a:r>
-              <a:rPr lang="en-US" sz="3200" smtClean="0">
+              <a:rPr lang="en-US" sz="2400" smtClean="0">
+                <a:latin typeface="Consolas" panose="020B0609020204030204" pitchFamily="49" charset="0"/>
+              </a:rPr>
+              <a:t>buz(x, z); </a:t>
+            </a:r>
+            <a:r>
+              <a:rPr lang="en-US" sz="2400" smtClean="0">
                 <a:solidFill>
                   <a:srgbClr val="0000FF"/>
                 </a:solidFill>
+                <a:latin typeface="Consolas" panose="020B0609020204030204" pitchFamily="49" charset="0"/>
               </a:rPr>
               <a:t>// Maybe</a:t>
             </a:r>
@@ -26010,73 +26485,103 @@
               <a:buNone/>
             </a:pPr>
             <a:r>
-              <a:rPr lang="en-US" sz="3200" smtClean="0"/>
-              <a:t>x = foo () </a:t>
-            </a:r>
-            <a:r>
-              <a:rPr lang="en-US" sz="3200" smtClean="0">
+              <a:rPr lang="en-US" sz="2400" smtClean="0">
+                <a:latin typeface="Consolas" panose="020B0609020204030204" pitchFamily="49" charset="0"/>
+              </a:rPr>
+              <a:t>x = foo() </a:t>
+            </a:r>
+            <a:r>
+              <a:rPr lang="en-US" sz="2400" smtClean="0">
                 <a:solidFill>
                   <a:srgbClr val="0000FF"/>
                 </a:solidFill>
+                <a:latin typeface="Consolas" panose="020B0609020204030204" pitchFamily="49" charset="0"/>
                 <a:sym typeface="Symbol" panose="05050102010706020507" pitchFamily="18" charset="2"/>
               </a:rPr>
               <a:t></a:t>
             </a:r>
             <a:r>
-              <a:rPr lang="en-US" sz="3200" smtClean="0">
+              <a:rPr lang="en-US" sz="2400" smtClean="0">
                 <a:solidFill>
                   <a:srgbClr val="0000FF"/>
                 </a:solidFill>
+                <a:latin typeface="Consolas" panose="020B0609020204030204" pitchFamily="49" charset="0"/>
               </a:rPr>
               <a:t> </a:t>
             </a:r>
             <a:r>
-              <a:rPr lang="en-US" sz="3200"/>
-              <a:t>z = bar </a:t>
-            </a:r>
-            <a:r>
-              <a:rPr lang="en-US" sz="3200" smtClean="0"/>
-              <a:t>()</a:t>
-            </a:r>
-            <a:r>
-              <a:rPr lang="en-US" sz="3200">
+              <a:rPr lang="en-US" sz="2400">
+                <a:latin typeface="Consolas" panose="020B0609020204030204" pitchFamily="49" charset="0"/>
+              </a:rPr>
+              <a:t>z = </a:t>
+            </a:r>
+            <a:r>
+              <a:rPr lang="en-US" sz="2400" smtClean="0">
+                <a:latin typeface="Consolas" panose="020B0609020204030204" pitchFamily="49" charset="0"/>
+              </a:rPr>
+              <a:t>bar()</a:t>
+            </a:r>
+            <a:r>
+              <a:rPr lang="en-US" sz="2400" smtClean="0">
+                <a:latin typeface="Consolas" panose="020B0609020204030204" pitchFamily="49" charset="0"/>
                 <a:sym typeface="Symbol" panose="05050102010706020507" pitchFamily="18" charset="2"/>
               </a:rPr>
               <a:t> </a:t>
             </a:r>
             <a:r>
-              <a:rPr lang="en-US" sz="3200">
+              <a:rPr lang="en-US" sz="2400">
                 <a:solidFill>
                   <a:srgbClr val="0000FF"/>
                 </a:solidFill>
+                <a:latin typeface="Consolas" panose="020B0609020204030204" pitchFamily="49" charset="0"/>
                 <a:sym typeface="Symbol" panose="05050102010706020507" pitchFamily="18" charset="2"/>
               </a:rPr>
               <a:t> </a:t>
             </a:r>
             <a:r>
-              <a:rPr lang="en-US" sz="3200" smtClean="0"/>
+              <a:rPr lang="en-US" sz="2400" smtClean="0">
+                <a:latin typeface="Consolas" panose="020B0609020204030204" pitchFamily="49" charset="0"/>
+              </a:rPr>
               <a:t>y </a:t>
             </a:r>
             <a:r>
-              <a:rPr lang="en-US" sz="3200"/>
-              <a:t>= buz (x, z</a:t>
-            </a:r>
-            <a:r>
-              <a:rPr lang="en-US" sz="3200" smtClean="0"/>
+              <a:rPr lang="en-US" sz="2400">
+                <a:latin typeface="Consolas" panose="020B0609020204030204" pitchFamily="49" charset="0"/>
+              </a:rPr>
+              <a:t>= </a:t>
+            </a:r>
+            <a:r>
+              <a:rPr lang="en-US" sz="2400" smtClean="0">
+                <a:latin typeface="Consolas" panose="020B0609020204030204" pitchFamily="49" charset="0"/>
+              </a:rPr>
+              <a:t>buz(x</a:t>
+            </a:r>
+            <a:r>
+              <a:rPr lang="en-US" sz="2400">
+                <a:latin typeface="Consolas" panose="020B0609020204030204" pitchFamily="49" charset="0"/>
+              </a:rPr>
+              <a:t>, z</a:t>
+            </a:r>
+            <a:r>
+              <a:rPr lang="en-US" sz="2400" smtClean="0">
+                <a:latin typeface="Consolas" panose="020B0609020204030204" pitchFamily="49" charset="0"/>
+              </a:rPr>
               <a:t>); </a:t>
             </a:r>
             <a:r>
-              <a:rPr lang="en-US" sz="3200" smtClean="0">
+              <a:rPr lang="en-US" sz="2400" smtClean="0">
                 <a:solidFill>
                   <a:srgbClr val="0000FF"/>
                 </a:solidFill>
+                <a:latin typeface="Consolas" panose="020B0609020204030204" pitchFamily="49" charset="0"/>
               </a:rPr>
               <a:t>// General monad</a:t>
             </a:r>
-            <a:endParaRPr lang="en-US" sz="3200">
+            <a:endParaRPr lang="en-US" sz="2400">
               <a:solidFill>
                 <a:srgbClr val="0000FF"/>
               </a:solidFill>
+              <a:latin typeface="Consolas" panose="020B0609020204030204" pitchFamily="49" charset="0"/>
             </a:endParaRPr>
           </a:p>
         </p:txBody>
@@ -26091,6 +26596,13 @@
   <p:clrMapOvr>
     <a:masterClrMapping/>
   </p:clrMapOvr>
+  <p:timing>
+    <p:tnLst>
+      <p:par>
+        <p:cTn id="1" dur="indefinite" restart="never" nodeType="tmRoot"/>
+      </p:par>
+    </p:tnLst>
+  </p:timing>
 </p:sld>
 </file>
 
@@ -26427,6 +26939,13 @@
   <p:clrMapOvr>
     <a:masterClrMapping/>
   </p:clrMapOvr>
+  <p:timing>
+    <p:tnLst>
+      <p:par>
+        <p:cTn id="1" dur="indefinite" restart="never" nodeType="tmRoot"/>
+      </p:par>
+    </p:tnLst>
+  </p:timing>
 </p:sld>
 </file>
 
@@ -26464,7 +26983,11 @@
           <a:p>
             <a:r>
               <a:rPr lang="ru-RU" smtClean="0"/>
-              <a:t>Примеры монад</a:t>
+              <a:t>Нетривиальные монады</a:t>
+            </a:r>
+            <a:r>
+              <a:rPr lang="en-US" smtClean="0"/>
+              <a:t>: continuation</a:t>
             </a:r>
             <a:endParaRPr lang="en-US"/>
           </a:p>
@@ -26480,107 +27003,34 @@
             <p:ph idx="1"/>
           </p:nvPr>
         </p:nvSpPr>
-        <p:spPr/>
+        <p:spPr>
+          <a:xfrm>
+            <a:off x="1143000" y="2057400"/>
+            <a:ext cx="10634472" cy="4038600"/>
+          </a:xfrm>
+        </p:spPr>
         <p:txBody>
           <a:bodyPr/>
           <a:lstStyle/>
           <a:p>
             <a:r>
-              <a:rPr lang="en-US" smtClean="0"/>
-              <a:t>State. </a:t>
-            </a:r>
-            <a:r>
               <a:rPr lang="ru-RU" smtClean="0"/>
-              <a:t>Для </a:t>
-            </a:r>
-            <a:r>
-              <a:rPr lang="en-US" smtClean="0"/>
-              <a:t>C++ </a:t>
-            </a:r>
-            <a:r>
-              <a:rPr lang="ru-RU" smtClean="0"/>
-              <a:t>это семантика </a:t>
-            </a:r>
-            <a:r>
-              <a:rPr lang="en-US" smtClean="0"/>
-              <a:t>";"</a:t>
-            </a:r>
-            <a:r>
-              <a:rPr lang="ru-RU" smtClean="0"/>
-              <a:t> т.е.</a:t>
-            </a:r>
-            <a:r>
-              <a:rPr lang="en-US" smtClean="0"/>
-              <a:t> </a:t>
-            </a:r>
-            <a:r>
-              <a:rPr lang="ru-RU" smtClean="0"/>
-              <a:t>простая последовательность.</a:t>
-            </a:r>
-            <a:endParaRPr lang="en-US" smtClean="0"/>
-          </a:p>
-          <a:p>
-            <a:r>
-              <a:rPr lang="en-US" smtClean="0"/>
-              <a:t>IO. </a:t>
-            </a:r>
-            <a:r>
-              <a:rPr lang="ru-RU" smtClean="0"/>
-              <a:t>Упорядочение побочных эффектов при вводе и выводе</a:t>
-            </a:r>
-          </a:p>
-          <a:p>
-            <a:r>
-              <a:rPr lang="en-US" smtClean="0"/>
-              <a:t>Maybe. </a:t>
-            </a:r>
-            <a:r>
-              <a:rPr lang="ru-RU" smtClean="0"/>
-              <a:t>Если прошлое вычисление успешно, проводится следующее вычисление, иначе вся цепочка игнорируется</a:t>
-            </a:r>
-          </a:p>
-          <a:p>
-            <a:r>
-              <a:rPr lang="en-US" smtClean="0"/>
-              <a:t>Either. </a:t>
-            </a:r>
-            <a:r>
-              <a:rPr lang="ru-RU" smtClean="0"/>
-              <a:t>Почти как </a:t>
-            </a:r>
-            <a:r>
-              <a:rPr lang="en-US" smtClean="0"/>
-              <a:t>Maybe, </a:t>
-            </a:r>
-            <a:r>
-              <a:rPr lang="ru-RU" smtClean="0"/>
-              <a:t>но позволяет обработку по второй ветке</a:t>
-            </a:r>
-          </a:p>
-          <a:p>
-            <a:r>
-              <a:rPr lang="en-US" smtClean="0"/>
-              <a:t>Continuation. </a:t>
-            </a:r>
-            <a:r>
-              <a:rPr lang="ru-RU" smtClean="0"/>
-              <a:t>Комбинирует цепочки отложенных вычислений</a:t>
-            </a:r>
-          </a:p>
-          <a:p>
-            <a:r>
-              <a:rPr lang="en-US" smtClean="0"/>
-              <a:t>List</a:t>
-            </a:r>
-            <a:r>
-              <a:rPr lang="en-US"/>
-              <a:t>. </a:t>
-            </a:r>
-            <a:r>
-              <a:rPr lang="ru-RU"/>
-              <a:t>При пустом списке вычисления прерываются, при непустом он отдается следующему поэлементному обработчику.</a:t>
-            </a:r>
-            <a:endParaRPr lang="en-US"/>
+              <a:t>Базовое вычисление</a:t>
+            </a:r>
+          </a:p>
+          <a:p>
+            <a:pPr marL="45720" indent="0">
+              <a:buNone/>
+            </a:pPr>
+            <a:r>
+              <a:rPr lang="en-US" smtClean="0">
+                <a:latin typeface="Consolas" panose="020B0609020204030204" pitchFamily="49" charset="0"/>
+              </a:rPr>
+              <a:t>foo(bar(x,y), z)</a:t>
+            </a:r>
+            <a:endParaRPr lang="ru-RU" smtClean="0">
+              <a:latin typeface="Consolas" panose="020B0609020204030204" pitchFamily="49" charset="0"/>
+            </a:endParaRPr>
           </a:p>
         </p:txBody>
       </p:sp>
@@ -26594,6 +27044,13 @@
   <p:clrMapOvr>
     <a:masterClrMapping/>
   </p:clrMapOvr>
+  <p:timing>
+    <p:tnLst>
+      <p:par>
+        <p:cTn id="1" dur="indefinite" restart="never" nodeType="tmRoot"/>
+      </p:par>
+    </p:tnLst>
+  </p:timing>
 </p:sld>
 </file>
 
@@ -26631,7 +27088,11 @@
           <a:p>
             <a:r>
               <a:rPr lang="ru-RU" smtClean="0"/>
-              <a:t>Функциональный список</a:t>
+              <a:t>Нетривиальные монады</a:t>
+            </a:r>
+            <a:r>
+              <a:rPr lang="en-US" smtClean="0"/>
+              <a:t>: continuation</a:t>
             </a:r>
             <a:endParaRPr lang="en-US"/>
           </a:p>
@@ -26647,75 +27108,62 @@
             <p:ph idx="1"/>
           </p:nvPr>
         </p:nvSpPr>
-        <p:spPr/>
+        <p:spPr>
+          <a:xfrm>
+            <a:off x="1143000" y="2057400"/>
+            <a:ext cx="10634472" cy="4038600"/>
+          </a:xfrm>
+        </p:spPr>
         <p:txBody>
-          <a:bodyPr>
-            <a:normAutofit/>
-          </a:bodyPr>
+          <a:bodyPr/>
           <a:lstStyle/>
           <a:p>
+            <a:r>
+              <a:rPr lang="ru-RU" smtClean="0"/>
+              <a:t>Вычисление с остатком вычислений</a:t>
+            </a:r>
+            <a:endParaRPr lang="en-US" smtClean="0"/>
+          </a:p>
+          <a:p>
             <a:pPr marL="45720" indent="0">
               <a:buNone/>
             </a:pPr>
             <a:r>
-              <a:rPr lang="en-US" sz="2000">
-                <a:latin typeface="Consolas" panose="020B0609020204030204" pitchFamily="49" charset="0"/>
-              </a:rPr>
-              <a:t>auto List = [](auto ... xs) </a:t>
-            </a:r>
-            <a:r>
-              <a:rPr lang="en-US" sz="2000" smtClean="0">
-                <a:latin typeface="Consolas" panose="020B0609020204030204" pitchFamily="49" charset="0"/>
-              </a:rPr>
-              <a:t>{</a:t>
+              <a:rPr lang="en-US" smtClean="0">
+                <a:latin typeface="Consolas" panose="020B0609020204030204" pitchFamily="49" charset="0"/>
+              </a:rPr>
+              <a:t>auto rest = [](auto a) { foo(a, </a:t>
+            </a:r>
+            <a:r>
+              <a:rPr lang="en-US">
+                <a:latin typeface="Consolas" panose="020B0609020204030204" pitchFamily="49" charset="0"/>
+              </a:rPr>
+              <a:t>z</a:t>
+            </a:r>
+            <a:r>
+              <a:rPr lang="en-US" smtClean="0">
+                <a:latin typeface="Consolas" panose="020B0609020204030204" pitchFamily="49" charset="0"/>
+              </a:rPr>
+              <a:t>); }; </a:t>
+            </a:r>
+            <a:r>
+              <a:rPr lang="ru-RU" smtClean="0">
+                <a:latin typeface="Consolas" panose="020B0609020204030204" pitchFamily="49" charset="0"/>
+              </a:rPr>
+              <a:t/>
             </a:r>
             <a:br>
-              <a:rPr lang="en-US" sz="2000" smtClean="0">
+              <a:rPr lang="ru-RU" smtClean="0">
                 <a:latin typeface="Consolas" panose="020B0609020204030204" pitchFamily="49" charset="0"/>
               </a:rPr>
             </a:br>
             <a:r>
-              <a:rPr lang="en-US" sz="2000" smtClean="0">
-                <a:latin typeface="Consolas" panose="020B0609020204030204" pitchFamily="49" charset="0"/>
-              </a:rPr>
-              <a:t>  return </a:t>
-            </a:r>
-            <a:r>
-              <a:rPr lang="en-US" sz="2000">
-                <a:latin typeface="Consolas" panose="020B0609020204030204" pitchFamily="49" charset="0"/>
-              </a:rPr>
-              <a:t>[=](auto access) </a:t>
-            </a:r>
-            <a:r>
-              <a:rPr lang="en-US" sz="2000" smtClean="0">
-                <a:latin typeface="Consolas" panose="020B0609020204030204" pitchFamily="49" charset="0"/>
-              </a:rPr>
-              <a:t>{ return </a:t>
-            </a:r>
-            <a:r>
-              <a:rPr lang="en-US" sz="2000">
-                <a:latin typeface="Consolas" panose="020B0609020204030204" pitchFamily="49" charset="0"/>
-              </a:rPr>
-              <a:t>access(xs</a:t>
-            </a:r>
-            <a:r>
-              <a:rPr lang="en-US" sz="2000" smtClean="0">
-                <a:latin typeface="Consolas" panose="020B0609020204030204" pitchFamily="49" charset="0"/>
-              </a:rPr>
-              <a:t>...); };</a:t>
-            </a:r>
-            <a:br>
-              <a:rPr lang="en-US" sz="2000" smtClean="0">
-                <a:latin typeface="Consolas" panose="020B0609020204030204" pitchFamily="49" charset="0"/>
-              </a:rPr>
-            </a:br>
-            <a:r>
-              <a:rPr lang="en-US" sz="2000" smtClean="0">
-                <a:latin typeface="Consolas" panose="020B0609020204030204" pitchFamily="49" charset="0"/>
-              </a:rPr>
-              <a:t>};</a:t>
-            </a:r>
-            <a:endParaRPr lang="ru-RU" sz="2000" smtClean="0">
+              <a:rPr lang="en-US" smtClean="0">
+                <a:latin typeface="Consolas" panose="020B0609020204030204" pitchFamily="49" charset="0"/>
+              </a:rPr>
+              <a:t>rest(bar(x, y)); </a:t>
+            </a:r>
+            <a:endParaRPr lang="en-US">
               <a:latin typeface="Consolas" panose="020B0609020204030204" pitchFamily="49" charset="0"/>
             </a:endParaRPr>
           </a:p>
@@ -26723,211 +27171,27 @@
             <a:pPr marL="45720" indent="0">
               <a:buNone/>
             </a:pPr>
-            <a:r>
-              <a:rPr lang="en-US" sz="2000" smtClean="0">
-                <a:latin typeface="Consolas" panose="020B0609020204030204" pitchFamily="49" charset="0"/>
-              </a:rPr>
-              <a:t>auto </a:t>
-            </a:r>
-            <a:r>
-              <a:rPr lang="en-US" sz="2000">
-                <a:latin typeface="Consolas" panose="020B0609020204030204" pitchFamily="49" charset="0"/>
-              </a:rPr>
-              <a:t>head = [](auto xs) </a:t>
-            </a:r>
-            <a:r>
-              <a:rPr lang="en-US" sz="2000" smtClean="0">
-                <a:latin typeface="Consolas" panose="020B0609020204030204" pitchFamily="49" charset="0"/>
-              </a:rPr>
-              <a:t>{</a:t>
-            </a:r>
-            <a:br>
-              <a:rPr lang="en-US" sz="2000" smtClean="0">
-                <a:latin typeface="Consolas" panose="020B0609020204030204" pitchFamily="49" charset="0"/>
-              </a:rPr>
-            </a:br>
-            <a:r>
-              <a:rPr lang="en-US" sz="2000" smtClean="0">
-                <a:latin typeface="Consolas" panose="020B0609020204030204" pitchFamily="49" charset="0"/>
-              </a:rPr>
-              <a:t>  </a:t>
-            </a:r>
-            <a:r>
-              <a:rPr lang="en-US" sz="2000">
-                <a:latin typeface="Consolas" panose="020B0609020204030204" pitchFamily="49" charset="0"/>
-              </a:rPr>
-              <a:t>return xs([](auto first, auto ... rest) { </a:t>
-            </a:r>
-            <a:r>
-              <a:rPr lang="en-US" sz="2000" smtClean="0">
-                <a:latin typeface="Consolas" panose="020B0609020204030204" pitchFamily="49" charset="0"/>
-              </a:rPr>
-              <a:t>return </a:t>
-            </a:r>
-            <a:r>
-              <a:rPr lang="en-US" sz="2000">
-                <a:latin typeface="Consolas" panose="020B0609020204030204" pitchFamily="49" charset="0"/>
-              </a:rPr>
-              <a:t>first</a:t>
-            </a:r>
-            <a:r>
-              <a:rPr lang="en-US" sz="2000" smtClean="0">
-                <a:latin typeface="Consolas" panose="020B0609020204030204" pitchFamily="49" charset="0"/>
-              </a:rPr>
-              <a:t>; });</a:t>
-            </a:r>
-            <a:br>
-              <a:rPr lang="en-US" sz="2000" smtClean="0">
-                <a:latin typeface="Consolas" panose="020B0609020204030204" pitchFamily="49" charset="0"/>
-              </a:rPr>
-            </a:br>
-            <a:r>
-              <a:rPr lang="en-US" sz="2000" smtClean="0">
-                <a:latin typeface="Consolas" panose="020B0609020204030204" pitchFamily="49" charset="0"/>
-              </a:rPr>
-              <a:t>};</a:t>
-            </a:r>
-          </a:p>
-          <a:p>
-            <a:pPr marL="45720" indent="0">
-              <a:buNone/>
-            </a:pPr>
-            <a:r>
-              <a:rPr lang="en-US" sz="2000" smtClean="0">
-                <a:latin typeface="Consolas" panose="020B0609020204030204" pitchFamily="49" charset="0"/>
-              </a:rPr>
-              <a:t>auto </a:t>
-            </a:r>
-            <a:r>
-              <a:rPr lang="en-US" sz="2000">
-                <a:latin typeface="Consolas" panose="020B0609020204030204" pitchFamily="49" charset="0"/>
-              </a:rPr>
-              <a:t>tail = [](auto xs) </a:t>
-            </a:r>
-            <a:r>
-              <a:rPr lang="en-US" sz="2000" smtClean="0">
-                <a:latin typeface="Consolas" panose="020B0609020204030204" pitchFamily="49" charset="0"/>
-              </a:rPr>
-              <a:t>{</a:t>
-            </a:r>
-            <a:br>
-              <a:rPr lang="en-US" sz="2000" smtClean="0">
-                <a:latin typeface="Consolas" panose="020B0609020204030204" pitchFamily="49" charset="0"/>
-              </a:rPr>
-            </a:br>
-            <a:r>
-              <a:rPr lang="en-US" sz="2000" smtClean="0">
-                <a:latin typeface="Consolas" panose="020B0609020204030204" pitchFamily="49" charset="0"/>
-              </a:rPr>
-              <a:t>  return </a:t>
-            </a:r>
-            <a:r>
-              <a:rPr lang="en-US" sz="2000">
-                <a:latin typeface="Consolas" panose="020B0609020204030204" pitchFamily="49" charset="0"/>
-              </a:rPr>
-              <a:t>xs([](auto first, auto ... rest) </a:t>
-            </a:r>
-            <a:r>
-              <a:rPr lang="en-US" sz="2000" smtClean="0">
-                <a:latin typeface="Consolas" panose="020B0609020204030204" pitchFamily="49" charset="0"/>
-              </a:rPr>
-              <a:t>{ return List(rest...); });</a:t>
-            </a:r>
-            <a:br>
-              <a:rPr lang="en-US" sz="2000" smtClean="0">
-                <a:latin typeface="Consolas" panose="020B0609020204030204" pitchFamily="49" charset="0"/>
-              </a:rPr>
-            </a:br>
-            <a:r>
-              <a:rPr lang="en-US" sz="2000" smtClean="0">
-                <a:latin typeface="Consolas" panose="020B0609020204030204" pitchFamily="49" charset="0"/>
-              </a:rPr>
-              <a:t>};</a:t>
-            </a:r>
-            <a:endParaRPr lang="ru-RU" sz="2000" smtClean="0">
-              <a:latin typeface="Consolas" panose="020B0609020204030204" pitchFamily="49" charset="0"/>
-            </a:endParaRPr>
-          </a:p>
-          <a:p>
-            <a:pPr marL="45720" indent="0">
-              <a:buNone/>
-            </a:pPr>
-            <a:r>
-              <a:rPr lang="en-US" sz="2000" smtClean="0">
-                <a:latin typeface="Consolas" panose="020B0609020204030204" pitchFamily="49" charset="0"/>
-              </a:rPr>
-              <a:t>auto </a:t>
-            </a:r>
-            <a:r>
-              <a:rPr lang="en-US" sz="2000">
-                <a:latin typeface="Consolas" panose="020B0609020204030204" pitchFamily="49" charset="0"/>
-              </a:rPr>
-              <a:t>length = [](auto xs) { </a:t>
-            </a:r>
-            <a:r>
-              <a:rPr lang="en-US" sz="2000" smtClean="0">
-                <a:latin typeface="Consolas" panose="020B0609020204030204" pitchFamily="49" charset="0"/>
-              </a:rPr>
-              <a:t/>
-            </a:r>
-            <a:br>
-              <a:rPr lang="en-US" sz="2000" smtClean="0">
-                <a:latin typeface="Consolas" panose="020B0609020204030204" pitchFamily="49" charset="0"/>
-              </a:rPr>
-            </a:br>
-            <a:r>
-              <a:rPr lang="en-US" sz="2000" smtClean="0">
-                <a:latin typeface="Consolas" panose="020B0609020204030204" pitchFamily="49" charset="0"/>
-              </a:rPr>
-              <a:t>  return </a:t>
-            </a:r>
-            <a:r>
-              <a:rPr lang="en-US" sz="2000">
-                <a:latin typeface="Consolas" panose="020B0609020204030204" pitchFamily="49" charset="0"/>
-              </a:rPr>
-              <a:t>xs([](auto ... z) { return sizeof...(z); </a:t>
-            </a:r>
-            <a:r>
-              <a:rPr lang="en-US" sz="2000" smtClean="0">
-                <a:latin typeface="Consolas" panose="020B0609020204030204" pitchFamily="49" charset="0"/>
-              </a:rPr>
-              <a:t>});</a:t>
-            </a:r>
-            <a:br>
-              <a:rPr lang="en-US" sz="2000" smtClean="0">
-                <a:latin typeface="Consolas" panose="020B0609020204030204" pitchFamily="49" charset="0"/>
-              </a:rPr>
-            </a:br>
-            <a:r>
-              <a:rPr lang="en-US" sz="2000" smtClean="0">
-                <a:latin typeface="Consolas" panose="020B0609020204030204" pitchFamily="49" charset="0"/>
-              </a:rPr>
-              <a:t>};</a:t>
-            </a:r>
-          </a:p>
-          <a:p>
-            <a:pPr marL="45720" indent="0">
-              <a:buNone/>
-            </a:pPr>
-            <a:r>
-              <a:rPr lang="en-US" sz="2000">
-                <a:latin typeface="Consolas" panose="020B0609020204030204" pitchFamily="49" charset="0"/>
-              </a:rPr>
-              <a:t>auto three = length(List(1, '2', "3"));</a:t>
-            </a:r>
+            <a:endParaRPr lang="ru-RU" smtClean="0"/>
           </a:p>
         </p:txBody>
       </p:sp>
     </p:spTree>
     <p:extLst>
       <p:ext uri="{BB962C8B-B14F-4D97-AF65-F5344CB8AC3E}">
-        <p14:creationId xmlns:p14="http://schemas.microsoft.com/office/powerpoint/2010/main" val="3788236051"/>
+        <p14:creationId xmlns:p14="http://schemas.microsoft.com/office/powerpoint/2010/main" val="4203267141"/>
       </p:ext>
     </p:extLst>
   </p:cSld>
   <p:clrMapOvr>
     <a:masterClrMapping/>
   </p:clrMapOvr>
+  <p:timing>
+    <p:tnLst>
+      <p:par>
+        <p:cTn id="1" dur="indefinite" restart="never" nodeType="tmRoot"/>
+      </p:par>
+    </p:tnLst>
+  </p:timing>
 </p:sld>
 </file>
 
@@ -26964,8 +27228,12 @@
           <a:lstStyle/>
           <a:p>
             <a:r>
+              <a:rPr lang="ru-RU" smtClean="0"/>
+              <a:t>Нетривиальные монады</a:t>
+            </a:r>
+            <a:r>
               <a:rPr lang="en-US" smtClean="0"/>
-              <a:t>Fmap</a:t>
+              <a:t>: continuation</a:t>
             </a:r>
             <a:endParaRPr lang="en-US"/>
           </a:p>
@@ -26981,22 +27249,19 @@
             <p:ph idx="1"/>
           </p:nvPr>
         </p:nvSpPr>
-        <p:spPr/>
+        <p:spPr>
+          <a:xfrm>
+            <a:off x="1143000" y="2057400"/>
+            <a:ext cx="10634472" cy="4038600"/>
+          </a:xfrm>
+        </p:spPr>
         <p:txBody>
           <a:bodyPr/>
           <a:lstStyle/>
           <a:p>
             <a:r>
               <a:rPr lang="ru-RU" smtClean="0"/>
-              <a:t>Функтор </a:t>
-            </a:r>
-            <a:r>
-              <a:rPr lang="en-US" smtClean="0"/>
-              <a:t>fmap:</a:t>
-            </a:r>
-            <a:r>
-              <a:rPr lang="ru-RU" smtClean="0"/>
-              <a:t> применяет функцию (первый аргумент) к списку (второй аргумент) поэлементно.</a:t>
+              <a:t>Вычисление с остатком вычислений</a:t>
             </a:r>
             <a:endParaRPr lang="en-US" smtClean="0"/>
           </a:p>
@@ -27005,229 +27270,273 @@
               <a:buNone/>
             </a:pPr>
             <a:r>
-              <a:rPr lang="en-US" sz="2000">
-                <a:latin typeface="Consolas" panose="020B0609020204030204" pitchFamily="49" charset="0"/>
-              </a:rPr>
-              <a:t>fmap: (a -&gt; b) -&gt; list[a] -&gt; list[b</a:t>
-            </a:r>
-            <a:r>
-              <a:rPr lang="en-US" sz="2000" smtClean="0">
-                <a:latin typeface="Consolas" panose="020B0609020204030204" pitchFamily="49" charset="0"/>
-              </a:rPr>
-              <a:t>]</a:t>
-            </a:r>
-          </a:p>
-          <a:p>
-            <a:pPr marL="45720" indent="0">
-              <a:buNone/>
-            </a:pPr>
-            <a:r>
-              <a:rPr lang="en-US" sz="2000">
-                <a:latin typeface="Consolas" panose="020B0609020204030204" pitchFamily="49" charset="0"/>
-              </a:rPr>
-              <a:t>auto fmap = [](auto func) </a:t>
-            </a:r>
-            <a:r>
-              <a:rPr lang="en-US" sz="2000" smtClean="0">
-                <a:latin typeface="Consolas" panose="020B0609020204030204" pitchFamily="49" charset="0"/>
-              </a:rPr>
-              <a:t>{</a:t>
-            </a:r>
-            <a:r>
-              <a:rPr lang="ru-RU" sz="2000">
+              <a:rPr lang="en-US" smtClean="0">
+                <a:latin typeface="Consolas" panose="020B0609020204030204" pitchFamily="49" charset="0"/>
+              </a:rPr>
+              <a:t>auto rest = [](auto a) { foo(a, </a:t>
+            </a:r>
+            <a:r>
+              <a:rPr lang="en-US">
+                <a:latin typeface="Consolas" panose="020B0609020204030204" pitchFamily="49" charset="0"/>
+              </a:rPr>
+              <a:t>z</a:t>
+            </a:r>
+            <a:r>
+              <a:rPr lang="en-US" smtClean="0">
+                <a:latin typeface="Consolas" panose="020B0609020204030204" pitchFamily="49" charset="0"/>
+              </a:rPr>
+              <a:t>); }; </a:t>
+            </a:r>
+            <a:r>
+              <a:rPr lang="ru-RU" smtClean="0">
                 <a:latin typeface="Consolas" panose="020B0609020204030204" pitchFamily="49" charset="0"/>
               </a:rPr>
               <a:t/>
             </a:r>
             <a:br>
-              <a:rPr lang="ru-RU" sz="2000">
+              <a:rPr lang="ru-RU" smtClean="0">
                 <a:latin typeface="Consolas" panose="020B0609020204030204" pitchFamily="49" charset="0"/>
               </a:rPr>
             </a:br>
             <a:r>
-              <a:rPr lang="ru-RU" sz="2000" smtClean="0">
-                <a:latin typeface="Consolas" panose="020B0609020204030204" pitchFamily="49" charset="0"/>
-              </a:rPr>
-              <a:t>  </a:t>
-            </a:r>
-            <a:r>
-              <a:rPr lang="en-US" sz="2000" smtClean="0">
-                <a:latin typeface="Consolas" panose="020B0609020204030204" pitchFamily="49" charset="0"/>
-              </a:rPr>
-              <a:t>return </a:t>
-            </a:r>
-            <a:r>
-              <a:rPr lang="en-US" sz="2000">
-                <a:latin typeface="Consolas" panose="020B0609020204030204" pitchFamily="49" charset="0"/>
-              </a:rPr>
-              <a:t>[func] (auto alist) </a:t>
-            </a:r>
-            <a:r>
-              <a:rPr lang="en-US" sz="2000" smtClean="0">
-                <a:latin typeface="Consolas" panose="020B0609020204030204" pitchFamily="49" charset="0"/>
-              </a:rPr>
-              <a:t>{</a:t>
-            </a:r>
-            <a:r>
-              <a:rPr lang="ru-RU" sz="2000" smtClean="0">
-                <a:latin typeface="Consolas" panose="020B0609020204030204" pitchFamily="49" charset="0"/>
-              </a:rPr>
-              <a:t/>
-            </a:r>
-            <a:br>
-              <a:rPr lang="ru-RU" sz="2000" smtClean="0">
-                <a:latin typeface="Consolas" panose="020B0609020204030204" pitchFamily="49" charset="0"/>
-              </a:rPr>
-            </a:br>
-            <a:r>
-              <a:rPr lang="ru-RU" sz="2000" smtClean="0">
-                <a:latin typeface="Consolas" panose="020B0609020204030204" pitchFamily="49" charset="0"/>
-              </a:rPr>
-              <a:t>    </a:t>
-            </a:r>
-            <a:r>
-              <a:rPr lang="en-US" sz="2000" smtClean="0">
-                <a:latin typeface="Consolas" panose="020B0609020204030204" pitchFamily="49" charset="0"/>
-              </a:rPr>
-              <a:t>return alist</a:t>
-            </a:r>
-            <a:r>
-              <a:rPr lang="ru-RU" sz="2000" smtClean="0">
-                <a:latin typeface="Consolas" panose="020B0609020204030204" pitchFamily="49" charset="0"/>
-              </a:rPr>
-              <a:t>(</a:t>
-            </a:r>
-            <a:r>
-              <a:rPr lang="en-US" sz="2000" smtClean="0">
-                <a:latin typeface="Consolas" panose="020B0609020204030204" pitchFamily="49" charset="0"/>
-              </a:rPr>
-              <a:t>[func</a:t>
-            </a:r>
-            <a:r>
-              <a:rPr lang="en-US" sz="2000">
-                <a:latin typeface="Consolas" panose="020B0609020204030204" pitchFamily="49" charset="0"/>
-              </a:rPr>
-              <a:t>](auto ... xs</a:t>
-            </a:r>
-            <a:r>
-              <a:rPr lang="en-US" sz="2000" smtClean="0">
-                <a:latin typeface="Consolas" panose="020B0609020204030204" pitchFamily="49" charset="0"/>
-              </a:rPr>
-              <a:t>) { return </a:t>
-            </a:r>
-            <a:r>
-              <a:rPr lang="en-US" sz="2000">
-                <a:latin typeface="Consolas" panose="020B0609020204030204" pitchFamily="49" charset="0"/>
-              </a:rPr>
-              <a:t>List(func(xs</a:t>
-            </a:r>
-            <a:r>
-              <a:rPr lang="en-US" sz="2000" smtClean="0">
-                <a:latin typeface="Consolas" panose="020B0609020204030204" pitchFamily="49" charset="0"/>
-              </a:rPr>
-              <a:t>)...); });</a:t>
-            </a:r>
-            <a:r>
-              <a:rPr lang="ru-RU" sz="2000" smtClean="0">
-                <a:latin typeface="Consolas" panose="020B0609020204030204" pitchFamily="49" charset="0"/>
-              </a:rPr>
-              <a:t/>
-            </a:r>
-            <a:br>
-              <a:rPr lang="ru-RU" sz="2000" smtClean="0">
-                <a:latin typeface="Consolas" panose="020B0609020204030204" pitchFamily="49" charset="0"/>
-              </a:rPr>
-            </a:br>
-            <a:r>
-              <a:rPr lang="ru-RU" sz="2000" smtClean="0">
-                <a:latin typeface="Consolas" panose="020B0609020204030204" pitchFamily="49" charset="0"/>
-              </a:rPr>
-              <a:t>  </a:t>
-            </a:r>
-            <a:r>
-              <a:rPr lang="en-US" sz="2000" smtClean="0">
-                <a:latin typeface="Consolas" panose="020B0609020204030204" pitchFamily="49" charset="0"/>
-              </a:rPr>
-              <a:t>};</a:t>
-            </a:r>
-            <a:r>
-              <a:rPr lang="ru-RU" sz="2000" smtClean="0">
-                <a:latin typeface="Consolas" panose="020B0609020204030204" pitchFamily="49" charset="0"/>
-              </a:rPr>
-              <a:t/>
-            </a:r>
-            <a:br>
-              <a:rPr lang="ru-RU" sz="2000" smtClean="0">
-                <a:latin typeface="Consolas" panose="020B0609020204030204" pitchFamily="49" charset="0"/>
-              </a:rPr>
-            </a:br>
-            <a:r>
-              <a:rPr lang="en-US" sz="2000" smtClean="0">
-                <a:latin typeface="Consolas" panose="020B0609020204030204" pitchFamily="49" charset="0"/>
-              </a:rPr>
-              <a:t>};</a:t>
-            </a:r>
-          </a:p>
-          <a:p>
-            <a:pPr marL="45720" indent="0">
-              <a:buNone/>
-            </a:pPr>
-            <a:r>
-              <a:rPr lang="it-IT" sz="2000">
-                <a:latin typeface="Consolas" panose="020B0609020204030204" pitchFamily="49" charset="0"/>
-              </a:rPr>
-              <a:t>auto twice = [](auto i) { return 2*i; </a:t>
-            </a:r>
-            <a:r>
-              <a:rPr lang="it-IT" sz="2000" smtClean="0">
-                <a:latin typeface="Consolas" panose="020B0609020204030204" pitchFamily="49" charset="0"/>
-              </a:rPr>
-              <a:t>};</a:t>
-            </a:r>
-            <a:br>
-              <a:rPr lang="it-IT" sz="2000" smtClean="0">
-                <a:latin typeface="Consolas" panose="020B0609020204030204" pitchFamily="49" charset="0"/>
-              </a:rPr>
-            </a:br>
-            <a:r>
-              <a:rPr lang="it-IT" sz="2000" smtClean="0">
-                <a:latin typeface="Consolas" panose="020B0609020204030204" pitchFamily="49" charset="0"/>
-              </a:rPr>
-              <a:t>auto </a:t>
-            </a:r>
-            <a:r>
-              <a:rPr lang="it-IT" sz="2000">
-                <a:latin typeface="Consolas" panose="020B0609020204030204" pitchFamily="49" charset="0"/>
-              </a:rPr>
-              <a:t>l1 = List(1, 2, 3, 4);</a:t>
-            </a:r>
-            <a:br>
-              <a:rPr lang="it-IT" sz="2000">
-                <a:latin typeface="Consolas" panose="020B0609020204030204" pitchFamily="49" charset="0"/>
-              </a:rPr>
-            </a:br>
-            <a:r>
-              <a:rPr lang="it-IT" sz="2000">
-                <a:latin typeface="Consolas" panose="020B0609020204030204" pitchFamily="49" charset="0"/>
-              </a:rPr>
-              <a:t>auto l2 = fmap(twice)(l1);</a:t>
-            </a:r>
-            <a:endParaRPr lang="en-US" sz="2000">
+              <a:rPr lang="en-US" smtClean="0">
+                <a:latin typeface="Consolas" panose="020B0609020204030204" pitchFamily="49" charset="0"/>
+              </a:rPr>
+              <a:t>rest(bar(x, y)); </a:t>
+            </a:r>
+            <a:endParaRPr lang="en-US">
               <a:latin typeface="Consolas" panose="020B0609020204030204" pitchFamily="49" charset="0"/>
             </a:endParaRPr>
+          </a:p>
+          <a:p>
+            <a:r>
+              <a:rPr lang="ru-RU" smtClean="0"/>
+              <a:t>Разворачиваем наоборот</a:t>
+            </a:r>
+          </a:p>
+          <a:p>
+            <a:pPr marL="45720" indent="0">
+              <a:buNone/>
+            </a:pPr>
+            <a:r>
+              <a:rPr lang="en-US">
+                <a:latin typeface="Consolas" panose="020B0609020204030204" pitchFamily="49" charset="0"/>
+              </a:rPr>
+              <a:t>auto rest = [](auto a) { </a:t>
+            </a:r>
+            <a:r>
+              <a:rPr lang="en-US" smtClean="0">
+                <a:latin typeface="Consolas" panose="020B0609020204030204" pitchFamily="49" charset="0"/>
+              </a:rPr>
+              <a:t>a(bar(x, y)); </a:t>
+            </a:r>
+            <a:r>
+              <a:rPr lang="en-US">
+                <a:latin typeface="Consolas" panose="020B0609020204030204" pitchFamily="49" charset="0"/>
+              </a:rPr>
+              <a:t>}; </a:t>
+            </a:r>
+            <a:r>
+              <a:rPr lang="ru-RU" smtClean="0">
+                <a:latin typeface="Consolas" panose="020B0609020204030204" pitchFamily="49" charset="0"/>
+              </a:rPr>
+              <a:t/>
+            </a:r>
+            <a:br>
+              <a:rPr lang="ru-RU" smtClean="0">
+                <a:latin typeface="Consolas" panose="020B0609020204030204" pitchFamily="49" charset="0"/>
+              </a:rPr>
+            </a:br>
+            <a:r>
+              <a:rPr lang="en-US" smtClean="0">
+                <a:latin typeface="Consolas" panose="020B0609020204030204" pitchFamily="49" charset="0"/>
+              </a:rPr>
+              <a:t>rest(</a:t>
+            </a:r>
+            <a:r>
+              <a:rPr lang="en-US" smtClean="0">
+                <a:solidFill>
+                  <a:srgbClr val="0000FF"/>
+                </a:solidFill>
+                <a:latin typeface="Consolas" panose="020B0609020204030204" pitchFamily="49" charset="0"/>
+              </a:rPr>
+              <a:t>bind(foo, _1, z)</a:t>
+            </a:r>
+            <a:r>
+              <a:rPr lang="en-US" smtClean="0">
+                <a:latin typeface="Consolas" panose="020B0609020204030204" pitchFamily="49" charset="0"/>
+              </a:rPr>
+              <a:t>);</a:t>
+            </a:r>
+          </a:p>
+          <a:p>
+            <a:r>
+              <a:rPr lang="ru-RU" smtClean="0"/>
+              <a:t>В общем случае </a:t>
+            </a:r>
+            <a:r>
+              <a:rPr lang="en-US" smtClean="0">
+                <a:latin typeface="Consolas" panose="020B0609020204030204" pitchFamily="49" charset="0"/>
+              </a:rPr>
+              <a:t>(a -&gt; b) -&gt; b </a:t>
+            </a:r>
+            <a:r>
+              <a:rPr lang="ru-RU" smtClean="0"/>
+              <a:t>это </a:t>
+            </a:r>
+            <a:r>
+              <a:rPr lang="en-US" smtClean="0">
+                <a:latin typeface="Consolas" panose="020B0609020204030204" pitchFamily="49" charset="0"/>
+              </a:rPr>
+              <a:t>Cont b a</a:t>
+            </a:r>
+            <a:endParaRPr lang="ru-RU" smtClean="0">
+              <a:latin typeface="Consolas" panose="020B0609020204030204" pitchFamily="49" charset="0"/>
+            </a:endParaRPr>
+          </a:p>
+          <a:p>
+            <a:r>
+              <a:rPr lang="ru-RU" smtClean="0"/>
+              <a:t>Применение </a:t>
+            </a:r>
+            <a:r>
+              <a:rPr lang="en-US">
+                <a:latin typeface="Consolas" panose="020B0609020204030204" pitchFamily="49" charset="0"/>
+              </a:rPr>
+              <a:t>m &gt;&gt;= </a:t>
+            </a:r>
+            <a:r>
+              <a:rPr lang="en-US" smtClean="0">
+                <a:latin typeface="Consolas" panose="020B0609020204030204" pitchFamily="49" charset="0"/>
+              </a:rPr>
+              <a:t>k</a:t>
+            </a:r>
+            <a:r>
+              <a:rPr lang="ru-RU" smtClean="0"/>
+              <a:t> это вычисление </a:t>
+            </a:r>
+            <a:r>
+              <a:rPr lang="en-US" smtClean="0">
+                <a:latin typeface="Consolas" panose="020B0609020204030204" pitchFamily="49" charset="0"/>
+              </a:rPr>
+              <a:t>k (m)</a:t>
+            </a:r>
+          </a:p>
+          <a:p>
+            <a:r>
+              <a:rPr lang="ru-RU" smtClean="0"/>
+              <a:t>Известны реализации </a:t>
+            </a:r>
+            <a:r>
+              <a:rPr lang="en-US" smtClean="0"/>
+              <a:t>task scheduling (</a:t>
+            </a:r>
+            <a:r>
+              <a:rPr lang="ru-RU" smtClean="0"/>
+              <a:t>см. доклад </a:t>
+            </a:r>
+            <a:r>
+              <a:rPr lang="en-US"/>
+              <a:t>Ivan Čukić </a:t>
+            </a:r>
+            <a:r>
+              <a:rPr lang="ru-RU" smtClean="0"/>
+              <a:t>на </a:t>
+            </a:r>
+            <a:r>
+              <a:rPr lang="en-US" smtClean="0">
+                <a:latin typeface="Consolas" panose="020B0609020204030204" pitchFamily="49" charset="0"/>
+              </a:rPr>
+              <a:t>QtDD'13</a:t>
+            </a:r>
+            <a:r>
+              <a:rPr lang="ru-RU" smtClean="0"/>
+              <a:t>)</a:t>
+            </a:r>
+            <a:r>
+              <a:rPr lang="en-US" baseline="30000" smtClean="0"/>
+              <a:t>*</a:t>
+            </a:r>
+            <a:r>
+              <a:rPr lang="en-US" smtClean="0"/>
+              <a:t> </a:t>
+            </a:r>
+            <a:r>
+              <a:rPr lang="ru-RU" smtClean="0"/>
+              <a:t>и прочие примеры для работы в </a:t>
+            </a:r>
+            <a:r>
+              <a:rPr lang="en-US" smtClean="0"/>
+              <a:t>IoC </a:t>
+            </a:r>
+            <a:r>
+              <a:rPr lang="ru-RU" smtClean="0"/>
+              <a:t>контекстах</a:t>
+            </a:r>
+            <a:endParaRPr lang="ru-RU"/>
+          </a:p>
+          <a:p>
+            <a:pPr marL="45720" indent="0">
+              <a:buNone/>
+            </a:pPr>
+            <a:endParaRPr lang="ru-RU" smtClean="0"/>
+          </a:p>
+        </p:txBody>
+      </p:sp>
+      <p:sp>
+        <p:nvSpPr>
+          <p:cNvPr id="4" name="TextBox 3"/>
+          <p:cNvSpPr txBox="1"/>
+          <p:nvPr/>
+        </p:nvSpPr>
+        <p:spPr>
+          <a:xfrm>
+            <a:off x="6678168" y="6251448"/>
+            <a:ext cx="5513832" cy="369332"/>
+          </a:xfrm>
+          <a:prstGeom prst="rect">
+            <a:avLst/>
+          </a:prstGeom>
+          <a:noFill/>
+        </p:spPr>
+        <p:txBody>
+          <a:bodyPr wrap="square" rtlCol="0">
+            <a:spAutoFit/>
+          </a:bodyPr>
+          <a:lstStyle/>
+          <a:p>
+            <a:r>
+              <a:rPr lang="ru-RU" smtClean="0"/>
+              <a:t>* </a:t>
+            </a:r>
+            <a:r>
+              <a:rPr lang="en-US" smtClean="0"/>
+              <a:t>https</a:t>
+            </a:r>
+            <a:r>
+              <a:rPr lang="en-US"/>
+              <a:t>://www.youtube.com/watch?v=LSCamsfwYQU</a:t>
+            </a:r>
           </a:p>
         </p:txBody>
       </p:sp>
     </p:spTree>
     <p:extLst>
       <p:ext uri="{BB962C8B-B14F-4D97-AF65-F5344CB8AC3E}">
-        <p14:creationId xmlns:p14="http://schemas.microsoft.com/office/powerpoint/2010/main" val="72044502"/>
+        <p14:creationId xmlns:p14="http://schemas.microsoft.com/office/powerpoint/2010/main" val="3055359858"/>
       </p:ext>
     </p:extLst>
   </p:cSld>
   <p:clrMapOvr>
     <a:masterClrMapping/>
   </p:clrMapOvr>
+  <p:timing>
+    <p:tnLst>
+      <p:par>
+        <p:cTn id="1" dur="indefinite" restart="never" nodeType="tmRoot"/>
+      </p:par>
+    </p:tnLst>
+  </p:timing>
 </p:sld>
 </file>
 
@@ -27265,7 +27574,11 @@
           <a:p>
             <a:r>
               <a:rPr lang="ru-RU" smtClean="0"/>
-              <a:t>Домашняя наработка</a:t>
+              <a:t>Нетривиальные монады</a:t>
+            </a:r>
+            <a:r>
+              <a:rPr lang="en-US" smtClean="0"/>
+              <a:t>: list</a:t>
             </a:r>
             <a:endParaRPr lang="en-US"/>
           </a:p>
@@ -27287,32 +27600,107 @@
           <a:lstStyle/>
           <a:p>
             <a:r>
-              <a:rPr lang="ru-RU"/>
-              <a:t>Функтор </a:t>
+              <a:rPr lang="ru-RU" smtClean="0"/>
+              <a:t>Для монады </a:t>
             </a:r>
             <a:r>
               <a:rPr lang="en-US" smtClean="0"/>
-              <a:t>flatmap</a:t>
-            </a:r>
-            <a:r>
-              <a:rPr lang="en-US"/>
-              <a:t>:</a:t>
-            </a:r>
-            <a:r>
-              <a:rPr lang="ru-RU"/>
-              <a:t> применяет функцию </a:t>
+              <a:t>List, </a:t>
             </a:r>
             <a:r>
               <a:rPr lang="ru-RU" smtClean="0"/>
-              <a:t>к </a:t>
-            </a:r>
-            <a:r>
-              <a:rPr lang="ru-RU"/>
-              <a:t>списку </a:t>
-            </a:r>
+              <a:t>состоянием является список элементов</a:t>
+            </a:r>
+          </a:p>
+          <a:p>
             <a:r>
               <a:rPr lang="ru-RU" smtClean="0"/>
-              <a:t>поэлементно</a:t>
+              <a:t>Применение к этому списку операции, разворачивающей каждый элемент в новый (возможно пустой) список это поэлементное применение с конкатенацией списков</a:t>
+            </a:r>
+          </a:p>
+          <a:p>
+            <a:pPr marL="45720" indent="0">
+              <a:buNone/>
+            </a:pPr>
+            <a:r>
+              <a:rPr lang="pt-BR">
+                <a:latin typeface="Consolas" panose="020B0609020204030204" pitchFamily="49" charset="0"/>
+              </a:rPr>
+              <a:t>(&gt;&gt;=) :: </a:t>
+            </a:r>
+            <a:r>
+              <a:rPr lang="en-US" smtClean="0">
+                <a:latin typeface="Consolas" panose="020B0609020204030204" pitchFamily="49" charset="0"/>
+              </a:rPr>
+              <a:t>List of</a:t>
+            </a:r>
+            <a:r>
+              <a:rPr lang="pt-BR" smtClean="0">
+                <a:latin typeface="Consolas" panose="020B0609020204030204" pitchFamily="49" charset="0"/>
+              </a:rPr>
+              <a:t> a </a:t>
+            </a:r>
+            <a:r>
+              <a:rPr lang="pt-BR">
+                <a:latin typeface="Consolas" panose="020B0609020204030204" pitchFamily="49" charset="0"/>
+              </a:rPr>
+              <a:t>-&gt; </a:t>
+            </a:r>
+            <a:r>
+              <a:rPr lang="pt-BR" smtClean="0">
+                <a:latin typeface="Consolas" panose="020B0609020204030204" pitchFamily="49" charset="0"/>
+              </a:rPr>
+              <a:t>(a </a:t>
+            </a:r>
+            <a:r>
+              <a:rPr lang="pt-BR">
+                <a:latin typeface="Consolas" panose="020B0609020204030204" pitchFamily="49" charset="0"/>
+              </a:rPr>
+              <a:t>-&gt; </a:t>
+            </a:r>
+            <a:r>
+              <a:rPr lang="pt-BR" smtClean="0">
+                <a:latin typeface="Consolas" panose="020B0609020204030204" pitchFamily="49" charset="0"/>
+              </a:rPr>
+              <a:t>List of </a:t>
+            </a:r>
+            <a:r>
+              <a:rPr lang="pt-BR">
+                <a:latin typeface="Consolas" panose="020B0609020204030204" pitchFamily="49" charset="0"/>
+              </a:rPr>
+              <a:t>b) -&gt; </a:t>
+            </a:r>
+            <a:r>
+              <a:rPr lang="pt-BR" smtClean="0">
+                <a:latin typeface="Consolas" panose="020B0609020204030204" pitchFamily="49" charset="0"/>
+              </a:rPr>
+              <a:t>List of </a:t>
+            </a:r>
+            <a:r>
+              <a:rPr lang="pt-BR">
+                <a:latin typeface="Consolas" panose="020B0609020204030204" pitchFamily="49" charset="0"/>
+              </a:rPr>
+              <a:t>b</a:t>
+            </a:r>
+          </a:p>
+          <a:p>
+            <a:r>
+              <a:rPr lang="ru-RU" smtClean="0"/>
+              <a:t>Система может</a:t>
+            </a:r>
+            <a:r>
+              <a:rPr lang="ru-RU" baseline="30000" smtClean="0"/>
+              <a:t>*</a:t>
+            </a:r>
+            <a:r>
+              <a:rPr lang="ru-RU" smtClean="0"/>
+              <a:t> жить на </a:t>
+            </a:r>
+            <a:r>
+              <a:rPr lang="en-US" smtClean="0">
+                <a:latin typeface="Consolas" panose="020B0609020204030204" pitchFamily="49" charset="0"/>
+              </a:rPr>
+              <a:t>std::list</a:t>
             </a:r>
             <a:r>
               <a:rPr lang="en-US" smtClean="0"/>
@@ -27320,245 +27708,67 @@
             </a:r>
             <a:r>
               <a:rPr lang="ru-RU" smtClean="0"/>
-              <a:t>но результат каждой функции список, а общий результат -- единый список, сконкатенированный из полученных</a:t>
-            </a:r>
-            <a:endParaRPr lang="en-US" smtClean="0"/>
+              <a:t>но можно использовать всё что угодно с поведением как у списка </a:t>
+            </a:r>
           </a:p>
           <a:p>
             <a:pPr marL="45720" indent="0">
               <a:buNone/>
             </a:pPr>
+            <a:endParaRPr lang="en-US"/>
+          </a:p>
+        </p:txBody>
+      </p:sp>
+      <p:sp>
+        <p:nvSpPr>
+          <p:cNvPr id="4" name="TextBox 3"/>
+          <p:cNvSpPr txBox="1"/>
+          <p:nvPr/>
+        </p:nvSpPr>
+        <p:spPr>
+          <a:xfrm>
+            <a:off x="3584448" y="6251448"/>
+            <a:ext cx="8607552" cy="369332"/>
+          </a:xfrm>
+          <a:prstGeom prst="rect">
+            <a:avLst/>
+          </a:prstGeom>
+          <a:noFill/>
+        </p:spPr>
+        <p:txBody>
+          <a:bodyPr wrap="square" rtlCol="0">
+            <a:spAutoFit/>
+          </a:bodyPr>
+          <a:lstStyle/>
+          <a:p>
+            <a:r>
+              <a:rPr lang="ru-RU" smtClean="0"/>
+              <a:t>* </a:t>
+            </a:r>
             <a:r>
               <a:rPr lang="en-US"/>
-              <a:t>flatmap: (a -&gt; list[b]) -&gt; list[a] -&gt; list[b</a:t>
-            </a:r>
-            <a:r>
-              <a:rPr lang="en-US" smtClean="0"/>
-              <a:t>]</a:t>
-            </a:r>
-          </a:p>
-          <a:p>
-            <a:pPr marL="45720" indent="0">
-              <a:buNone/>
-            </a:pPr>
-            <a:r>
-              <a:rPr lang="en-US" sz="2000">
-                <a:latin typeface="Consolas" panose="020B0609020204030204" pitchFamily="49" charset="0"/>
-              </a:rPr>
-              <a:t>auto flatmap = [](auto func) </a:t>
-            </a:r>
-            <a:r>
-              <a:rPr lang="en-US" sz="2000" smtClean="0">
-                <a:latin typeface="Consolas" panose="020B0609020204030204" pitchFamily="49" charset="0"/>
-              </a:rPr>
-              <a:t>{</a:t>
-            </a:r>
-            <a:r>
-              <a:rPr lang="ru-RU" sz="2000" smtClean="0">
-                <a:latin typeface="Consolas" panose="020B0609020204030204" pitchFamily="49" charset="0"/>
-              </a:rPr>
-              <a:t/>
-            </a:r>
-            <a:br>
-              <a:rPr lang="ru-RU" sz="2000" smtClean="0">
-                <a:latin typeface="Consolas" panose="020B0609020204030204" pitchFamily="49" charset="0"/>
-              </a:rPr>
-            </a:br>
-            <a:r>
-              <a:rPr lang="en-US" sz="2000" smtClean="0">
-                <a:latin typeface="Consolas" panose="020B0609020204030204" pitchFamily="49" charset="0"/>
-              </a:rPr>
-              <a:t>  </a:t>
-            </a:r>
-            <a:r>
-              <a:rPr lang="en-US" sz="2000">
-                <a:latin typeface="Consolas" panose="020B0609020204030204" pitchFamily="49" charset="0"/>
-              </a:rPr>
-              <a:t>return [func](auto alist) </a:t>
-            </a:r>
-            <a:r>
-              <a:rPr lang="en-US" sz="2000" smtClean="0">
-                <a:latin typeface="Consolas" panose="020B0609020204030204" pitchFamily="49" charset="0"/>
-              </a:rPr>
-              <a:t>{</a:t>
-            </a:r>
-            <a:r>
-              <a:rPr lang="ru-RU" sz="2000" smtClean="0">
-                <a:latin typeface="Consolas" panose="020B0609020204030204" pitchFamily="49" charset="0"/>
-              </a:rPr>
-              <a:t/>
-            </a:r>
-            <a:br>
-              <a:rPr lang="ru-RU" sz="2000" smtClean="0">
-                <a:latin typeface="Consolas" panose="020B0609020204030204" pitchFamily="49" charset="0"/>
-              </a:rPr>
-            </a:br>
-            <a:r>
-              <a:rPr lang="en-US" sz="2000" smtClean="0">
-                <a:latin typeface="Consolas" panose="020B0609020204030204" pitchFamily="49" charset="0"/>
-              </a:rPr>
-              <a:t>    </a:t>
-            </a:r>
-            <a:r>
-              <a:rPr lang="en-US" sz="2000">
-                <a:latin typeface="Consolas" panose="020B0609020204030204" pitchFamily="49" charset="0"/>
-              </a:rPr>
-              <a:t>return alist</a:t>
-            </a:r>
-            <a:r>
-              <a:rPr lang="en-US" sz="2000" smtClean="0">
-                <a:latin typeface="Consolas" panose="020B0609020204030204" pitchFamily="49" charset="0"/>
-              </a:rPr>
-              <a:t>([</a:t>
-            </a:r>
-            <a:r>
-              <a:rPr lang="en-US" sz="2000">
-                <a:latin typeface="Consolas" panose="020B0609020204030204" pitchFamily="49" charset="0"/>
-              </a:rPr>
-              <a:t>func](auto... xs) </a:t>
-            </a:r>
-            <a:r>
-              <a:rPr lang="en-US" sz="2000" smtClean="0">
-                <a:latin typeface="Consolas" panose="020B0609020204030204" pitchFamily="49" charset="0"/>
-              </a:rPr>
-              <a:t>{return </a:t>
-            </a:r>
-            <a:r>
-              <a:rPr lang="en-US" sz="2000">
-                <a:solidFill>
-                  <a:srgbClr val="0000FF"/>
-                </a:solidFill>
-                <a:latin typeface="Consolas" panose="020B0609020204030204" pitchFamily="49" charset="0"/>
-              </a:rPr>
-              <a:t>flatten</a:t>
-            </a:r>
-            <a:r>
-              <a:rPr lang="en-US" sz="2000">
-                <a:latin typeface="Consolas" panose="020B0609020204030204" pitchFamily="49" charset="0"/>
-              </a:rPr>
-              <a:t>(func, xs</a:t>
-            </a:r>
-            <a:r>
-              <a:rPr lang="en-US" sz="2000" smtClean="0">
-                <a:latin typeface="Consolas" panose="020B0609020204030204" pitchFamily="49" charset="0"/>
-              </a:rPr>
-              <a:t>...);});</a:t>
-            </a:r>
-            <a:r>
-              <a:rPr lang="ru-RU" sz="2000" smtClean="0">
-                <a:latin typeface="Consolas" panose="020B0609020204030204" pitchFamily="49" charset="0"/>
-              </a:rPr>
-              <a:t/>
-            </a:r>
-            <a:br>
-              <a:rPr lang="ru-RU" sz="2000" smtClean="0">
-                <a:latin typeface="Consolas" panose="020B0609020204030204" pitchFamily="49" charset="0"/>
-              </a:rPr>
-            </a:br>
-            <a:r>
-              <a:rPr lang="en-US" sz="2000" smtClean="0">
-                <a:latin typeface="Consolas" panose="020B0609020204030204" pitchFamily="49" charset="0"/>
-              </a:rPr>
-              <a:t>  };</a:t>
-            </a:r>
-            <a:r>
-              <a:rPr lang="ru-RU" sz="2000" smtClean="0">
-                <a:latin typeface="Consolas" panose="020B0609020204030204" pitchFamily="49" charset="0"/>
-              </a:rPr>
-              <a:t/>
-            </a:r>
-            <a:br>
-              <a:rPr lang="ru-RU" sz="2000" smtClean="0">
-                <a:latin typeface="Consolas" panose="020B0609020204030204" pitchFamily="49" charset="0"/>
-              </a:rPr>
-            </a:br>
-            <a:r>
-              <a:rPr lang="en-US" sz="2000" smtClean="0">
-                <a:latin typeface="Consolas" panose="020B0609020204030204" pitchFamily="49" charset="0"/>
-              </a:rPr>
-              <a:t>};</a:t>
-            </a:r>
-            <a:endParaRPr lang="ru-RU" sz="2000" smtClean="0">
-              <a:latin typeface="Consolas" panose="020B0609020204030204" pitchFamily="49" charset="0"/>
-            </a:endParaRPr>
-          </a:p>
-          <a:p>
-            <a:pPr marL="45720" indent="0">
-              <a:buNone/>
-            </a:pPr>
-            <a:r>
-              <a:rPr lang="ru-RU" smtClean="0"/>
-              <a:t>Дома: написать функцию </a:t>
-            </a:r>
-            <a:r>
-              <a:rPr lang="en-US"/>
-              <a:t>flatten</a:t>
-            </a:r>
-            <a:br>
-              <a:rPr lang="en-US"/>
-            </a:br>
-            <a:r>
-              <a:rPr lang="en-US">
-                <a:latin typeface="Consolas" panose="020B0609020204030204" pitchFamily="49" charset="0"/>
-              </a:rPr>
-              <a:t>auto pair = [](auto i) { return List(-i, i); </a:t>
-            </a:r>
-            <a:r>
-              <a:rPr lang="en-US" smtClean="0">
-                <a:latin typeface="Consolas" panose="020B0609020204030204" pitchFamily="49" charset="0"/>
-              </a:rPr>
-              <a:t>};</a:t>
-            </a:r>
-            <a:br>
-              <a:rPr lang="en-US" smtClean="0">
-                <a:latin typeface="Consolas" panose="020B0609020204030204" pitchFamily="49" charset="0"/>
-              </a:rPr>
-            </a:br>
-            <a:r>
-              <a:rPr lang="pt-BR">
-                <a:latin typeface="Consolas" panose="020B0609020204030204" pitchFamily="49" charset="0"/>
-              </a:rPr>
-              <a:t>auto l4 = List(1, 2, 3</a:t>
-            </a:r>
-            <a:r>
-              <a:rPr lang="pt-BR" smtClean="0">
-                <a:latin typeface="Consolas" panose="020B0609020204030204" pitchFamily="49" charset="0"/>
-              </a:rPr>
-              <a:t>);</a:t>
-            </a:r>
-            <a:br>
-              <a:rPr lang="pt-BR" smtClean="0">
-                <a:latin typeface="Consolas" panose="020B0609020204030204" pitchFamily="49" charset="0"/>
-              </a:rPr>
-            </a:br>
-            <a:r>
-              <a:rPr lang="pt-BR" smtClean="0">
-                <a:latin typeface="Consolas" panose="020B0609020204030204" pitchFamily="49" charset="0"/>
-              </a:rPr>
-              <a:t>auto </a:t>
-            </a:r>
-            <a:r>
-              <a:rPr lang="pt-BR">
-                <a:latin typeface="Consolas" panose="020B0609020204030204" pitchFamily="49" charset="0"/>
-              </a:rPr>
-              <a:t>l5 = flatmap(pair)(l4);</a:t>
-            </a:r>
-            <a:endParaRPr lang="en-US">
-              <a:latin typeface="Consolas" panose="020B0609020204030204" pitchFamily="49" charset="0"/>
-            </a:endParaRPr>
+              <a:t>http://blog.shaynefletcher.org/2015/10/list-comprehensions-in-c-via-list-monad.html</a:t>
+            </a:r>
           </a:p>
         </p:txBody>
       </p:sp>
     </p:spTree>
     <p:extLst>
       <p:ext uri="{BB962C8B-B14F-4D97-AF65-F5344CB8AC3E}">
-        <p14:creationId xmlns:p14="http://schemas.microsoft.com/office/powerpoint/2010/main" val="675037691"/>
+        <p14:creationId xmlns:p14="http://schemas.microsoft.com/office/powerpoint/2010/main" val="2145855939"/>
       </p:ext>
     </p:extLst>
   </p:cSld>
   <p:clrMapOvr>
     <a:masterClrMapping/>
   </p:clrMapOvr>
+  <p:timing>
+    <p:tnLst>
+      <p:par>
+        <p:cTn id="1" dur="indefinite" restart="never" nodeType="tmRoot"/>
+      </p:par>
+    </p:tnLst>
+  </p:timing>
 </p:sld>
 </file>
 
@@ -27596,7 +27806,7 @@
           <a:p>
             <a:r>
               <a:rPr lang="ru-RU" smtClean="0"/>
-              <a:t>Итоговая монада</a:t>
+              <a:t>Функциональный список</a:t>
             </a:r>
             <a:endParaRPr lang="en-US"/>
           </a:p>
@@ -27614,112 +27824,73 @@
         </p:nvSpPr>
         <p:spPr/>
         <p:txBody>
-          <a:bodyPr/>
+          <a:bodyPr>
+            <a:normAutofit/>
+          </a:bodyPr>
           <a:lstStyle/>
           <a:p>
             <a:pPr marL="45720" indent="0">
               <a:buNone/>
             </a:pPr>
             <a:r>
-              <a:rPr lang="en-US">
-                <a:latin typeface="Consolas" panose="020B0609020204030204" pitchFamily="49" charset="0"/>
-              </a:rPr>
-              <a:t>template &lt;class LIST, class Func</a:t>
-            </a:r>
-            <a:r>
-              <a:rPr lang="en-US" smtClean="0">
-                <a:latin typeface="Consolas" panose="020B0609020204030204" pitchFamily="49" charset="0"/>
-              </a:rPr>
-              <a:t>&gt;</a:t>
-            </a:r>
-            <a:r>
-              <a:rPr lang="ru-RU" smtClean="0">
-                <a:latin typeface="Consolas" panose="020B0609020204030204" pitchFamily="49" charset="0"/>
-              </a:rPr>
-              <a:t/>
+              <a:rPr lang="en-US" sz="2000">
+                <a:latin typeface="Consolas" panose="020B0609020204030204" pitchFamily="49" charset="0"/>
+              </a:rPr>
+              <a:t>auto List = [](auto ... xs) </a:t>
+            </a:r>
+            <a:r>
+              <a:rPr lang="en-US" sz="2000" smtClean="0">
+                <a:latin typeface="Consolas" panose="020B0609020204030204" pitchFamily="49" charset="0"/>
+              </a:rPr>
+              <a:t>{</a:t>
             </a:r>
             <a:br>
-              <a:rPr lang="ru-RU" smtClean="0">
+              <a:rPr lang="en-US" sz="2000" smtClean="0">
                 <a:latin typeface="Consolas" panose="020B0609020204030204" pitchFamily="49" charset="0"/>
               </a:rPr>
             </a:br>
             <a:r>
-              <a:rPr lang="en-US" smtClean="0">
-                <a:latin typeface="Consolas" panose="020B0609020204030204" pitchFamily="49" charset="0"/>
-              </a:rPr>
-              <a:t>auto </a:t>
-            </a:r>
-            <a:r>
-              <a:rPr lang="en-US">
-                <a:latin typeface="Consolas" panose="020B0609020204030204" pitchFamily="49" charset="0"/>
-              </a:rPr>
-              <a:t>operator &gt; (LIST l, Func f</a:t>
-            </a:r>
-            <a:r>
-              <a:rPr lang="en-US" smtClean="0">
-                <a:latin typeface="Consolas" panose="020B0609020204030204" pitchFamily="49" charset="0"/>
-              </a:rPr>
-              <a:t>)</a:t>
-            </a:r>
-            <a:r>
-              <a:rPr lang="ru-RU">
-                <a:latin typeface="Consolas" panose="020B0609020204030204" pitchFamily="49" charset="0"/>
-              </a:rPr>
-              <a:t> </a:t>
-            </a:r>
-            <a:r>
-              <a:rPr lang="en-US" smtClean="0">
-                <a:latin typeface="Consolas" panose="020B0609020204030204" pitchFamily="49" charset="0"/>
-              </a:rPr>
-              <a:t>{</a:t>
-            </a:r>
-            <a:r>
-              <a:rPr lang="ru-RU" smtClean="0">
-                <a:latin typeface="Consolas" panose="020B0609020204030204" pitchFamily="49" charset="0"/>
-              </a:rPr>
-              <a:t/>
+              <a:rPr lang="en-US" sz="2000" smtClean="0">
+                <a:latin typeface="Consolas" panose="020B0609020204030204" pitchFamily="49" charset="0"/>
+              </a:rPr>
+              <a:t>  return </a:t>
+            </a:r>
+            <a:r>
+              <a:rPr lang="en-US" sz="2000">
+                <a:latin typeface="Consolas" panose="020B0609020204030204" pitchFamily="49" charset="0"/>
+              </a:rPr>
+              <a:t>[=](auto access) </a:t>
+            </a:r>
+            <a:r>
+              <a:rPr lang="en-US" sz="2000" smtClean="0">
+                <a:latin typeface="Consolas" panose="020B0609020204030204" pitchFamily="49" charset="0"/>
+              </a:rPr>
+              <a:t>{ return </a:t>
+            </a:r>
+            <a:r>
+              <a:rPr lang="en-US" sz="2000">
+                <a:latin typeface="Consolas" panose="020B0609020204030204" pitchFamily="49" charset="0"/>
+              </a:rPr>
+              <a:t>access(xs</a:t>
+            </a:r>
+            <a:r>
+              <a:rPr lang="en-US" sz="2000" smtClean="0">
+                <a:latin typeface="Consolas" panose="020B0609020204030204" pitchFamily="49" charset="0"/>
+              </a:rPr>
+              <a:t>...); };</a:t>
             </a:r>
             <a:br>
-              <a:rPr lang="ru-RU" smtClean="0">
+              <a:rPr lang="en-US" sz="2000" smtClean="0">
                 <a:latin typeface="Consolas" panose="020B0609020204030204" pitchFamily="49" charset="0"/>
               </a:rPr>
             </a:br>
             <a:r>
-              <a:rPr lang="en-US" smtClean="0">
-                <a:latin typeface="Consolas" panose="020B0609020204030204" pitchFamily="49" charset="0"/>
-              </a:rPr>
-              <a:t>  </a:t>
-            </a:r>
-            <a:r>
-              <a:rPr lang="en-US">
-                <a:latin typeface="Consolas" panose="020B0609020204030204" pitchFamily="49" charset="0"/>
-              </a:rPr>
-              <a:t>return fmap(f)(l</a:t>
-            </a:r>
-            <a:r>
-              <a:rPr lang="en-US" smtClean="0">
-                <a:latin typeface="Consolas" panose="020B0609020204030204" pitchFamily="49" charset="0"/>
-              </a:rPr>
-              <a:t>);</a:t>
-            </a:r>
-            <a:r>
-              <a:rPr lang="ru-RU" smtClean="0">
-                <a:latin typeface="Consolas" panose="020B0609020204030204" pitchFamily="49" charset="0"/>
-              </a:rPr>
-              <a:t/>
-            </a:r>
-            <a:br>
-              <a:rPr lang="ru-RU" smtClean="0">
-                <a:latin typeface="Consolas" panose="020B0609020204030204" pitchFamily="49" charset="0"/>
-              </a:rPr>
-            </a:br>
-            <a:r>
-              <a:rPr lang="en-US" smtClean="0">
-                <a:latin typeface="Consolas" panose="020B0609020204030204" pitchFamily="49" charset="0"/>
-              </a:rPr>
-              <a:t>}</a:t>
-            </a:r>
-            <a:endParaRPr lang="ru-RU" smtClean="0">
+              <a:rPr lang="en-US" sz="2000" smtClean="0">
+                <a:latin typeface="Consolas" panose="020B0609020204030204" pitchFamily="49" charset="0"/>
+              </a:rPr>
+              <a:t>};</a:t>
+            </a:r>
+            <a:endParaRPr lang="ru-RU" sz="2000" smtClean="0">
               <a:latin typeface="Consolas" panose="020B0609020204030204" pitchFamily="49" charset="0"/>
             </a:endParaRPr>
           </a:p>
@@ -27728,111 +27899,127 @@
               <a:buNone/>
             </a:pPr>
             <a:r>
-              <a:rPr lang="en-US" smtClean="0">
-                <a:latin typeface="Consolas" panose="020B0609020204030204" pitchFamily="49" charset="0"/>
-              </a:rPr>
-              <a:t>template </a:t>
-            </a:r>
-            <a:r>
-              <a:rPr lang="en-US">
-                <a:latin typeface="Consolas" panose="020B0609020204030204" pitchFamily="49" charset="0"/>
-              </a:rPr>
-              <a:t>&lt;class LIST, class Func</a:t>
-            </a:r>
-            <a:r>
-              <a:rPr lang="en-US" smtClean="0">
-                <a:latin typeface="Consolas" panose="020B0609020204030204" pitchFamily="49" charset="0"/>
-              </a:rPr>
-              <a:t>&gt;</a:t>
-            </a:r>
-            <a:r>
-              <a:rPr lang="ru-RU" smtClean="0">
-                <a:latin typeface="Consolas" panose="020B0609020204030204" pitchFamily="49" charset="0"/>
-              </a:rPr>
-              <a:t/>
+              <a:rPr lang="en-US" sz="2000" smtClean="0">
+                <a:latin typeface="Consolas" panose="020B0609020204030204" pitchFamily="49" charset="0"/>
+              </a:rPr>
+              <a:t>auto </a:t>
+            </a:r>
+            <a:r>
+              <a:rPr lang="en-US" sz="2000">
+                <a:latin typeface="Consolas" panose="020B0609020204030204" pitchFamily="49" charset="0"/>
+              </a:rPr>
+              <a:t>head = [](auto xs) </a:t>
+            </a:r>
+            <a:r>
+              <a:rPr lang="en-US" sz="2000" smtClean="0">
+                <a:latin typeface="Consolas" panose="020B0609020204030204" pitchFamily="49" charset="0"/>
+              </a:rPr>
+              <a:t>{</a:t>
             </a:r>
             <a:br>
-              <a:rPr lang="ru-RU" smtClean="0">
+              <a:rPr lang="en-US" sz="2000" smtClean="0">
                 <a:latin typeface="Consolas" panose="020B0609020204030204" pitchFamily="49" charset="0"/>
               </a:rPr>
             </a:br>
             <a:r>
-              <a:rPr lang="en-US" smtClean="0">
+              <a:rPr lang="en-US" sz="2000" smtClean="0">
+                <a:latin typeface="Consolas" panose="020B0609020204030204" pitchFamily="49" charset="0"/>
+              </a:rPr>
+              <a:t>  </a:t>
+            </a:r>
+            <a:r>
+              <a:rPr lang="en-US" sz="2000">
+                <a:latin typeface="Consolas" panose="020B0609020204030204" pitchFamily="49" charset="0"/>
+              </a:rPr>
+              <a:t>return xs([](auto first, auto ... rest) { </a:t>
+            </a:r>
+            <a:r>
+              <a:rPr lang="en-US" sz="2000" smtClean="0">
+                <a:latin typeface="Consolas" panose="020B0609020204030204" pitchFamily="49" charset="0"/>
+              </a:rPr>
+              <a:t>return </a:t>
+            </a:r>
+            <a:r>
+              <a:rPr lang="en-US" sz="2000">
+                <a:latin typeface="Consolas" panose="020B0609020204030204" pitchFamily="49" charset="0"/>
+              </a:rPr>
+              <a:t>first</a:t>
+            </a:r>
+            <a:r>
+              <a:rPr lang="en-US" sz="2000" smtClean="0">
+                <a:latin typeface="Consolas" panose="020B0609020204030204" pitchFamily="49" charset="0"/>
+              </a:rPr>
+              <a:t>; });</a:t>
+            </a:r>
+            <a:br>
+              <a:rPr lang="en-US" sz="2000" smtClean="0">
+                <a:latin typeface="Consolas" panose="020B0609020204030204" pitchFamily="49" charset="0"/>
+              </a:rPr>
+            </a:br>
+            <a:r>
+              <a:rPr lang="en-US" sz="2000" smtClean="0">
+                <a:latin typeface="Consolas" panose="020B0609020204030204" pitchFamily="49" charset="0"/>
+              </a:rPr>
+              <a:t>};</a:t>
+            </a:r>
+          </a:p>
+          <a:p>
+            <a:pPr marL="45720" indent="0">
+              <a:buNone/>
+            </a:pPr>
+            <a:r>
+              <a:rPr lang="en-US" sz="2000" smtClean="0">
                 <a:latin typeface="Consolas" panose="020B0609020204030204" pitchFamily="49" charset="0"/>
               </a:rPr>
               <a:t>auto </a:t>
             </a:r>
             <a:r>
-              <a:rPr lang="en-US">
-                <a:latin typeface="Consolas" panose="020B0609020204030204" pitchFamily="49" charset="0"/>
-              </a:rPr>
-              <a:t>operator &gt;= (LIST l, Func f</a:t>
-            </a:r>
-            <a:r>
-              <a:rPr lang="en-US" smtClean="0">
-                <a:latin typeface="Consolas" panose="020B0609020204030204" pitchFamily="49" charset="0"/>
-              </a:rPr>
-              <a:t>)</a:t>
-            </a:r>
-            <a:r>
-              <a:rPr lang="ru-RU">
-                <a:latin typeface="Consolas" panose="020B0609020204030204" pitchFamily="49" charset="0"/>
-              </a:rPr>
-              <a:t> </a:t>
-            </a:r>
-            <a:r>
-              <a:rPr lang="en-US" smtClean="0">
+              <a:rPr lang="en-US" sz="2000">
+                <a:latin typeface="Consolas" panose="020B0609020204030204" pitchFamily="49" charset="0"/>
+              </a:rPr>
+              <a:t>tail = [](auto xs) </a:t>
+            </a:r>
+            <a:r>
+              <a:rPr lang="en-US" sz="2000" smtClean="0">
                 <a:latin typeface="Consolas" panose="020B0609020204030204" pitchFamily="49" charset="0"/>
               </a:rPr>
               <a:t>{</a:t>
             </a:r>
-            <a:r>
-              <a:rPr lang="ru-RU" smtClean="0">
-                <a:latin typeface="Consolas" panose="020B0609020204030204" pitchFamily="49" charset="0"/>
-              </a:rPr>
-              <a:t/>
-            </a:r>
             <a:br>
-              <a:rPr lang="ru-RU" smtClean="0">
+              <a:rPr lang="en-US" sz="2000" smtClean="0">
                 <a:latin typeface="Consolas" panose="020B0609020204030204" pitchFamily="49" charset="0"/>
               </a:rPr>
             </a:br>
             <a:r>
-              <a:rPr lang="en-US" smtClean="0">
-                <a:latin typeface="Consolas" panose="020B0609020204030204" pitchFamily="49" charset="0"/>
-              </a:rPr>
-              <a:t>  </a:t>
-            </a:r>
-            <a:r>
-              <a:rPr lang="en-US">
-                <a:latin typeface="Consolas" panose="020B0609020204030204" pitchFamily="49" charset="0"/>
-              </a:rPr>
-              <a:t>return flatmap(f)(l</a:t>
-            </a:r>
-            <a:r>
-              <a:rPr lang="en-US" smtClean="0">
-                <a:latin typeface="Consolas" panose="020B0609020204030204" pitchFamily="49" charset="0"/>
-              </a:rPr>
-              <a:t>);</a:t>
-            </a:r>
-            <a:r>
-              <a:rPr lang="ru-RU" smtClean="0">
-                <a:latin typeface="Consolas" panose="020B0609020204030204" pitchFamily="49" charset="0"/>
-              </a:rPr>
-              <a:t/>
+              <a:rPr lang="en-US" sz="2000" smtClean="0">
+                <a:latin typeface="Consolas" panose="020B0609020204030204" pitchFamily="49" charset="0"/>
+              </a:rPr>
+              <a:t>  return </a:t>
+            </a:r>
+            <a:r>
+              <a:rPr lang="en-US" sz="2000">
+                <a:latin typeface="Consolas" panose="020B0609020204030204" pitchFamily="49" charset="0"/>
+              </a:rPr>
+              <a:t>xs([](auto first, auto ... rest) </a:t>
+            </a:r>
+            <a:r>
+              <a:rPr lang="en-US" sz="2000" smtClean="0">
+                <a:latin typeface="Consolas" panose="020B0609020204030204" pitchFamily="49" charset="0"/>
+              </a:rPr>
+              <a:t>{ return List(rest...); });</a:t>
             </a:r>
             <a:br>
-              <a:rPr lang="ru-RU" smtClean="0">
+              <a:rPr lang="en-US" sz="2000" smtClean="0">
                 <a:latin typeface="Consolas" panose="020B0609020204030204" pitchFamily="49" charset="0"/>
               </a:rPr>
             </a:br>
             <a:r>
-              <a:rPr lang="en-US" smtClean="0">
-                <a:latin typeface="Consolas" panose="020B0609020204030204" pitchFamily="49" charset="0"/>
-              </a:rPr>
-              <a:t>}</a:t>
-            </a:r>
-            <a:endParaRPr lang="ru-RU" smtClean="0">
+              <a:rPr lang="en-US" sz="2000" smtClean="0">
+                <a:latin typeface="Consolas" panose="020B0609020204030204" pitchFamily="49" charset="0"/>
+              </a:rPr>
+              <a:t>};</a:t>
+            </a:r>
+            <a:endParaRPr lang="ru-RU" sz="2000" smtClean="0">
               <a:latin typeface="Consolas" panose="020B0609020204030204" pitchFamily="49" charset="0"/>
             </a:endParaRPr>
           </a:p>
@@ -27841,22 +28028,67 @@
               <a:buNone/>
             </a:pPr>
             <a:r>
-              <a:rPr lang="en-US">
-                <a:latin typeface="Consolas" panose="020B0609020204030204" pitchFamily="49" charset="0"/>
-              </a:rPr>
-              <a:t>auto l7 </a:t>
-            </a:r>
-            <a:r>
-              <a:rPr lang="en-US" smtClean="0">
-                <a:latin typeface="Consolas" panose="020B0609020204030204" pitchFamily="49" charset="0"/>
-              </a:rPr>
-              <a:t>= </a:t>
-            </a:r>
-            <a:r>
-              <a:rPr lang="en-US">
-                <a:latin typeface="Consolas" panose="020B0609020204030204" pitchFamily="49" charset="0"/>
-              </a:rPr>
-              <a:t>List(1, 2, 3) &gt;= pair &gt; print;</a:t>
+              <a:rPr lang="en-US" sz="2000" smtClean="0">
+                <a:latin typeface="Consolas" panose="020B0609020204030204" pitchFamily="49" charset="0"/>
+              </a:rPr>
+              <a:t>auto </a:t>
+            </a:r>
+            <a:r>
+              <a:rPr lang="en-US" sz="2000">
+                <a:latin typeface="Consolas" panose="020B0609020204030204" pitchFamily="49" charset="0"/>
+              </a:rPr>
+              <a:t>length = [](auto xs) { </a:t>
+            </a:r>
+            <a:r>
+              <a:rPr lang="en-US" sz="2000" smtClean="0">
+                <a:latin typeface="Consolas" panose="020B0609020204030204" pitchFamily="49" charset="0"/>
+              </a:rPr>
+              <a:t/>
+            </a:r>
+            <a:br>
+              <a:rPr lang="en-US" sz="2000" smtClean="0">
+                <a:latin typeface="Consolas" panose="020B0609020204030204" pitchFamily="49" charset="0"/>
+              </a:rPr>
+            </a:br>
+            <a:r>
+              <a:rPr lang="en-US" sz="2000" smtClean="0">
+                <a:latin typeface="Consolas" panose="020B0609020204030204" pitchFamily="49" charset="0"/>
+              </a:rPr>
+              <a:t>  return </a:t>
+            </a:r>
+            <a:r>
+              <a:rPr lang="en-US" sz="2000">
+                <a:latin typeface="Consolas" panose="020B0609020204030204" pitchFamily="49" charset="0"/>
+              </a:rPr>
+              <a:t>xs([](auto ... z) { return sizeof...(z); </a:t>
+            </a:r>
+            <a:r>
+              <a:rPr lang="en-US" sz="2000" smtClean="0">
+                <a:latin typeface="Consolas" panose="020B0609020204030204" pitchFamily="49" charset="0"/>
+              </a:rPr>
+              <a:t>});</a:t>
+            </a:r>
+            <a:br>
+              <a:rPr lang="en-US" sz="2000" smtClean="0">
+                <a:latin typeface="Consolas" panose="020B0609020204030204" pitchFamily="49" charset="0"/>
+              </a:rPr>
+            </a:br>
+            <a:r>
+              <a:rPr lang="en-US" sz="2000" smtClean="0">
+                <a:latin typeface="Consolas" panose="020B0609020204030204" pitchFamily="49" charset="0"/>
+              </a:rPr>
+              <a:t>};</a:t>
+            </a:r>
+          </a:p>
+          <a:p>
+            <a:pPr marL="45720" indent="0">
+              <a:buNone/>
+            </a:pPr>
+            <a:r>
+              <a:rPr lang="en-US" sz="2000">
+                <a:latin typeface="Consolas" panose="020B0609020204030204" pitchFamily="49" charset="0"/>
+              </a:rPr>
+              <a:t>auto three = length(List(1, '2', "3"));</a:t>
             </a:r>
           </a:p>
         </p:txBody>
@@ -27864,13 +28096,20 @@
     </p:spTree>
     <p:extLst>
       <p:ext uri="{BB962C8B-B14F-4D97-AF65-F5344CB8AC3E}">
-        <p14:creationId xmlns:p14="http://schemas.microsoft.com/office/powerpoint/2010/main" val="3887864393"/>
+        <p14:creationId xmlns:p14="http://schemas.microsoft.com/office/powerpoint/2010/main" val="3788236051"/>
       </p:ext>
     </p:extLst>
   </p:cSld>
   <p:clrMapOvr>
     <a:masterClrMapping/>
   </p:clrMapOvr>
+  <p:timing>
+    <p:tnLst>
+      <p:par>
+        <p:cTn id="1" dur="indefinite" restart="never" nodeType="tmRoot"/>
+      </p:par>
+    </p:tnLst>
+  </p:timing>
 </p:sld>
 </file>
 
@@ -28063,6 +28302,13 @@
   <p:clrMapOvr>
     <a:masterClrMapping/>
   </p:clrMapOvr>
+  <p:timing>
+    <p:tnLst>
+      <p:par>
+        <p:cTn id="1" dur="indefinite" restart="never" nodeType="tmRoot"/>
+      </p:par>
+    </p:tnLst>
+  </p:timing>
 </p:sld>
 </file>
 
@@ -28099,8 +28345,8 @@
           <a:lstStyle/>
           <a:p>
             <a:r>
-              <a:rPr lang="ru-RU" smtClean="0"/>
-              <a:t>Обсуждение</a:t>
+              <a:rPr lang="en-US" smtClean="0"/>
+              <a:t>Fmap</a:t>
             </a:r>
             <a:endParaRPr lang="en-US"/>
           </a:p>
@@ -28123,30 +28369,253 @@
           <a:p>
             <a:r>
               <a:rPr lang="ru-RU" smtClean="0"/>
-              <a:t>Можем ли мы здесь применить </a:t>
+              <a:t>Функтор </a:t>
             </a:r>
             <a:r>
               <a:rPr lang="en-US" smtClean="0"/>
-              <a:t>constexpr </a:t>
+              <a:t>fmap:</a:t>
             </a:r>
             <a:r>
               <a:rPr lang="ru-RU" smtClean="0"/>
-              <a:t>лямбды и перенести все вычисления на этап компиляции?</a:t>
-            </a:r>
-            <a:endParaRPr lang="en-US"/>
+              <a:t> применяет функцию (первый аргумент) к списку (второй аргумент) поэлементно.</a:t>
+            </a:r>
+            <a:endParaRPr lang="en-US" smtClean="0"/>
+          </a:p>
+          <a:p>
+            <a:pPr marL="45720" indent="0">
+              <a:buNone/>
+            </a:pPr>
+            <a:r>
+              <a:rPr lang="en-US" sz="2000">
+                <a:latin typeface="Consolas" panose="020B0609020204030204" pitchFamily="49" charset="0"/>
+              </a:rPr>
+              <a:t>fmap: (a -&gt; b) -&gt; list[a] -&gt; list[b</a:t>
+            </a:r>
+            <a:r>
+              <a:rPr lang="en-US" sz="2000" smtClean="0">
+                <a:latin typeface="Consolas" panose="020B0609020204030204" pitchFamily="49" charset="0"/>
+              </a:rPr>
+              <a:t>]</a:t>
+            </a:r>
+          </a:p>
+          <a:p>
+            <a:pPr marL="45720" indent="0">
+              <a:buNone/>
+            </a:pPr>
+            <a:r>
+              <a:rPr lang="en-US" sz="2000">
+                <a:latin typeface="Consolas" panose="020B0609020204030204" pitchFamily="49" charset="0"/>
+              </a:rPr>
+              <a:t>auto fmap = [](auto func) </a:t>
+            </a:r>
+            <a:r>
+              <a:rPr lang="en-US" sz="2000" smtClean="0">
+                <a:latin typeface="Consolas" panose="020B0609020204030204" pitchFamily="49" charset="0"/>
+              </a:rPr>
+              <a:t>{</a:t>
+            </a:r>
+            <a:r>
+              <a:rPr lang="ru-RU" sz="2000">
+                <a:latin typeface="Consolas" panose="020B0609020204030204" pitchFamily="49" charset="0"/>
+              </a:rPr>
+              <a:t/>
+            </a:r>
+            <a:br>
+              <a:rPr lang="ru-RU" sz="2000">
+                <a:latin typeface="Consolas" panose="020B0609020204030204" pitchFamily="49" charset="0"/>
+              </a:rPr>
+            </a:br>
+            <a:r>
+              <a:rPr lang="ru-RU" sz="2000" smtClean="0">
+                <a:latin typeface="Consolas" panose="020B0609020204030204" pitchFamily="49" charset="0"/>
+              </a:rPr>
+              <a:t>  </a:t>
+            </a:r>
+            <a:r>
+              <a:rPr lang="en-US" sz="2000" smtClean="0">
+                <a:latin typeface="Consolas" panose="020B0609020204030204" pitchFamily="49" charset="0"/>
+              </a:rPr>
+              <a:t>return </a:t>
+            </a:r>
+            <a:r>
+              <a:rPr lang="en-US" sz="2000">
+                <a:latin typeface="Consolas" panose="020B0609020204030204" pitchFamily="49" charset="0"/>
+              </a:rPr>
+              <a:t>[func] (auto alist) </a:t>
+            </a:r>
+            <a:r>
+              <a:rPr lang="en-US" sz="2000" smtClean="0">
+                <a:latin typeface="Consolas" panose="020B0609020204030204" pitchFamily="49" charset="0"/>
+              </a:rPr>
+              <a:t>{</a:t>
+            </a:r>
+            <a:r>
+              <a:rPr lang="ru-RU" sz="2000" smtClean="0">
+                <a:latin typeface="Consolas" panose="020B0609020204030204" pitchFamily="49" charset="0"/>
+              </a:rPr>
+              <a:t/>
+            </a:r>
+            <a:br>
+              <a:rPr lang="ru-RU" sz="2000" smtClean="0">
+                <a:latin typeface="Consolas" panose="020B0609020204030204" pitchFamily="49" charset="0"/>
+              </a:rPr>
+            </a:br>
+            <a:r>
+              <a:rPr lang="ru-RU" sz="2000" smtClean="0">
+                <a:latin typeface="Consolas" panose="020B0609020204030204" pitchFamily="49" charset="0"/>
+              </a:rPr>
+              <a:t>    </a:t>
+            </a:r>
+            <a:r>
+              <a:rPr lang="en-US" sz="2000" smtClean="0">
+                <a:latin typeface="Consolas" panose="020B0609020204030204" pitchFamily="49" charset="0"/>
+              </a:rPr>
+              <a:t>return alist</a:t>
+            </a:r>
+            <a:r>
+              <a:rPr lang="ru-RU" sz="2000" smtClean="0">
+                <a:latin typeface="Consolas" panose="020B0609020204030204" pitchFamily="49" charset="0"/>
+              </a:rPr>
+              <a:t>(</a:t>
+            </a:r>
+            <a:r>
+              <a:rPr lang="en-US" sz="2000" smtClean="0">
+                <a:latin typeface="Consolas" panose="020B0609020204030204" pitchFamily="49" charset="0"/>
+              </a:rPr>
+              <a:t>[func</a:t>
+            </a:r>
+            <a:r>
+              <a:rPr lang="en-US" sz="2000">
+                <a:latin typeface="Consolas" panose="020B0609020204030204" pitchFamily="49" charset="0"/>
+              </a:rPr>
+              <a:t>](auto ... xs</a:t>
+            </a:r>
+            <a:r>
+              <a:rPr lang="en-US" sz="2000" smtClean="0">
+                <a:latin typeface="Consolas" panose="020B0609020204030204" pitchFamily="49" charset="0"/>
+              </a:rPr>
+              <a:t>) { return </a:t>
+            </a:r>
+            <a:r>
+              <a:rPr lang="en-US" sz="2000">
+                <a:latin typeface="Consolas" panose="020B0609020204030204" pitchFamily="49" charset="0"/>
+              </a:rPr>
+              <a:t>List(func(xs</a:t>
+            </a:r>
+            <a:r>
+              <a:rPr lang="en-US" sz="2000" smtClean="0">
+                <a:latin typeface="Consolas" panose="020B0609020204030204" pitchFamily="49" charset="0"/>
+              </a:rPr>
+              <a:t>)...); });</a:t>
+            </a:r>
+            <a:r>
+              <a:rPr lang="ru-RU" sz="2000" smtClean="0">
+                <a:latin typeface="Consolas" panose="020B0609020204030204" pitchFamily="49" charset="0"/>
+              </a:rPr>
+              <a:t/>
+            </a:r>
+            <a:br>
+              <a:rPr lang="ru-RU" sz="2000" smtClean="0">
+                <a:latin typeface="Consolas" panose="020B0609020204030204" pitchFamily="49" charset="0"/>
+              </a:rPr>
+            </a:br>
+            <a:r>
+              <a:rPr lang="ru-RU" sz="2000" smtClean="0">
+                <a:latin typeface="Consolas" panose="020B0609020204030204" pitchFamily="49" charset="0"/>
+              </a:rPr>
+              <a:t>  </a:t>
+            </a:r>
+            <a:r>
+              <a:rPr lang="en-US" sz="2000" smtClean="0">
+                <a:latin typeface="Consolas" panose="020B0609020204030204" pitchFamily="49" charset="0"/>
+              </a:rPr>
+              <a:t>};</a:t>
+            </a:r>
+            <a:r>
+              <a:rPr lang="ru-RU" sz="2000" smtClean="0">
+                <a:latin typeface="Consolas" panose="020B0609020204030204" pitchFamily="49" charset="0"/>
+              </a:rPr>
+              <a:t/>
+            </a:r>
+            <a:br>
+              <a:rPr lang="ru-RU" sz="2000" smtClean="0">
+                <a:latin typeface="Consolas" panose="020B0609020204030204" pitchFamily="49" charset="0"/>
+              </a:rPr>
+            </a:br>
+            <a:r>
+              <a:rPr lang="en-US" sz="2000" smtClean="0">
+                <a:latin typeface="Consolas" panose="020B0609020204030204" pitchFamily="49" charset="0"/>
+              </a:rPr>
+              <a:t>};</a:t>
+            </a:r>
+          </a:p>
+          <a:p>
+            <a:pPr marL="45720" indent="0">
+              <a:buNone/>
+            </a:pPr>
+            <a:r>
+              <a:rPr lang="it-IT" sz="2000">
+                <a:latin typeface="Consolas" panose="020B0609020204030204" pitchFamily="49" charset="0"/>
+              </a:rPr>
+              <a:t>auto twice = [](auto i) { return 2*i; </a:t>
+            </a:r>
+            <a:r>
+              <a:rPr lang="it-IT" sz="2000" smtClean="0">
+                <a:latin typeface="Consolas" panose="020B0609020204030204" pitchFamily="49" charset="0"/>
+              </a:rPr>
+              <a:t>};</a:t>
+            </a:r>
+            <a:br>
+              <a:rPr lang="it-IT" sz="2000" smtClean="0">
+                <a:latin typeface="Consolas" panose="020B0609020204030204" pitchFamily="49" charset="0"/>
+              </a:rPr>
+            </a:br>
+            <a:r>
+              <a:rPr lang="it-IT" sz="2000" smtClean="0">
+                <a:latin typeface="Consolas" panose="020B0609020204030204" pitchFamily="49" charset="0"/>
+              </a:rPr>
+              <a:t>auto </a:t>
+            </a:r>
+            <a:r>
+              <a:rPr lang="it-IT" sz="2000">
+                <a:latin typeface="Consolas" panose="020B0609020204030204" pitchFamily="49" charset="0"/>
+              </a:rPr>
+              <a:t>l1 = List(1, 2, 3, 4);</a:t>
+            </a:r>
+            <a:br>
+              <a:rPr lang="it-IT" sz="2000">
+                <a:latin typeface="Consolas" panose="020B0609020204030204" pitchFamily="49" charset="0"/>
+              </a:rPr>
+            </a:br>
+            <a:r>
+              <a:rPr lang="it-IT" sz="2000">
+                <a:latin typeface="Consolas" panose="020B0609020204030204" pitchFamily="49" charset="0"/>
+              </a:rPr>
+              <a:t>auto l2 = fmap(twice)(l1);</a:t>
+            </a:r>
+            <a:endParaRPr lang="en-US" sz="2000">
+              <a:latin typeface="Consolas" panose="020B0609020204030204" pitchFamily="49" charset="0"/>
+            </a:endParaRPr>
           </a:p>
         </p:txBody>
       </p:sp>
     </p:spTree>
     <p:extLst>
       <p:ext uri="{BB962C8B-B14F-4D97-AF65-F5344CB8AC3E}">
-        <p14:creationId xmlns:p14="http://schemas.microsoft.com/office/powerpoint/2010/main" val="1498166284"/>
+        <p14:creationId xmlns:p14="http://schemas.microsoft.com/office/powerpoint/2010/main" val="72044502"/>
       </p:ext>
     </p:extLst>
   </p:cSld>
   <p:clrMapOvr>
     <a:masterClrMapping/>
   </p:clrMapOvr>
+  <p:timing>
+    <p:tnLst>
+      <p:par>
+        <p:cTn id="1" dur="indefinite" restart="never" nodeType="tmRoot"/>
+      </p:par>
+    </p:tnLst>
+  </p:timing>
 </p:sld>
 </file>
 
@@ -28184,14 +28653,776 @@
           <a:p>
             <a:r>
               <a:rPr lang="ru-RU" smtClean="0"/>
-              <a:t>Литература</a:t>
+              <a:t>Домашняя наработка</a:t>
             </a:r>
             <a:endParaRPr lang="en-US"/>
           </a:p>
         </p:txBody>
       </p:sp>
-      <mc:AlternateContent xmlns:mc="http://schemas.openxmlformats.org/markup-compatibility/2006" xmlns:a14="http://schemas.microsoft.com/office/drawing/2010/main">
-        <mc:Choice Requires="a14">
+      <p:sp>
+        <p:nvSpPr>
+          <p:cNvPr id="3" name="Content Placeholder 2"/>
+          <p:cNvSpPr>
+            <a:spLocks noGrp="1"/>
+          </p:cNvSpPr>
+          <p:nvPr>
+            <p:ph idx="1"/>
+          </p:nvPr>
+        </p:nvSpPr>
+        <p:spPr/>
+        <p:txBody>
+          <a:bodyPr/>
+          <a:lstStyle/>
+          <a:p>
+            <a:r>
+              <a:rPr lang="ru-RU"/>
+              <a:t>Функтор </a:t>
+            </a:r>
+            <a:r>
+              <a:rPr lang="en-US" smtClean="0"/>
+              <a:t>flatmap</a:t>
+            </a:r>
+            <a:r>
+              <a:rPr lang="en-US"/>
+              <a:t>:</a:t>
+            </a:r>
+            <a:r>
+              <a:rPr lang="ru-RU"/>
+              <a:t> применяет функцию </a:t>
+            </a:r>
+            <a:r>
+              <a:rPr lang="ru-RU" smtClean="0"/>
+              <a:t>к </a:t>
+            </a:r>
+            <a:r>
+              <a:rPr lang="ru-RU"/>
+              <a:t>списку </a:t>
+            </a:r>
+            <a:r>
+              <a:rPr lang="ru-RU" smtClean="0"/>
+              <a:t>поэлементно</a:t>
+            </a:r>
+            <a:r>
+              <a:rPr lang="en-US" smtClean="0"/>
+              <a:t>, </a:t>
+            </a:r>
+            <a:r>
+              <a:rPr lang="ru-RU" smtClean="0"/>
+              <a:t>но результат каждой функции список, а общий результат </a:t>
+            </a:r>
+            <a:r>
+              <a:rPr lang="ru-RU">
+                <a:latin typeface="Corbel" panose="020B0503020204020204" pitchFamily="34" charset="0"/>
+              </a:rPr>
+              <a:t>–</a:t>
+            </a:r>
+            <a:r>
+              <a:rPr lang="ru-RU" smtClean="0"/>
+              <a:t> единый список, сконкатенированный из полученных</a:t>
+            </a:r>
+            <a:endParaRPr lang="en-US" smtClean="0"/>
+          </a:p>
+          <a:p>
+            <a:pPr marL="45720" indent="0">
+              <a:buNone/>
+            </a:pPr>
+            <a:r>
+              <a:rPr lang="en-US">
+                <a:latin typeface="Consolas" panose="020B0609020204030204" pitchFamily="49" charset="0"/>
+              </a:rPr>
+              <a:t>flatmap: (a -&gt; list[b]) -&gt; list[a] -&gt; list[b</a:t>
+            </a:r>
+            <a:r>
+              <a:rPr lang="en-US" smtClean="0">
+                <a:latin typeface="Consolas" panose="020B0609020204030204" pitchFamily="49" charset="0"/>
+              </a:rPr>
+              <a:t>]</a:t>
+            </a:r>
+          </a:p>
+          <a:p>
+            <a:pPr marL="45720" indent="0">
+              <a:buNone/>
+            </a:pPr>
+            <a:r>
+              <a:rPr lang="en-US" sz="2000">
+                <a:latin typeface="Consolas" panose="020B0609020204030204" pitchFamily="49" charset="0"/>
+              </a:rPr>
+              <a:t>auto flatmap = [](auto func) </a:t>
+            </a:r>
+            <a:r>
+              <a:rPr lang="en-US" sz="2000" smtClean="0">
+                <a:latin typeface="Consolas" panose="020B0609020204030204" pitchFamily="49" charset="0"/>
+              </a:rPr>
+              <a:t>{</a:t>
+            </a:r>
+            <a:r>
+              <a:rPr lang="ru-RU" sz="2000" smtClean="0">
+                <a:latin typeface="Consolas" panose="020B0609020204030204" pitchFamily="49" charset="0"/>
+              </a:rPr>
+              <a:t/>
+            </a:r>
+            <a:br>
+              <a:rPr lang="ru-RU" sz="2000" smtClean="0">
+                <a:latin typeface="Consolas" panose="020B0609020204030204" pitchFamily="49" charset="0"/>
+              </a:rPr>
+            </a:br>
+            <a:r>
+              <a:rPr lang="en-US" sz="2000" smtClean="0">
+                <a:latin typeface="Consolas" panose="020B0609020204030204" pitchFamily="49" charset="0"/>
+              </a:rPr>
+              <a:t>  </a:t>
+            </a:r>
+            <a:r>
+              <a:rPr lang="en-US" sz="2000">
+                <a:latin typeface="Consolas" panose="020B0609020204030204" pitchFamily="49" charset="0"/>
+              </a:rPr>
+              <a:t>return [func](auto alist) </a:t>
+            </a:r>
+            <a:r>
+              <a:rPr lang="en-US" sz="2000" smtClean="0">
+                <a:latin typeface="Consolas" panose="020B0609020204030204" pitchFamily="49" charset="0"/>
+              </a:rPr>
+              <a:t>{</a:t>
+            </a:r>
+            <a:r>
+              <a:rPr lang="ru-RU" sz="2000" smtClean="0">
+                <a:latin typeface="Consolas" panose="020B0609020204030204" pitchFamily="49" charset="0"/>
+              </a:rPr>
+              <a:t/>
+            </a:r>
+            <a:br>
+              <a:rPr lang="ru-RU" sz="2000" smtClean="0">
+                <a:latin typeface="Consolas" panose="020B0609020204030204" pitchFamily="49" charset="0"/>
+              </a:rPr>
+            </a:br>
+            <a:r>
+              <a:rPr lang="en-US" sz="2000" smtClean="0">
+                <a:latin typeface="Consolas" panose="020B0609020204030204" pitchFamily="49" charset="0"/>
+              </a:rPr>
+              <a:t>    </a:t>
+            </a:r>
+            <a:r>
+              <a:rPr lang="en-US" sz="2000">
+                <a:latin typeface="Consolas" panose="020B0609020204030204" pitchFamily="49" charset="0"/>
+              </a:rPr>
+              <a:t>return alist</a:t>
+            </a:r>
+            <a:r>
+              <a:rPr lang="en-US" sz="2000" smtClean="0">
+                <a:latin typeface="Consolas" panose="020B0609020204030204" pitchFamily="49" charset="0"/>
+              </a:rPr>
+              <a:t>([</a:t>
+            </a:r>
+            <a:r>
+              <a:rPr lang="en-US" sz="2000">
+                <a:latin typeface="Consolas" panose="020B0609020204030204" pitchFamily="49" charset="0"/>
+              </a:rPr>
+              <a:t>func](auto... xs) </a:t>
+            </a:r>
+            <a:r>
+              <a:rPr lang="en-US" sz="2000" smtClean="0">
+                <a:latin typeface="Consolas" panose="020B0609020204030204" pitchFamily="49" charset="0"/>
+              </a:rPr>
+              <a:t>{return </a:t>
+            </a:r>
+            <a:r>
+              <a:rPr lang="en-US" sz="2000">
+                <a:solidFill>
+                  <a:srgbClr val="0000FF"/>
+                </a:solidFill>
+                <a:latin typeface="Consolas" panose="020B0609020204030204" pitchFamily="49" charset="0"/>
+              </a:rPr>
+              <a:t>flatten</a:t>
+            </a:r>
+            <a:r>
+              <a:rPr lang="en-US" sz="2000">
+                <a:latin typeface="Consolas" panose="020B0609020204030204" pitchFamily="49" charset="0"/>
+              </a:rPr>
+              <a:t>(func, xs</a:t>
+            </a:r>
+            <a:r>
+              <a:rPr lang="en-US" sz="2000" smtClean="0">
+                <a:latin typeface="Consolas" panose="020B0609020204030204" pitchFamily="49" charset="0"/>
+              </a:rPr>
+              <a:t>...);});</a:t>
+            </a:r>
+            <a:r>
+              <a:rPr lang="ru-RU" sz="2000" smtClean="0">
+                <a:latin typeface="Consolas" panose="020B0609020204030204" pitchFamily="49" charset="0"/>
+              </a:rPr>
+              <a:t/>
+            </a:r>
+            <a:br>
+              <a:rPr lang="ru-RU" sz="2000" smtClean="0">
+                <a:latin typeface="Consolas" panose="020B0609020204030204" pitchFamily="49" charset="0"/>
+              </a:rPr>
+            </a:br>
+            <a:r>
+              <a:rPr lang="en-US" sz="2000" smtClean="0">
+                <a:latin typeface="Consolas" panose="020B0609020204030204" pitchFamily="49" charset="0"/>
+              </a:rPr>
+              <a:t>  };</a:t>
+            </a:r>
+            <a:r>
+              <a:rPr lang="ru-RU" sz="2000" smtClean="0">
+                <a:latin typeface="Consolas" panose="020B0609020204030204" pitchFamily="49" charset="0"/>
+              </a:rPr>
+              <a:t/>
+            </a:r>
+            <a:br>
+              <a:rPr lang="ru-RU" sz="2000" smtClean="0">
+                <a:latin typeface="Consolas" panose="020B0609020204030204" pitchFamily="49" charset="0"/>
+              </a:rPr>
+            </a:br>
+            <a:r>
+              <a:rPr lang="en-US" sz="2000" smtClean="0">
+                <a:latin typeface="Consolas" panose="020B0609020204030204" pitchFamily="49" charset="0"/>
+              </a:rPr>
+              <a:t>};</a:t>
+            </a:r>
+            <a:endParaRPr lang="ru-RU" sz="2000" smtClean="0">
+              <a:latin typeface="Consolas" panose="020B0609020204030204" pitchFamily="49" charset="0"/>
+            </a:endParaRPr>
+          </a:p>
+          <a:p>
+            <a:pPr marL="45720" indent="0">
+              <a:buNone/>
+            </a:pPr>
+            <a:r>
+              <a:rPr lang="ru-RU" smtClean="0"/>
+              <a:t>Дома: написать функцию </a:t>
+            </a:r>
+            <a:r>
+              <a:rPr lang="en-US"/>
+              <a:t>flatten</a:t>
+            </a:r>
+            <a:br>
+              <a:rPr lang="en-US"/>
+            </a:br>
+            <a:r>
+              <a:rPr lang="en-US">
+                <a:latin typeface="Consolas" panose="020B0609020204030204" pitchFamily="49" charset="0"/>
+              </a:rPr>
+              <a:t>auto pair = [](auto i) { return List(-i, i); </a:t>
+            </a:r>
+            <a:r>
+              <a:rPr lang="en-US" smtClean="0">
+                <a:latin typeface="Consolas" panose="020B0609020204030204" pitchFamily="49" charset="0"/>
+              </a:rPr>
+              <a:t>};</a:t>
+            </a:r>
+            <a:br>
+              <a:rPr lang="en-US" smtClean="0">
+                <a:latin typeface="Consolas" panose="020B0609020204030204" pitchFamily="49" charset="0"/>
+              </a:rPr>
+            </a:br>
+            <a:r>
+              <a:rPr lang="pt-BR">
+                <a:latin typeface="Consolas" panose="020B0609020204030204" pitchFamily="49" charset="0"/>
+              </a:rPr>
+              <a:t>auto l4 = List(1, 2, 3</a:t>
+            </a:r>
+            <a:r>
+              <a:rPr lang="pt-BR" smtClean="0">
+                <a:latin typeface="Consolas" panose="020B0609020204030204" pitchFamily="49" charset="0"/>
+              </a:rPr>
+              <a:t>);</a:t>
+            </a:r>
+            <a:br>
+              <a:rPr lang="pt-BR" smtClean="0">
+                <a:latin typeface="Consolas" panose="020B0609020204030204" pitchFamily="49" charset="0"/>
+              </a:rPr>
+            </a:br>
+            <a:r>
+              <a:rPr lang="pt-BR" smtClean="0">
+                <a:latin typeface="Consolas" panose="020B0609020204030204" pitchFamily="49" charset="0"/>
+              </a:rPr>
+              <a:t>auto </a:t>
+            </a:r>
+            <a:r>
+              <a:rPr lang="pt-BR">
+                <a:latin typeface="Consolas" panose="020B0609020204030204" pitchFamily="49" charset="0"/>
+              </a:rPr>
+              <a:t>l5 = flatmap(pair)(l4);</a:t>
+            </a:r>
+            <a:endParaRPr lang="en-US">
+              <a:latin typeface="Consolas" panose="020B0609020204030204" pitchFamily="49" charset="0"/>
+            </a:endParaRPr>
+          </a:p>
+        </p:txBody>
+      </p:sp>
+    </p:spTree>
+    <p:extLst>
+      <p:ext uri="{BB962C8B-B14F-4D97-AF65-F5344CB8AC3E}">
+        <p14:creationId xmlns:p14="http://schemas.microsoft.com/office/powerpoint/2010/main" val="675037691"/>
+      </p:ext>
+    </p:extLst>
+  </p:cSld>
+  <p:clrMapOvr>
+    <a:masterClrMapping/>
+  </p:clrMapOvr>
+  <p:timing>
+    <p:tnLst>
+      <p:par>
+        <p:cTn id="1" dur="indefinite" restart="never" nodeType="tmRoot"/>
+      </p:par>
+    </p:tnLst>
+  </p:timing>
+</p:sld>
+</file>
+
+<file path=ppt/slides/slide82.xml><?xml version="1.0" encoding="utf-8"?>
+<p:sld xmlns:a="http://schemas.openxmlformats.org/drawingml/2006/main" xmlns:r="http://schemas.openxmlformats.org/officeDocument/2006/relationships" xmlns:p="http://schemas.openxmlformats.org/presentationml/2006/main">
+  <p:cSld>
+    <p:spTree>
+      <p:nvGrpSpPr>
+        <p:cNvPr id="1" name=""/>
+        <p:cNvGrpSpPr/>
+        <p:nvPr/>
+      </p:nvGrpSpPr>
+      <p:grpSpPr>
+        <a:xfrm>
+          <a:off x="0" y="0"/>
+          <a:ext cx="0" cy="0"/>
+          <a:chOff x="0" y="0"/>
+          <a:chExt cx="0" cy="0"/>
+        </a:xfrm>
+      </p:grpSpPr>
+      <p:sp>
+        <p:nvSpPr>
+          <p:cNvPr id="2" name="Title 1"/>
+          <p:cNvSpPr>
+            <a:spLocks noGrp="1"/>
+          </p:cNvSpPr>
+          <p:nvPr>
+            <p:ph type="title"/>
+          </p:nvPr>
+        </p:nvSpPr>
+        <p:spPr/>
+        <p:txBody>
+          <a:bodyPr/>
+          <a:lstStyle/>
+          <a:p>
+            <a:r>
+              <a:rPr lang="ru-RU" smtClean="0"/>
+              <a:t>Итоговая монада</a:t>
+            </a:r>
+            <a:endParaRPr lang="en-US"/>
+          </a:p>
+        </p:txBody>
+      </p:sp>
+      <p:sp>
+        <p:nvSpPr>
+          <p:cNvPr id="3" name="Content Placeholder 2"/>
+          <p:cNvSpPr>
+            <a:spLocks noGrp="1"/>
+          </p:cNvSpPr>
+          <p:nvPr>
+            <p:ph idx="1"/>
+          </p:nvPr>
+        </p:nvSpPr>
+        <p:spPr/>
+        <p:txBody>
+          <a:bodyPr/>
+          <a:lstStyle/>
+          <a:p>
+            <a:pPr marL="45720" indent="0">
+              <a:buNone/>
+            </a:pPr>
+            <a:r>
+              <a:rPr lang="en-US">
+                <a:latin typeface="Consolas" panose="020B0609020204030204" pitchFamily="49" charset="0"/>
+              </a:rPr>
+              <a:t>template &lt;class LIST, class Func</a:t>
+            </a:r>
+            <a:r>
+              <a:rPr lang="en-US" smtClean="0">
+                <a:latin typeface="Consolas" panose="020B0609020204030204" pitchFamily="49" charset="0"/>
+              </a:rPr>
+              <a:t>&gt;</a:t>
+            </a:r>
+            <a:r>
+              <a:rPr lang="ru-RU" smtClean="0">
+                <a:latin typeface="Consolas" panose="020B0609020204030204" pitchFamily="49" charset="0"/>
+              </a:rPr>
+              <a:t/>
+            </a:r>
+            <a:br>
+              <a:rPr lang="ru-RU" smtClean="0">
+                <a:latin typeface="Consolas" panose="020B0609020204030204" pitchFamily="49" charset="0"/>
+              </a:rPr>
+            </a:br>
+            <a:r>
+              <a:rPr lang="en-US" smtClean="0">
+                <a:latin typeface="Consolas" panose="020B0609020204030204" pitchFamily="49" charset="0"/>
+              </a:rPr>
+              <a:t>auto </a:t>
+            </a:r>
+            <a:r>
+              <a:rPr lang="en-US">
+                <a:latin typeface="Consolas" panose="020B0609020204030204" pitchFamily="49" charset="0"/>
+              </a:rPr>
+              <a:t>operator &gt; (LIST l, Func f</a:t>
+            </a:r>
+            <a:r>
+              <a:rPr lang="en-US" smtClean="0">
+                <a:latin typeface="Consolas" panose="020B0609020204030204" pitchFamily="49" charset="0"/>
+              </a:rPr>
+              <a:t>)</a:t>
+            </a:r>
+            <a:r>
+              <a:rPr lang="ru-RU">
+                <a:latin typeface="Consolas" panose="020B0609020204030204" pitchFamily="49" charset="0"/>
+              </a:rPr>
+              <a:t> </a:t>
+            </a:r>
+            <a:r>
+              <a:rPr lang="en-US" smtClean="0">
+                <a:latin typeface="Consolas" panose="020B0609020204030204" pitchFamily="49" charset="0"/>
+              </a:rPr>
+              <a:t>{</a:t>
+            </a:r>
+            <a:r>
+              <a:rPr lang="ru-RU" smtClean="0">
+                <a:latin typeface="Consolas" panose="020B0609020204030204" pitchFamily="49" charset="0"/>
+              </a:rPr>
+              <a:t/>
+            </a:r>
+            <a:br>
+              <a:rPr lang="ru-RU" smtClean="0">
+                <a:latin typeface="Consolas" panose="020B0609020204030204" pitchFamily="49" charset="0"/>
+              </a:rPr>
+            </a:br>
+            <a:r>
+              <a:rPr lang="en-US" smtClean="0">
+                <a:latin typeface="Consolas" panose="020B0609020204030204" pitchFamily="49" charset="0"/>
+              </a:rPr>
+              <a:t>  </a:t>
+            </a:r>
+            <a:r>
+              <a:rPr lang="en-US">
+                <a:latin typeface="Consolas" panose="020B0609020204030204" pitchFamily="49" charset="0"/>
+              </a:rPr>
+              <a:t>return fmap(f)(l</a:t>
+            </a:r>
+            <a:r>
+              <a:rPr lang="en-US" smtClean="0">
+                <a:latin typeface="Consolas" panose="020B0609020204030204" pitchFamily="49" charset="0"/>
+              </a:rPr>
+              <a:t>);</a:t>
+            </a:r>
+            <a:r>
+              <a:rPr lang="ru-RU" smtClean="0">
+                <a:latin typeface="Consolas" panose="020B0609020204030204" pitchFamily="49" charset="0"/>
+              </a:rPr>
+              <a:t/>
+            </a:r>
+            <a:br>
+              <a:rPr lang="ru-RU" smtClean="0">
+                <a:latin typeface="Consolas" panose="020B0609020204030204" pitchFamily="49" charset="0"/>
+              </a:rPr>
+            </a:br>
+            <a:r>
+              <a:rPr lang="en-US" smtClean="0">
+                <a:latin typeface="Consolas" panose="020B0609020204030204" pitchFamily="49" charset="0"/>
+              </a:rPr>
+              <a:t>}</a:t>
+            </a:r>
+            <a:endParaRPr lang="ru-RU" smtClean="0">
+              <a:latin typeface="Consolas" panose="020B0609020204030204" pitchFamily="49" charset="0"/>
+            </a:endParaRPr>
+          </a:p>
+          <a:p>
+            <a:pPr marL="45720" indent="0">
+              <a:buNone/>
+            </a:pPr>
+            <a:r>
+              <a:rPr lang="en-US" smtClean="0">
+                <a:latin typeface="Consolas" panose="020B0609020204030204" pitchFamily="49" charset="0"/>
+              </a:rPr>
+              <a:t>template </a:t>
+            </a:r>
+            <a:r>
+              <a:rPr lang="en-US">
+                <a:latin typeface="Consolas" panose="020B0609020204030204" pitchFamily="49" charset="0"/>
+              </a:rPr>
+              <a:t>&lt;class LIST, class Func</a:t>
+            </a:r>
+            <a:r>
+              <a:rPr lang="en-US" smtClean="0">
+                <a:latin typeface="Consolas" panose="020B0609020204030204" pitchFamily="49" charset="0"/>
+              </a:rPr>
+              <a:t>&gt;</a:t>
+            </a:r>
+            <a:r>
+              <a:rPr lang="ru-RU" smtClean="0">
+                <a:latin typeface="Consolas" panose="020B0609020204030204" pitchFamily="49" charset="0"/>
+              </a:rPr>
+              <a:t/>
+            </a:r>
+            <a:br>
+              <a:rPr lang="ru-RU" smtClean="0">
+                <a:latin typeface="Consolas" panose="020B0609020204030204" pitchFamily="49" charset="0"/>
+              </a:rPr>
+            </a:br>
+            <a:r>
+              <a:rPr lang="en-US" smtClean="0">
+                <a:latin typeface="Consolas" panose="020B0609020204030204" pitchFamily="49" charset="0"/>
+              </a:rPr>
+              <a:t>auto </a:t>
+            </a:r>
+            <a:r>
+              <a:rPr lang="en-US">
+                <a:latin typeface="Consolas" panose="020B0609020204030204" pitchFamily="49" charset="0"/>
+              </a:rPr>
+              <a:t>operator &gt;= (LIST l, Func f</a:t>
+            </a:r>
+            <a:r>
+              <a:rPr lang="en-US" smtClean="0">
+                <a:latin typeface="Consolas" panose="020B0609020204030204" pitchFamily="49" charset="0"/>
+              </a:rPr>
+              <a:t>)</a:t>
+            </a:r>
+            <a:r>
+              <a:rPr lang="ru-RU">
+                <a:latin typeface="Consolas" panose="020B0609020204030204" pitchFamily="49" charset="0"/>
+              </a:rPr>
+              <a:t> </a:t>
+            </a:r>
+            <a:r>
+              <a:rPr lang="en-US" smtClean="0">
+                <a:latin typeface="Consolas" panose="020B0609020204030204" pitchFamily="49" charset="0"/>
+              </a:rPr>
+              <a:t>{</a:t>
+            </a:r>
+            <a:r>
+              <a:rPr lang="ru-RU" smtClean="0">
+                <a:latin typeface="Consolas" panose="020B0609020204030204" pitchFamily="49" charset="0"/>
+              </a:rPr>
+              <a:t/>
+            </a:r>
+            <a:br>
+              <a:rPr lang="ru-RU" smtClean="0">
+                <a:latin typeface="Consolas" panose="020B0609020204030204" pitchFamily="49" charset="0"/>
+              </a:rPr>
+            </a:br>
+            <a:r>
+              <a:rPr lang="en-US" smtClean="0">
+                <a:latin typeface="Consolas" panose="020B0609020204030204" pitchFamily="49" charset="0"/>
+              </a:rPr>
+              <a:t>  </a:t>
+            </a:r>
+            <a:r>
+              <a:rPr lang="en-US">
+                <a:latin typeface="Consolas" panose="020B0609020204030204" pitchFamily="49" charset="0"/>
+              </a:rPr>
+              <a:t>return flatmap(f)(l</a:t>
+            </a:r>
+            <a:r>
+              <a:rPr lang="en-US" smtClean="0">
+                <a:latin typeface="Consolas" panose="020B0609020204030204" pitchFamily="49" charset="0"/>
+              </a:rPr>
+              <a:t>);</a:t>
+            </a:r>
+            <a:r>
+              <a:rPr lang="ru-RU" smtClean="0">
+                <a:latin typeface="Consolas" panose="020B0609020204030204" pitchFamily="49" charset="0"/>
+              </a:rPr>
+              <a:t/>
+            </a:r>
+            <a:br>
+              <a:rPr lang="ru-RU" smtClean="0">
+                <a:latin typeface="Consolas" panose="020B0609020204030204" pitchFamily="49" charset="0"/>
+              </a:rPr>
+            </a:br>
+            <a:r>
+              <a:rPr lang="en-US" smtClean="0">
+                <a:latin typeface="Consolas" panose="020B0609020204030204" pitchFamily="49" charset="0"/>
+              </a:rPr>
+              <a:t>}</a:t>
+            </a:r>
+            <a:endParaRPr lang="ru-RU" smtClean="0">
+              <a:latin typeface="Consolas" panose="020B0609020204030204" pitchFamily="49" charset="0"/>
+            </a:endParaRPr>
+          </a:p>
+          <a:p>
+            <a:pPr marL="45720" indent="0">
+              <a:buNone/>
+            </a:pPr>
+            <a:r>
+              <a:rPr lang="en-US">
+                <a:latin typeface="Consolas" panose="020B0609020204030204" pitchFamily="49" charset="0"/>
+              </a:rPr>
+              <a:t>auto l7 </a:t>
+            </a:r>
+            <a:r>
+              <a:rPr lang="en-US" smtClean="0">
+                <a:latin typeface="Consolas" panose="020B0609020204030204" pitchFamily="49" charset="0"/>
+              </a:rPr>
+              <a:t>= </a:t>
+            </a:r>
+            <a:r>
+              <a:rPr lang="en-US">
+                <a:latin typeface="Consolas" panose="020B0609020204030204" pitchFamily="49" charset="0"/>
+              </a:rPr>
+              <a:t>List(1, 2, 3) &gt;= pair &gt; print;</a:t>
+            </a:r>
+          </a:p>
+        </p:txBody>
+      </p:sp>
+    </p:spTree>
+    <p:extLst>
+      <p:ext uri="{BB962C8B-B14F-4D97-AF65-F5344CB8AC3E}">
+        <p14:creationId xmlns:p14="http://schemas.microsoft.com/office/powerpoint/2010/main" val="3887864393"/>
+      </p:ext>
+    </p:extLst>
+  </p:cSld>
+  <p:clrMapOvr>
+    <a:masterClrMapping/>
+  </p:clrMapOvr>
+  <p:timing>
+    <p:tnLst>
+      <p:par>
+        <p:cTn id="1" dur="indefinite" restart="never" nodeType="tmRoot"/>
+      </p:par>
+    </p:tnLst>
+  </p:timing>
+</p:sld>
+</file>
+
+<file path=ppt/slides/slide83.xml><?xml version="1.0" encoding="utf-8"?>
+<p:sld xmlns:a="http://schemas.openxmlformats.org/drawingml/2006/main" xmlns:r="http://schemas.openxmlformats.org/officeDocument/2006/relationships" xmlns:p="http://schemas.openxmlformats.org/presentationml/2006/main">
+  <p:cSld>
+    <p:spTree>
+      <p:nvGrpSpPr>
+        <p:cNvPr id="1" name=""/>
+        <p:cNvGrpSpPr/>
+        <p:nvPr/>
+      </p:nvGrpSpPr>
+      <p:grpSpPr>
+        <a:xfrm>
+          <a:off x="0" y="0"/>
+          <a:ext cx="0" cy="0"/>
+          <a:chOff x="0" y="0"/>
+          <a:chExt cx="0" cy="0"/>
+        </a:xfrm>
+      </p:grpSpPr>
+      <p:sp>
+        <p:nvSpPr>
+          <p:cNvPr id="2" name="Title 1"/>
+          <p:cNvSpPr>
+            <a:spLocks noGrp="1"/>
+          </p:cNvSpPr>
+          <p:nvPr>
+            <p:ph type="title"/>
+          </p:nvPr>
+        </p:nvSpPr>
+        <p:spPr/>
+        <p:txBody>
+          <a:bodyPr/>
+          <a:lstStyle/>
+          <a:p>
+            <a:r>
+              <a:rPr lang="ru-RU" smtClean="0"/>
+              <a:t>Обсуждение</a:t>
+            </a:r>
+            <a:endParaRPr lang="en-US"/>
+          </a:p>
+        </p:txBody>
+      </p:sp>
+      <p:sp>
+        <p:nvSpPr>
+          <p:cNvPr id="3" name="Content Placeholder 2"/>
+          <p:cNvSpPr>
+            <a:spLocks noGrp="1"/>
+          </p:cNvSpPr>
+          <p:nvPr>
+            <p:ph idx="1"/>
+          </p:nvPr>
+        </p:nvSpPr>
+        <p:spPr/>
+        <p:txBody>
+          <a:bodyPr/>
+          <a:lstStyle/>
+          <a:p>
+            <a:r>
+              <a:rPr lang="ru-RU" smtClean="0"/>
+              <a:t>Можем ли мы здесь применить </a:t>
+            </a:r>
+            <a:r>
+              <a:rPr lang="en-US" smtClean="0"/>
+              <a:t>constexpr </a:t>
+            </a:r>
+            <a:r>
+              <a:rPr lang="ru-RU" smtClean="0"/>
+              <a:t>лямбды и перенести все вычисления на этап компиляции?</a:t>
+            </a:r>
+            <a:endParaRPr lang="en-US"/>
+          </a:p>
+        </p:txBody>
+      </p:sp>
+    </p:spTree>
+    <p:extLst>
+      <p:ext uri="{BB962C8B-B14F-4D97-AF65-F5344CB8AC3E}">
+        <p14:creationId xmlns:p14="http://schemas.microsoft.com/office/powerpoint/2010/main" val="1498166284"/>
+      </p:ext>
+    </p:extLst>
+  </p:cSld>
+  <p:clrMapOvr>
+    <a:masterClrMapping/>
+  </p:clrMapOvr>
+  <p:timing>
+    <p:tnLst>
+      <p:par>
+        <p:cTn id="1" dur="indefinite" restart="never" nodeType="tmRoot"/>
+      </p:par>
+    </p:tnLst>
+  </p:timing>
+</p:sld>
+</file>
+
+<file path=ppt/slides/slide84.xml><?xml version="1.0" encoding="utf-8"?>
+<p:sld xmlns:a="http://schemas.openxmlformats.org/drawingml/2006/main" xmlns:r="http://schemas.openxmlformats.org/officeDocument/2006/relationships" xmlns:p="http://schemas.openxmlformats.org/presentationml/2006/main">
+  <p:cSld>
+    <p:spTree>
+      <p:nvGrpSpPr>
+        <p:cNvPr id="1" name=""/>
+        <p:cNvGrpSpPr/>
+        <p:nvPr/>
+      </p:nvGrpSpPr>
+      <p:grpSpPr>
+        <a:xfrm>
+          <a:off x="0" y="0"/>
+          <a:ext cx="0" cy="0"/>
+          <a:chOff x="0" y="0"/>
+          <a:chExt cx="0" cy="0"/>
+        </a:xfrm>
+      </p:grpSpPr>
+      <p:sp>
+        <p:nvSpPr>
+          <p:cNvPr id="2" name="Title 1"/>
+          <p:cNvSpPr>
+            <a:spLocks noGrp="1"/>
+          </p:cNvSpPr>
+          <p:nvPr>
+            <p:ph type="title"/>
+          </p:nvPr>
+        </p:nvSpPr>
+        <p:spPr/>
+        <p:txBody>
+          <a:bodyPr/>
+          <a:lstStyle/>
+          <a:p>
+            <a:r>
+              <a:rPr lang="ru-RU" smtClean="0"/>
+              <a:t>Литература</a:t>
+            </a:r>
+            <a:endParaRPr lang="en-US"/>
+          </a:p>
+        </p:txBody>
+      </p:sp>
+      <mc:AlternateContent xmlns:mc="http://schemas.openxmlformats.org/markup-compatibility/2006">
+        <mc:Choice xmlns:a14="http://schemas.microsoft.com/office/drawing/2010/main" Requires="a14">
           <p:sp>
             <p:nvSpPr>
               <p:cNvPr id="3" name="Content Placeholder 2"/>
@@ -28204,55 +29435,77 @@
             </p:nvSpPr>
             <p:spPr/>
             <p:txBody>
-              <a:bodyPr/>
+              <a:bodyPr>
+                <a:noAutofit/>
+              </a:bodyPr>
               <a:lstStyle/>
               <a:p>
                 <a:pPr lvl="0"/>
                 <a:r>
-                  <a:rPr lang="en-US"/>
+                  <a:rPr lang="en-US" sz="1600" smtClean="0"/>
                   <a:t>ISO/IEC, "Information technology -- Programming languages – C++", ISO/IEC </a:t>
                 </a:r>
                 <a14:m>
                   <m:oMath xmlns:m="http://schemas.openxmlformats.org/officeDocument/2006/math">
                     <m:r>
-                      <a:rPr lang="en-US" i="1" smtClean="0">
+                      <a:rPr lang="en-US" sz="1600" i="1" smtClean="0">
                         <a:latin typeface="Cambria Math" panose="02040503050406030204" pitchFamily="18" charset="0"/>
                       </a:rPr>
-                      <m:t>14882:2014</m:t>
+                      <m:t>14882:201</m:t>
+                    </m:r>
+                    <m:r>
+                      <a:rPr lang="en-US" sz="1600" b="0" i="1" smtClean="0">
+                        <a:latin typeface="Cambria Math" panose="02040503050406030204" pitchFamily="18" charset="0"/>
+                      </a:rPr>
+                      <m:t>7</m:t>
                     </m:r>
                   </m:oMath>
                 </a14:m>
-                <a:endParaRPr lang="en-US"/>
+                <a:endParaRPr lang="en-US" sz="1600"/>
               </a:p>
               <a:p>
                 <a:pPr lvl="0"/>
                 <a:r>
-                  <a:rPr lang="en-US"/>
-                  <a:t>The C++ Programming Language (4th Edition</a:t>
+                  <a:rPr lang="en-US" sz="1600"/>
+                  <a:t>The C++ Programming Language (</a:t>
+                </a:r>
+                <a14:m>
+                  <m:oMath xmlns:m="http://schemas.openxmlformats.org/officeDocument/2006/math">
+                    <m:r>
+                      <a:rPr lang="en-US" sz="1600" i="1" smtClean="0">
+                        <a:latin typeface="Cambria Math" panose="02040503050406030204" pitchFamily="18" charset="0"/>
+                      </a:rPr>
+                      <m:t>4</m:t>
+                    </m:r>
+                  </m:oMath>
+                </a14:m>
+                <a:r>
+                  <a:rPr lang="en-US" sz="1600"/>
+                  <a:t>th Edition</a:t>
                 </a:r>
                 <a:r>
-                  <a:rPr lang="en-US" smtClean="0"/>
+                  <a:rPr lang="en-US" sz="1600" smtClean="0"/>
                   <a:t>)</a:t>
                 </a:r>
               </a:p>
               <a:p>
                 <a:pPr lvl="0"/>
                 <a:r>
-                  <a:rPr lang="en-US" smtClean="0"/>
+                  <a:rPr lang="en-US" sz="1600" smtClean="0"/>
                   <a:t>H. Abelson, G. J. Sussman, Structure </a:t>
                 </a:r>
                 <a:r>
-                  <a:rPr lang="en-US"/>
+                  <a:rPr lang="en-US" sz="1600"/>
                   <a:t>and Interpretation of Computer </a:t>
                 </a:r>
                 <a:r>
-                  <a:rPr lang="en-US" smtClean="0"/>
+                  <a:rPr lang="en-US" sz="1600" smtClean="0"/>
                   <a:t>Programs, </a:t>
                 </a:r>
                 <a14:m>
                   <m:oMath xmlns:m="http://schemas.openxmlformats.org/officeDocument/2006/math">
                     <m:r>
-                      <a:rPr lang="en-US" i="1" smtClean="0">
+                      <a:rPr lang="en-US" sz="1600" i="1" smtClean="0">
                         <a:latin typeface="Cambria Math" panose="02040503050406030204" pitchFamily="18" charset="0"/>
                       </a:rPr>
                       <m:t>2</m:t>
@@ -28260,120 +29513,150 @@
                   </m:oMath>
                 </a14:m>
                 <a:r>
-                  <a:rPr lang="en-US"/>
+                  <a:rPr lang="en-US" sz="1600"/>
                   <a:t>nd </a:t>
                 </a:r>
                 <a:r>
-                  <a:rPr lang="en-US" smtClean="0"/>
+                  <a:rPr lang="en-US" sz="1600" smtClean="0"/>
                   <a:t>Edition, MIT Press, </a:t>
                 </a:r>
                 <a14:m>
                   <m:oMath xmlns:m="http://schemas.openxmlformats.org/officeDocument/2006/math">
                     <m:r>
-                      <a:rPr lang="en-US" i="1" smtClean="0">
+                      <a:rPr lang="en-US" sz="1600" i="1" smtClean="0">
                         <a:latin typeface="Cambria Math" panose="02040503050406030204" pitchFamily="18" charset="0"/>
                       </a:rPr>
                       <m:t>1996</m:t>
                     </m:r>
                   </m:oMath>
                 </a14:m>
-                <a:endParaRPr lang="en-US" smtClean="0"/>
+                <a:endParaRPr lang="en-US" sz="1600" smtClean="0"/>
+              </a:p>
+              <a:p>
+                <a:r>
+                  <a:rPr lang="en-US" sz="1600"/>
+                  <a:t>Nicolai M. Josuttis,  The C++ Standard Library - A Tutorial and Reference, </a:t>
+                </a:r>
+                <a14:m>
+                  <m:oMath xmlns:m="http://schemas.openxmlformats.org/officeDocument/2006/math">
+                    <m:r>
+                      <a:rPr lang="en-US" sz="1600" i="1" smtClean="0">
+                        <a:latin typeface="Cambria Math" panose="02040503050406030204" pitchFamily="18" charset="0"/>
+                      </a:rPr>
+                      <m:t>2</m:t>
+                    </m:r>
+                  </m:oMath>
+                </a14:m>
+                <a:r>
+                  <a:rPr lang="en-US" sz="1600"/>
+                  <a:t>nd Edition , Addison-Wesley</a:t>
+                </a:r>
+                <a:r>
+                  <a:rPr lang="en-US" sz="1600"/>
+                  <a:t>, </a:t>
+                </a:r>
+                <a14:m>
+                  <m:oMath xmlns:m="http://schemas.openxmlformats.org/officeDocument/2006/math">
+                    <m:r>
+                      <a:rPr lang="en-US" sz="1600" i="1" smtClean="0">
+                        <a:latin typeface="Cambria Math" panose="02040503050406030204" pitchFamily="18" charset="0"/>
+                      </a:rPr>
+                      <m:t>2012</m:t>
+                    </m:r>
+                  </m:oMath>
+                </a14:m>
+                <a:endParaRPr lang="en-US" sz="1600" smtClean="0"/>
               </a:p>
               <a:p>
                 <a:pPr lvl="0"/>
                 <a:r>
-                  <a:rPr lang="en-US" smtClean="0"/>
+                  <a:rPr lang="en-US" sz="1600" smtClean="0"/>
                   <a:t>Scott </a:t>
                 </a:r>
                 <a:r>
-                  <a:rPr lang="en-US"/>
-                  <a:t>Meyers, Effective STL, 50 specific ways to improve your use of the standard template </a:t>
+                  <a:rPr lang="en-US" sz="1600"/>
+                  <a:t>Meyers, Effective STL, </a:t>
+                </a:r>
+                <a14:m>
+                  <m:oMath xmlns:m="http://schemas.openxmlformats.org/officeDocument/2006/math">
+                    <m:r>
+                      <a:rPr lang="en-US" sz="1600" i="1" smtClean="0">
+                        <a:latin typeface="Cambria Math" panose="02040503050406030204" pitchFamily="18" charset="0"/>
+                      </a:rPr>
+                      <m:t>50</m:t>
+                    </m:r>
+                  </m:oMath>
+                </a14:m>
+                <a:r>
+                  <a:rPr lang="en-US" sz="1600"/>
+                  <a:t> specific ways to improve your use of the standard template </a:t>
                 </a:r>
                 <a:r>
-                  <a:rPr lang="en-US" smtClean="0"/>
+                  <a:rPr lang="en-US" sz="1600" smtClean="0"/>
                   <a:t>library, Addison-Wesley, </a:t>
                 </a:r>
                 <a14:m>
                   <m:oMath xmlns:m="http://schemas.openxmlformats.org/officeDocument/2006/math">
                     <m:r>
-                      <a:rPr lang="en-US" i="1" smtClean="0">
+                      <a:rPr lang="en-US" sz="1600" i="1" smtClean="0">
                         <a:latin typeface="Cambria Math" panose="02040503050406030204" pitchFamily="18" charset="0"/>
                       </a:rPr>
                       <m:t>2001</m:t>
                     </m:r>
                   </m:oMath>
                 </a14:m>
-                <a:endParaRPr lang="ru-RU" smtClean="0"/>
+                <a:endParaRPr lang="en-US" sz="1600" smtClean="0"/>
               </a:p>
               <a:p>
                 <a:pPr lvl="0"/>
                 <a:r>
-                  <a:rPr lang="en-US"/>
-                  <a:t>D. Abrahams, Unifying Generic Functions and Function </a:t>
+                  <a:rPr lang="en-US" sz="1600"/>
+                  <a:t>Scott Meyers, </a:t>
                 </a:r>
                 <a:r>
-                  <a:rPr lang="en-US" smtClean="0"/>
-                  <a:t>Objects, C++Next'</a:t>
+                  <a:rPr lang="en-US" sz="1600" smtClean="0"/>
+                  <a:t>Effective </a:t>
+                </a:r>
+                <a:r>
+                  <a:rPr lang="en-US" sz="1600"/>
+                  <a:t>Modern C++: </a:t>
                 </a:r>
                 <a14:m>
                   <m:oMath xmlns:m="http://schemas.openxmlformats.org/officeDocument/2006/math">
                     <m:r>
-                      <a:rPr lang="en-US" i="1" smtClean="0">
+                      <a:rPr lang="en-US" sz="1600" i="1" smtClean="0">
                         <a:latin typeface="Cambria Math" panose="02040503050406030204" pitchFamily="18" charset="0"/>
                       </a:rPr>
-                      <m:t>2012</m:t>
+                      <m:t>42</m:t>
                     </m:r>
                   </m:oMath>
                 </a14:m>
-                <a:endParaRPr lang="en-US" smtClean="0"/>
-              </a:p>
-              <a:p>
                 <a:r>
-                  <a:rPr lang="en-US" smtClean="0"/>
-                  <a:t>Stephan </a:t>
-                </a:r>
-                <a:r>
-                  <a:rPr lang="en-US"/>
-                  <a:t>T. </a:t>
-                </a:r>
-                <a:r>
-                  <a:rPr lang="en-US" smtClean="0"/>
-                  <a:t>Lavavej, functional</a:t>
-                </a:r>
-                <a:r>
-                  <a:rPr lang="en-US"/>
-                  <a:t>: What's New, And Proper </a:t>
-                </a:r>
-                <a:r>
-                  <a:rPr lang="en-US" smtClean="0"/>
-                  <a:t>Usage, CppCon'</a:t>
+                  <a:rPr lang="en-US" sz="1600"/>
+                  <a:t> Specific Ways to Improve Your Use of C++</a:t>
                 </a:r>
                 <a14:m>
                   <m:oMath xmlns:m="http://schemas.openxmlformats.org/officeDocument/2006/math">
                     <m:r>
-                      <a:rPr lang="en-US" i="1" smtClean="0">
+                      <a:rPr lang="en-US" sz="1600" i="1" smtClean="0">
                         <a:latin typeface="Cambria Math" panose="02040503050406030204" pitchFamily="18" charset="0"/>
                       </a:rPr>
-                      <m:t>2015</m:t>
+                      <m:t>11</m:t>
                     </m:r>
                   </m:oMath>
                 </a14:m>
-                <a:endParaRPr lang="en-US"/>
-              </a:p>
-              <a:p>
-                <a:pPr lvl="0"/>
                 <a:r>
-                  <a:rPr lang="en-US" smtClean="0"/>
-                  <a:t>S</a:t>
+                  <a:rPr lang="en-US" sz="1600"/>
+                  <a:t> and C</a:t>
                 </a:r>
                 <a:r>
-                  <a:rPr lang="en-US"/>
-                  <a:t>. Tambe, Fun with Lambdas: C++</a:t>
+                  <a:rPr lang="en-US" sz="1600"/>
+                  <a:t>++</a:t>
                 </a:r>
                 <a14:m>
                   <m:oMath xmlns:m="http://schemas.openxmlformats.org/officeDocument/2006/math">
                     <m:r>
-                      <a:rPr lang="en-US" i="1" smtClean="0">
+                      <a:rPr lang="en-US" sz="1600" i="1" smtClean="0">
                         <a:latin typeface="Cambria Math" panose="02040503050406030204" pitchFamily="18" charset="0"/>
                       </a:rPr>
                       <m:t>14</m:t>
@@ -28381,14 +29664,123 @@
                   </m:oMath>
                 </a14:m>
                 <a:r>
-                  <a:rPr lang="en-US"/>
-                  <a:t> Style </a:t>
+                  <a:rPr lang="en-US" sz="1600" smtClean="0"/>
+                  <a:t>, </a:t>
                 </a:r>
+                <a14:m>
+                  <m:oMath xmlns:m="http://schemas.openxmlformats.org/officeDocument/2006/math">
+                    <m:r>
+                      <a:rPr lang="en-US" sz="1600" i="1" smtClean="0">
+                        <a:latin typeface="Cambria Math" panose="02040503050406030204" pitchFamily="18" charset="0"/>
+                      </a:rPr>
+                      <m:t>2012</m:t>
+                    </m:r>
+                  </m:oMath>
+                </a14:m>
+                <a:endParaRPr lang="en-US" sz="1600"/>
+              </a:p>
+              <a:p>
+                <a:pPr lvl="0"/>
+                <a:r>
+                  <a:rPr lang="en-US" sz="1600" smtClean="0"/>
+                  <a:t>D</a:t>
+                </a:r>
+                <a:r>
+                  <a:rPr lang="en-US" sz="1600"/>
+                  <a:t>. Abrahams, Unifying Generic Functions and Function </a:t>
+                </a:r>
+                <a:r>
+                  <a:rPr lang="en-US" sz="1600" smtClean="0"/>
+                  <a:t>Objects, C++Next'</a:t>
+                </a:r>
+                <a14:m>
+                  <m:oMath xmlns:m="http://schemas.openxmlformats.org/officeDocument/2006/math">
+                    <m:r>
+                      <a:rPr lang="en-US" sz="1600" i="1" smtClean="0">
+                        <a:latin typeface="Cambria Math" panose="02040503050406030204" pitchFamily="18" charset="0"/>
+                      </a:rPr>
+                      <m:t>2012</m:t>
+                    </m:r>
+                  </m:oMath>
+                </a14:m>
+                <a:endParaRPr lang="en-US" sz="1600" smtClean="0"/>
+              </a:p>
+              <a:p>
+                <a:r>
+                  <a:rPr lang="en-US" sz="1600"/>
+                  <a:t>S</a:t>
+                </a:r>
+                <a:r>
+                  <a:rPr lang="en-US" sz="1600"/>
+                  <a:t>. Tambe, Fun with Lambdas: C++</a:t>
+                </a:r>
+                <a14:m>
+                  <m:oMath xmlns:m="http://schemas.openxmlformats.org/officeDocument/2006/math">
+                    <m:r>
+                      <a:rPr lang="en-US" sz="1600" i="1">
+                        <a:latin typeface="Cambria Math" panose="02040503050406030204" pitchFamily="18" charset="0"/>
+                      </a:rPr>
+                      <m:t>14</m:t>
+                    </m:r>
+                  </m:oMath>
+                </a14:m>
+                <a:r>
+                  <a:rPr lang="en-US" sz="1600"/>
+                  <a:t> </a:t>
+                </a:r>
+                <a:r>
+                  <a:rPr lang="en-US" sz="1600" smtClean="0"/>
+                  <a:t>Style, </a:t>
+                </a:r>
+                <a14:m>
+                  <m:oMath xmlns:m="http://schemas.openxmlformats.org/officeDocument/2006/math">
+                    <m:r>
+                      <a:rPr lang="en-US" sz="1600" i="1" smtClean="0">
+                        <a:latin typeface="Cambria Math" panose="02040503050406030204" pitchFamily="18" charset="0"/>
+                      </a:rPr>
+                      <m:t>2014</m:t>
+                    </m:r>
+                  </m:oMath>
+                </a14:m>
+                <a:endParaRPr lang="en-US" sz="1600" smtClean="0"/>
+              </a:p>
+              <a:p>
+                <a:r>
+                  <a:rPr lang="en-US" sz="1600" smtClean="0"/>
+                  <a:t>Stephan </a:t>
+                </a:r>
+                <a:r>
+                  <a:rPr lang="en-US" sz="1600"/>
+                  <a:t>T. </a:t>
+                </a:r>
+                <a:r>
+                  <a:rPr lang="en-US" sz="1600" smtClean="0"/>
+                  <a:t>Lavavej, functional</a:t>
+                </a:r>
+                <a:r>
+                  <a:rPr lang="en-US" sz="1600"/>
+                  <a:t>: What's New, And Proper </a:t>
+                </a:r>
+                <a:r>
+                  <a:rPr lang="en-US" sz="1600" smtClean="0"/>
+                  <a:t>Usage, CppCon'</a:t>
+                </a:r>
+                <a14:m>
+                  <m:oMath xmlns:m="http://schemas.openxmlformats.org/officeDocument/2006/math">
+                    <m:r>
+                      <a:rPr lang="en-US" sz="1600" i="1" smtClean="0">
+                        <a:latin typeface="Cambria Math" panose="02040503050406030204" pitchFamily="18" charset="0"/>
+                      </a:rPr>
+                      <m:t>2015</m:t>
+                    </m:r>
+                  </m:oMath>
+                </a14:m>
+                <a:endParaRPr lang="en-US" sz="1600"/>
               </a:p>
             </p:txBody>
           </p:sp>
         </mc:Choice>
-        <mc:Fallback xmlns="">
+        <mc:Fallback>
           <p:sp>
             <p:nvSpPr>
               <p:cNvPr id="3" name="Content Placeholder 2"/>
@@ -28403,7 +29795,7 @@
               <a:blipFill rotWithShape="0">
                 <a:blip r:embed="rId2"/>
                 <a:stretch>
-                  <a:fillRect t="-1964" b="-6495"/>
+                  <a:fillRect t="-1057"/>
                 </a:stretch>
               </a:blipFill>
             </p:spPr>
@@ -28432,6 +29824,13 @@
   <p:clrMapOvr>
     <a:masterClrMapping/>
   </p:clrMapOvr>
+  <p:timing>
+    <p:tnLst>
+      <p:par>
+        <p:cTn id="1" dur="indefinite" restart="never" nodeType="tmRoot"/>
+      </p:par>
+    </p:tnLst>
+  </p:timing>
 </p:sld>
 </file>
 
@@ -28559,6 +29958,13 @@
   <p:clrMapOvr>
     <a:masterClrMapping/>
   </p:clrMapOvr>
+  <p:timing>
+    <p:tnLst>
+      <p:par>
+        <p:cTn id="1" dur="indefinite" restart="never" nodeType="tmRoot"/>
+      </p:par>
+    </p:tnLst>
+  </p:timing>
 </p:sld>
 </file>
 
